--- a/PPT/12 MongoDB 复制集.pptx
+++ b/PPT/12 MongoDB 复制集.pptx
@@ -5,10 +5,10 @@
     <p:sldMasterId id="2147483648" r:id="rId1"/>
   </p:sldMasterIdLst>
   <p:notesMasterIdLst>
-    <p:notesMasterId r:id="rId34"/>
+    <p:notesMasterId r:id="rId32"/>
   </p:notesMasterIdLst>
   <p:handoutMasterIdLst>
-    <p:handoutMasterId r:id="rId35"/>
+    <p:handoutMasterId r:id="rId33"/>
   </p:handoutMasterIdLst>
   <p:sldIdLst>
     <p:sldId id="317" r:id="rId2"/>
@@ -38,11 +38,9 @@
     <p:sldId id="352" r:id="rId26"/>
     <p:sldId id="343" r:id="rId27"/>
     <p:sldId id="353" r:id="rId28"/>
-    <p:sldId id="344" r:id="rId29"/>
-    <p:sldId id="354" r:id="rId30"/>
-    <p:sldId id="355" r:id="rId31"/>
-    <p:sldId id="345" r:id="rId32"/>
-    <p:sldId id="357" r:id="rId33"/>
+    <p:sldId id="354" r:id="rId29"/>
+    <p:sldId id="355" r:id="rId30"/>
+    <p:sldId id="345" r:id="rId31"/>
   </p:sldIdLst>
   <p:sldSz cx="9144000" cy="5143500" type="screen16x9"/>
   <p:notesSz cx="6858000" cy="9144000"/>
@@ -2617,75 +2615,6 @@
 </p:notes>
 </file>
 
-<file path=ppt/notesSlides/notesSlide29.xml><?xml version="1.0" encoding="utf-8"?>
-<p:notes xmlns:a="http://schemas.openxmlformats.org/drawingml/2006/main" xmlns:r="http://schemas.openxmlformats.org/officeDocument/2006/relationships" xmlns:p="http://schemas.openxmlformats.org/presentationml/2006/main">
-  <p:cSld>
-    <p:spTree>
-      <p:nvGrpSpPr>
-        <p:cNvPr id="1" name=""/>
-        <p:cNvGrpSpPr/>
-        <p:nvPr/>
-      </p:nvGrpSpPr>
-      <p:grpSpPr>
-        <a:xfrm>
-          <a:off x="0" y="0"/>
-          <a:ext cx="0" cy="0"/>
-          <a:chOff x="0" y="0"/>
-          <a:chExt cx="0" cy="0"/>
-        </a:xfrm>
-      </p:grpSpPr>
-      <p:sp>
-        <p:nvSpPr>
-          <p:cNvPr id="2" name="幻灯片图像占位符 1"/>
-          <p:cNvSpPr>
-            <a:spLocks noGrp="1" noRot="1" noChangeAspect="1"/>
-          </p:cNvSpPr>
-          <p:nvPr>
-            <p:ph type="sldImg"/>
-          </p:nvPr>
-        </p:nvSpPr>
-        <p:spPr/>
-      </p:sp>
-      <p:sp>
-        <p:nvSpPr>
-          <p:cNvPr id="3" name="备注占位符 2"/>
-          <p:cNvSpPr>
-            <a:spLocks noGrp="1"/>
-          </p:cNvSpPr>
-          <p:nvPr>
-            <p:ph type="body" idx="1"/>
-          </p:nvPr>
-        </p:nvSpPr>
-        <p:spPr/>
-        <p:txBody>
-          <a:bodyPr/>
-          <a:lstStyle/>
-          <a:p>
-            <a:r>
-              <a:rPr lang="zh-CN" altLang="en-US" dirty="0" smtClean="0">
-                <a:latin typeface="Calibri" panose="020F0502020204030204" pitchFamily="34" charset="0"/>
-              </a:rPr>
-              <a:t>不会被列为被选举的名单，只能参与投票</a:t>
-            </a:r>
-            <a:endParaRPr lang="zh-CN" altLang="en-US" dirty="0">
-              <a:latin typeface="Calibri" panose="020F0502020204030204" pitchFamily="34" charset="0"/>
-            </a:endParaRPr>
-          </a:p>
-        </p:txBody>
-      </p:sp>
-    </p:spTree>
-    <p:extLst>
-      <p:ext uri="{BB962C8B-B14F-4D97-AF65-F5344CB8AC3E}">
-        <p14:creationId xmlns:p14="http://schemas.microsoft.com/office/powerpoint/2010/main" val="2464454213"/>
-      </p:ext>
-    </p:extLst>
-  </p:cSld>
-  <p:clrMapOvr>
-    <a:masterClrMapping/>
-  </p:clrMapOvr>
-</p:notes>
-</file>
-
 <file path=ppt/notesSlides/notesSlide3.xml><?xml version="1.0" encoding="utf-8"?>
 <p:notes xmlns:a="http://schemas.openxmlformats.org/drawingml/2006/main" xmlns:r="http://schemas.openxmlformats.org/officeDocument/2006/relationships" xmlns:p="http://schemas.openxmlformats.org/presentationml/2006/main">
   <p:cSld>
@@ -2738,75 +2667,6 @@
     <p:extLst>
       <p:ext uri="{BB962C8B-B14F-4D97-AF65-F5344CB8AC3E}">
         <p14:creationId xmlns:p14="http://schemas.microsoft.com/office/powerpoint/2010/main" val="666014657"/>
-      </p:ext>
-    </p:extLst>
-  </p:cSld>
-  <p:clrMapOvr>
-    <a:masterClrMapping/>
-  </p:clrMapOvr>
-</p:notes>
-</file>
-
-<file path=ppt/notesSlides/notesSlide30.xml><?xml version="1.0" encoding="utf-8"?>
-<p:notes xmlns:a="http://schemas.openxmlformats.org/drawingml/2006/main" xmlns:r="http://schemas.openxmlformats.org/officeDocument/2006/relationships" xmlns:p="http://schemas.openxmlformats.org/presentationml/2006/main">
-  <p:cSld>
-    <p:spTree>
-      <p:nvGrpSpPr>
-        <p:cNvPr id="1" name=""/>
-        <p:cNvGrpSpPr/>
-        <p:nvPr/>
-      </p:nvGrpSpPr>
-      <p:grpSpPr>
-        <a:xfrm>
-          <a:off x="0" y="0"/>
-          <a:ext cx="0" cy="0"/>
-          <a:chOff x="0" y="0"/>
-          <a:chExt cx="0" cy="0"/>
-        </a:xfrm>
-      </p:grpSpPr>
-      <p:sp>
-        <p:nvSpPr>
-          <p:cNvPr id="2" name="幻灯片图像占位符 1"/>
-          <p:cNvSpPr>
-            <a:spLocks noGrp="1" noRot="1" noChangeAspect="1"/>
-          </p:cNvSpPr>
-          <p:nvPr>
-            <p:ph type="sldImg"/>
-          </p:nvPr>
-        </p:nvSpPr>
-        <p:spPr/>
-      </p:sp>
-      <p:sp>
-        <p:nvSpPr>
-          <p:cNvPr id="3" name="备注占位符 2"/>
-          <p:cNvSpPr>
-            <a:spLocks noGrp="1"/>
-          </p:cNvSpPr>
-          <p:nvPr>
-            <p:ph type="body" idx="1"/>
-          </p:nvPr>
-        </p:nvSpPr>
-        <p:spPr/>
-        <p:txBody>
-          <a:bodyPr/>
-          <a:lstStyle/>
-          <a:p>
-            <a:r>
-              <a:rPr lang="zh-CN" altLang="en-US" dirty="0" smtClean="0">
-                <a:latin typeface="Calibri" panose="020F0502020204030204" pitchFamily="34" charset="0"/>
-              </a:rPr>
-              <a:t>不会被列为被选举的名单，只能参与投票</a:t>
-            </a:r>
-            <a:endParaRPr lang="zh-CN" altLang="en-US" dirty="0">
-              <a:latin typeface="Calibri" panose="020F0502020204030204" pitchFamily="34" charset="0"/>
-            </a:endParaRPr>
-          </a:p>
-        </p:txBody>
-      </p:sp>
-    </p:spTree>
-    <p:extLst>
-      <p:ext uri="{BB962C8B-B14F-4D97-AF65-F5344CB8AC3E}">
-        <p14:creationId xmlns:p14="http://schemas.microsoft.com/office/powerpoint/2010/main" val="2464454213"/>
       </p:ext>
     </p:extLst>
   </p:cSld>
@@ -5600,6 +5460,13 @@
       </p:transition>
     </mc:Fallback>
   </mc:AlternateContent>
+  <p:timing>
+    <p:tnLst>
+      <p:par>
+        <p:cTn id="1" dur="indefinite" restart="never" nodeType="tmRoot"/>
+      </p:par>
+    </p:tnLst>
+  </p:timing>
 </p:sld>
 </file>
 
@@ -5846,10 +5713,15 @@
             <p:ph type="subTitle" idx="1"/>
           </p:nvPr>
         </p:nvSpPr>
-        <p:spPr/>
+        <p:spPr>
+          <a:xfrm>
+            <a:off x="1043608" y="987574"/>
+            <a:ext cx="7056784" cy="3888432"/>
+          </a:xfrm>
+        </p:spPr>
         <p:txBody>
           <a:bodyPr>
-            <a:normAutofit fontScale="92500" lnSpcReduction="20000"/>
+            <a:normAutofit fontScale="77500" lnSpcReduction="20000"/>
           </a:bodyPr>
           <a:lstStyle/>
           <a:p>
@@ -5859,7 +5731,7 @@
               <a:buAutoNum type="arabicPeriod"/>
             </a:pPr>
             <a:r>
-              <a:rPr lang="zh-CN" altLang="en-US" sz="2400" dirty="0" smtClean="0">
+              <a:rPr lang="zh-CN" altLang="en-US" sz="3400" dirty="0" smtClean="0">
                 <a:solidFill>
                   <a:schemeClr val="bg1"/>
                 </a:solidFill>
@@ -5868,7 +5740,7 @@
               </a:rPr>
               <a:t>复制集的搭建</a:t>
             </a:r>
-            <a:endParaRPr lang="en-US" altLang="zh-CN" sz="2400" dirty="0" smtClean="0">
+            <a:endParaRPr lang="en-US" altLang="zh-CN" sz="3400" dirty="0" smtClean="0">
               <a:solidFill>
                 <a:schemeClr val="bg1"/>
               </a:solidFill>
@@ -5883,7 +5755,7 @@
               <a:buAutoNum type="arabicPeriod"/>
             </a:pPr>
             <a:r>
-              <a:rPr lang="zh-CN" altLang="en-US" sz="2400" dirty="0" smtClean="0">
+              <a:rPr lang="zh-CN" altLang="en-US" sz="3400" dirty="0" smtClean="0">
                 <a:solidFill>
                   <a:schemeClr val="bg1"/>
                 </a:solidFill>
@@ -5892,7 +5764,7 @@
               </a:rPr>
               <a:t>添加仲裁节点</a:t>
             </a:r>
-            <a:endParaRPr lang="en-US" altLang="zh-CN" sz="2400" dirty="0" smtClean="0">
+            <a:endParaRPr lang="en-US" altLang="zh-CN" sz="3400" dirty="0" smtClean="0">
               <a:solidFill>
                 <a:schemeClr val="bg1"/>
               </a:solidFill>
@@ -5907,7 +5779,7 @@
               <a:buAutoNum type="arabicPeriod"/>
             </a:pPr>
             <a:r>
-              <a:rPr lang="zh-CN" altLang="en-US" sz="2400" dirty="0" smtClean="0">
+              <a:rPr lang="zh-CN" altLang="en-US" sz="3400" dirty="0" smtClean="0">
                 <a:solidFill>
                   <a:schemeClr val="bg1"/>
                 </a:solidFill>
@@ -5916,7 +5788,7 @@
               </a:rPr>
               <a:t>添加意向候选节点</a:t>
             </a:r>
-            <a:endParaRPr lang="en-US" altLang="zh-CN" sz="2400" dirty="0" smtClean="0">
+            <a:endParaRPr lang="en-US" altLang="zh-CN" sz="3400" dirty="0" smtClean="0">
               <a:solidFill>
                 <a:schemeClr val="bg1"/>
               </a:solidFill>
@@ -5931,7 +5803,7 @@
               <a:buAutoNum type="arabicPeriod"/>
             </a:pPr>
             <a:r>
-              <a:rPr lang="zh-CN" altLang="en-US" sz="2400" dirty="0" smtClean="0">
+              <a:rPr lang="zh-CN" altLang="en-US" sz="3400" dirty="0" smtClean="0">
                 <a:solidFill>
                   <a:schemeClr val="bg1"/>
                 </a:solidFill>
@@ -5940,7 +5812,7 @@
               </a:rPr>
               <a:t>设置某个从节点不能成为主节点</a:t>
             </a:r>
-            <a:endParaRPr lang="en-US" altLang="zh-CN" sz="2400" dirty="0" smtClean="0">
+            <a:endParaRPr lang="en-US" altLang="zh-CN" sz="3400" dirty="0" smtClean="0">
               <a:solidFill>
                 <a:schemeClr val="bg1"/>
               </a:solidFill>
@@ -5955,7 +5827,7 @@
               <a:buAutoNum type="arabicPeriod"/>
             </a:pPr>
             <a:r>
-              <a:rPr lang="zh-CN" altLang="en-US" sz="2400" dirty="0" smtClean="0">
+              <a:rPr lang="zh-CN" altLang="en-US" sz="3400" dirty="0" smtClean="0">
                 <a:solidFill>
                   <a:schemeClr val="bg1"/>
                 </a:solidFill>
@@ -5964,7 +5836,7 @@
               </a:rPr>
               <a:t>配置隐藏从节点</a:t>
             </a:r>
-            <a:endParaRPr lang="en-US" altLang="zh-CN" sz="2400" dirty="0" smtClean="0">
+            <a:endParaRPr lang="en-US" altLang="zh-CN" sz="3400" dirty="0" smtClean="0">
               <a:solidFill>
                 <a:schemeClr val="bg1"/>
               </a:solidFill>
@@ -5979,7 +5851,7 @@
               <a:buAutoNum type="arabicPeriod"/>
             </a:pPr>
             <a:r>
-              <a:rPr lang="zh-CN" altLang="en-US" sz="2400" dirty="0" smtClean="0">
+              <a:rPr lang="zh-CN" altLang="en-US" sz="3400" dirty="0" smtClean="0">
                 <a:solidFill>
                   <a:schemeClr val="bg1"/>
                 </a:solidFill>
@@ -5988,7 +5860,7 @@
               </a:rPr>
               <a:t>配置延迟节点</a:t>
             </a:r>
-            <a:endParaRPr lang="en-US" altLang="zh-CN" sz="2400" dirty="0" smtClean="0">
+            <a:endParaRPr lang="en-US" altLang="zh-CN" sz="3400" dirty="0" smtClean="0">
               <a:solidFill>
                 <a:schemeClr val="bg1"/>
               </a:solidFill>
@@ -6003,7 +5875,7 @@
               <a:buAutoNum type="arabicPeriod"/>
             </a:pPr>
             <a:r>
-              <a:rPr lang="zh-CN" altLang="en-US" sz="2400" dirty="0" smtClean="0">
+              <a:rPr lang="zh-CN" altLang="en-US" sz="3400" dirty="0" smtClean="0">
                 <a:solidFill>
                   <a:schemeClr val="bg1"/>
                 </a:solidFill>
@@ -6012,7 +5884,7 @@
               </a:rPr>
               <a:t>配置无选举权节点</a:t>
             </a:r>
-            <a:endParaRPr lang="en-US" altLang="zh-CN" sz="2400" dirty="0" smtClean="0">
+            <a:endParaRPr lang="en-US" altLang="zh-CN" sz="3400" dirty="0" smtClean="0">
               <a:solidFill>
                 <a:schemeClr val="bg1"/>
               </a:solidFill>
@@ -6027,7 +5899,7 @@
               <a:buAutoNum type="arabicPeriod"/>
             </a:pPr>
             <a:r>
-              <a:rPr lang="zh-CN" altLang="en-US" sz="2400" dirty="0" smtClean="0">
+              <a:rPr lang="zh-CN" altLang="en-US" sz="3400" dirty="0" smtClean="0">
                 <a:solidFill>
                   <a:schemeClr val="bg1"/>
                 </a:solidFill>
@@ -6036,7 +5908,7 @@
               </a:rPr>
               <a:t>将从节点变为仲裁者</a:t>
             </a:r>
-            <a:endParaRPr lang="en-US" altLang="zh-CN" sz="2400" dirty="0" smtClean="0">
+            <a:endParaRPr lang="en-US" altLang="zh-CN" sz="3400" dirty="0" smtClean="0">
               <a:solidFill>
                 <a:schemeClr val="bg1"/>
               </a:solidFill>
@@ -6074,6 +5946,13 @@
       </p:transition>
     </mc:Fallback>
   </mc:AlternateContent>
+  <p:timing>
+    <p:tnLst>
+      <p:par>
+        <p:cTn id="1" dur="indefinite" restart="never" nodeType="tmRoot"/>
+      </p:par>
+    </p:tnLst>
+  </p:timing>
 </p:sld>
 </file>
 
@@ -6247,6 +6126,13 @@
       </p:transition>
     </mc:Fallback>
   </mc:AlternateContent>
+  <p:timing>
+    <p:tnLst>
+      <p:par>
+        <p:cTn id="1" dur="indefinite" restart="never" nodeType="tmRoot"/>
+      </p:par>
+    </p:tnLst>
+  </p:timing>
 </p:sld>
 </file>
 
@@ -6705,14 +6591,14 @@
               <a:t>mongodb</a:t>
             </a:r>
             <a:r>
-              <a:rPr lang="zh-CN" altLang="en-US" sz="2400" dirty="0">
-                <a:solidFill>
-                  <a:schemeClr val="bg1"/>
-                </a:solidFill>
-                <a:latin typeface="宋体" panose="02010600030101010101" pitchFamily="2" charset="-122"/>
-                <a:ea typeface="宋体" panose="02010600030101010101" pitchFamily="2" charset="-122"/>
-              </a:rPr>
-              <a:t>实例</a:t>
+              <a:rPr lang="zh-CN" altLang="en-US" sz="2400" dirty="0" smtClean="0">
+                <a:solidFill>
+                  <a:schemeClr val="bg1"/>
+                </a:solidFill>
+                <a:latin typeface="宋体" panose="02010600030101010101" pitchFamily="2" charset="-122"/>
+                <a:ea typeface="宋体" panose="02010600030101010101" pitchFamily="2" charset="-122"/>
+              </a:rPr>
+              <a:t>实例（主节点）</a:t>
             </a:r>
             <a:endParaRPr lang="en-US" altLang="zh-CN" sz="2400" dirty="0">
               <a:solidFill>
@@ -6790,6 +6676,13 @@
       </p:transition>
     </mc:Fallback>
   </mc:AlternateContent>
+  <p:timing>
+    <p:tnLst>
+      <p:par>
+        <p:cTn id="1" dur="indefinite" restart="never" nodeType="tmRoot"/>
+      </p:par>
+    </p:tnLst>
+  </p:timing>
 </p:sld>
 </file>
 
@@ -6870,16 +6763,6 @@
               <a:t>3</a:t>
             </a:r>
             <a:r>
-              <a:rPr lang="zh-CN" altLang="en-US" sz="2400" dirty="0">
-                <a:solidFill>
-                  <a:schemeClr val="bg1"/>
-                </a:solidFill>
-                <a:latin typeface="宋体" panose="02010600030101010101" pitchFamily="2" charset="-122"/>
-                <a:ea typeface="宋体" panose="02010600030101010101" pitchFamily="2" charset="-122"/>
-              </a:rPr>
-              <a:t>、</a:t>
-            </a:r>
-            <a:r>
               <a:rPr lang="zh-CN" altLang="en-US" sz="2400" dirty="0" smtClean="0">
                 <a:solidFill>
                   <a:schemeClr val="bg1"/>
@@ -6887,7 +6770,7 @@
                 <a:latin typeface="宋体" panose="02010600030101010101" pitchFamily="2" charset="-122"/>
                 <a:ea typeface="宋体" panose="02010600030101010101" pitchFamily="2" charset="-122"/>
               </a:rPr>
-              <a:t>初始化复制集</a:t>
+              <a:t>、（主节点）初始化复制集</a:t>
             </a:r>
             <a:endParaRPr lang="en-US" altLang="zh-CN" sz="2400" dirty="0">
               <a:solidFill>
@@ -6948,7 +6831,7 @@
                 <a:latin typeface="宋体" panose="02010600030101010101" pitchFamily="2" charset="-122"/>
                 <a:ea typeface="宋体" panose="02010600030101010101" pitchFamily="2" charset="-122"/>
               </a:rPr>
-              <a:t>、查看复制集</a:t>
+              <a:t>、（主节点）查看复制集</a:t>
             </a:r>
             <a:r>
               <a:rPr lang="zh-CN" altLang="en-US" sz="2400" dirty="0" smtClean="0">
@@ -7026,7 +6909,27 @@
                 <a:latin typeface="宋体" panose="02010600030101010101" pitchFamily="2" charset="-122"/>
                 <a:ea typeface="宋体" panose="02010600030101010101" pitchFamily="2" charset="-122"/>
               </a:rPr>
-              <a:t>、另外两个节点加入复制集</a:t>
+              <a:t>、（主节点）另外两</a:t>
+            </a:r>
+            <a:r>
+              <a:rPr lang="zh-CN" altLang="en-US" sz="2400" dirty="0" smtClean="0">
+                <a:solidFill>
+                  <a:schemeClr val="bg1"/>
+                </a:solidFill>
+                <a:latin typeface="宋体" panose="02010600030101010101" pitchFamily="2" charset="-122"/>
+                <a:ea typeface="宋体" panose="02010600030101010101" pitchFamily="2" charset="-122"/>
+              </a:rPr>
+              <a:t>个从节点</a:t>
+            </a:r>
+            <a:r>
+              <a:rPr lang="zh-CN" altLang="en-US" sz="2400" dirty="0">
+                <a:solidFill>
+                  <a:schemeClr val="bg1"/>
+                </a:solidFill>
+                <a:latin typeface="宋体" panose="02010600030101010101" pitchFamily="2" charset="-122"/>
+                <a:ea typeface="宋体" panose="02010600030101010101" pitchFamily="2" charset="-122"/>
+              </a:rPr>
+              <a:t>加入复制集</a:t>
             </a:r>
             <a:endParaRPr lang="en-US" altLang="zh-CN" sz="2400" dirty="0">
               <a:solidFill>
@@ -7127,6 +7030,13 @@
       </p:transition>
     </mc:Fallback>
   </mc:AlternateContent>
+  <p:timing>
+    <p:tnLst>
+      <p:par>
+        <p:cTn id="1" dur="indefinite" restart="never" nodeType="tmRoot"/>
+      </p:par>
+    </p:tnLst>
+  </p:timing>
 </p:sld>
 </file>
 
@@ -7604,6 +7514,13 @@
       </p:transition>
     </mc:Fallback>
   </mc:AlternateContent>
+  <p:timing>
+    <p:tnLst>
+      <p:par>
+        <p:cTn id="1" dur="indefinite" restart="never" nodeType="tmRoot"/>
+      </p:par>
+    </p:tnLst>
+  </p:timing>
 </p:sld>
 </file>
 
@@ -7825,7 +7742,7 @@
             <a:r>
               <a:rPr lang="en-US" altLang="zh-CN" sz="2400" dirty="0" err="1" smtClean="0">
                 <a:solidFill>
-                  <a:schemeClr val="bg1"/>
+                  <a:srgbClr val="FF0000"/>
                 </a:solidFill>
                 <a:latin typeface="Calibri" panose="020F0502020204030204" pitchFamily="34" charset="0"/>
               </a:rPr>
@@ -7834,7 +7751,7 @@
             <a:r>
               <a:rPr lang="en-US" altLang="zh-CN" sz="2400" dirty="0" smtClean="0">
                 <a:solidFill>
-                  <a:schemeClr val="bg1"/>
+                  <a:srgbClr val="FF0000"/>
                 </a:solidFill>
                 <a:latin typeface="Calibri" panose="020F0502020204030204" pitchFamily="34" charset="0"/>
               </a:rPr>
@@ -8045,6 +7962,13 @@
       </p:transition>
     </mc:Fallback>
   </mc:AlternateContent>
+  <p:timing>
+    <p:tnLst>
+      <p:par>
+        <p:cTn id="1" dur="indefinite" restart="never" nodeType="tmRoot"/>
+      </p:par>
+    </p:tnLst>
+  </p:timing>
 </p:sld>
 </file>
 
@@ -8523,6 +8447,13 @@
       </p:transition>
     </mc:Fallback>
   </mc:AlternateContent>
+  <p:timing>
+    <p:tnLst>
+      <p:par>
+        <p:cTn id="1" dur="indefinite" restart="never" nodeType="tmRoot"/>
+      </p:par>
+    </p:tnLst>
+  </p:timing>
 </p:sld>
 </file>
 
@@ -9122,6 +9053,13 @@
       </p:transition>
     </mc:Fallback>
   </mc:AlternateContent>
+  <p:timing>
+    <p:tnLst>
+      <p:par>
+        <p:cTn id="1" dur="indefinite" restart="never" nodeType="tmRoot"/>
+      </p:par>
+    </p:tnLst>
+  </p:timing>
 </p:sld>
 </file>
 
@@ -9716,6 +9654,13 @@
       </p:transition>
     </mc:Fallback>
   </mc:AlternateContent>
+  <p:timing>
+    <p:tnLst>
+      <p:par>
+        <p:cTn id="1" dur="indefinite" restart="never" nodeType="tmRoot"/>
+      </p:par>
+    </p:tnLst>
+  </p:timing>
 </p:sld>
 </file>
 
@@ -10220,6 +10165,13 @@
       </p:transition>
     </mc:Fallback>
   </mc:AlternateContent>
+  <p:timing>
+    <p:tnLst>
+      <p:par>
+        <p:cTn id="1" dur="indefinite" restart="never" nodeType="tmRoot"/>
+      </p:par>
+    </p:tnLst>
+  </p:timing>
 </p:sld>
 </file>
 
@@ -10679,6 +10631,13 @@
       </p:transition>
     </mc:Fallback>
   </mc:AlternateContent>
+  <p:timing>
+    <p:tnLst>
+      <p:par>
+        <p:cTn id="1" dur="indefinite" restart="never" nodeType="tmRoot"/>
+      </p:par>
+    </p:tnLst>
+  </p:timing>
 </p:sld>
 </file>
 
@@ -11094,6 +11053,13 @@
       </p:transition>
     </mc:Fallback>
   </mc:AlternateContent>
+  <p:timing>
+    <p:tnLst>
+      <p:par>
+        <p:cTn id="1" dur="indefinite" restart="never" nodeType="tmRoot"/>
+      </p:par>
+    </p:tnLst>
+  </p:timing>
 </p:sld>
 </file>
 
@@ -11620,6 +11586,13 @@
       </p:transition>
     </mc:Fallback>
   </mc:AlternateContent>
+  <p:timing>
+    <p:tnLst>
+      <p:par>
+        <p:cTn id="1" dur="indefinite" restart="never" nodeType="tmRoot"/>
+      </p:par>
+    </p:tnLst>
+  </p:timing>
 </p:sld>
 </file>
 
@@ -12013,6 +11986,13 @@
       </p:transition>
     </mc:Fallback>
   </mc:AlternateContent>
+  <p:timing>
+    <p:tnLst>
+      <p:par>
+        <p:cTn id="1" dur="indefinite" restart="never" nodeType="tmRoot"/>
+      </p:par>
+    </p:tnLst>
+  </p:timing>
 </p:sld>
 </file>
 
@@ -12146,47 +12126,17 @@
                 <a:latin typeface="Calibri" panose="020F0502020204030204" pitchFamily="34" charset="0"/>
                 <a:ea typeface="宋体" panose="02010600030101010101" pitchFamily="2" charset="-122"/>
               </a:rPr>
-              <a:t>({create:”cap”,</a:t>
-            </a:r>
-            <a:r>
-              <a:rPr lang="en-US" altLang="zh-CN" sz="2800" dirty="0" err="1" smtClean="0">
-                <a:solidFill>
-                  <a:schemeClr val="bg1"/>
-                </a:solidFill>
-                <a:latin typeface="Calibri" panose="020F0502020204030204" pitchFamily="34" charset="0"/>
-                <a:ea typeface="宋体" panose="02010600030101010101" pitchFamily="2" charset="-122"/>
-              </a:rPr>
-              <a:t>cappped:true,size</a:t>
-            </a:r>
-            <a:r>
-              <a:rPr lang="zh-CN" altLang="en-US" sz="2800" dirty="0" smtClean="0">
-                <a:solidFill>
-                  <a:schemeClr val="bg1"/>
-                </a:solidFill>
-                <a:latin typeface="Calibri" panose="020F0502020204030204" pitchFamily="34" charset="0"/>
-                <a:ea typeface="宋体" panose="02010600030101010101" pitchFamily="2" charset="-122"/>
-              </a:rPr>
-              <a:t>（</a:t>
-            </a:r>
-            <a:r>
-              <a:rPr lang="en-US" altLang="zh-CN" sz="2800" dirty="0" smtClean="0">
-                <a:solidFill>
-                  <a:schemeClr val="bg1"/>
-                </a:solidFill>
-                <a:latin typeface="Calibri" panose="020F0502020204030204" pitchFamily="34" charset="0"/>
-                <a:ea typeface="宋体" panose="02010600030101010101" pitchFamily="2" charset="-122"/>
-              </a:rPr>
-              <a:t>1024</a:t>
-            </a:r>
-            <a:r>
-              <a:rPr lang="zh-CN" altLang="en-US" sz="2800" dirty="0" smtClean="0">
-                <a:solidFill>
-                  <a:schemeClr val="bg1"/>
-                </a:solidFill>
-                <a:latin typeface="Calibri" panose="020F0502020204030204" pitchFamily="34" charset="0"/>
-                <a:ea typeface="宋体" panose="02010600030101010101" pitchFamily="2" charset="-122"/>
-              </a:rPr>
-              <a:t>），</a:t>
+              <a:t>({create:”cap</a:t>
+            </a:r>
+            <a:r>
+              <a:rPr lang="en-US" altLang="zh-CN" sz="2800" smtClean="0">
+                <a:solidFill>
+                  <a:schemeClr val="bg1"/>
+                </a:solidFill>
+                <a:latin typeface="Calibri" panose="020F0502020204030204" pitchFamily="34" charset="0"/>
+                <a:ea typeface="宋体" panose="02010600030101010101" pitchFamily="2" charset="-122"/>
+              </a:rPr>
+              <a:t>”,capped:true,size:1024,</a:t>
             </a:r>
             <a:endParaRPr lang="en-US" altLang="zh-CN" sz="2800" dirty="0" smtClean="0">
               <a:solidFill>
@@ -12277,6 +12227,13 @@
       </p:transition>
     </mc:Fallback>
   </mc:AlternateContent>
+  <p:timing>
+    <p:tnLst>
+      <p:par>
+        <p:cTn id="1" dur="indefinite" restart="never" nodeType="tmRoot"/>
+      </p:par>
+    </p:tnLst>
+  </p:timing>
 </p:sld>
 </file>
 
@@ -12421,215 +12378,8 @@
         </p:blipFill>
         <p:spPr bwMode="auto">
           <a:xfrm>
-            <a:off x="1624013" y="1462088"/>
-            <a:ext cx="5895975" cy="2219325"/>
-          </a:xfrm>
-          <a:prstGeom prst="rect">
-            <a:avLst/>
-          </a:prstGeom>
-          <a:noFill/>
-          <a:ln>
-            <a:noFill/>
-          </a:ln>
-          <a:effectLst/>
-          <a:extLst>
-            <a:ext uri="{909E8E84-426E-40DD-AFC4-6F175D3DCCD1}">
-              <a14:hiddenFill xmlns:a14="http://schemas.microsoft.com/office/drawing/2010/main">
-                <a:solidFill>
-                  <a:schemeClr val="accent1"/>
-                </a:solidFill>
-              </a14:hiddenFill>
-            </a:ext>
-            <a:ext uri="{91240B29-F687-4F45-9708-019B960494DF}">
-              <a14:hiddenLine xmlns:a14="http://schemas.microsoft.com/office/drawing/2010/main" w="9525">
-                <a:solidFill>
-                  <a:schemeClr val="tx1"/>
-                </a:solidFill>
-                <a:miter lim="800000"/>
-                <a:headEnd/>
-                <a:tailEnd/>
-              </a14:hiddenLine>
-            </a:ext>
-            <a:ext uri="{AF507438-7753-43E0-B8FC-AC1667EBCBE1}">
-              <a14:hiddenEffects xmlns:a14="http://schemas.microsoft.com/office/drawing/2010/main">
-                <a:effectLst>
-                  <a:outerShdw dist="35921" dir="2700000" algn="ctr" rotWithShape="0">
-                    <a:schemeClr val="bg2"/>
-                  </a:outerShdw>
-                </a:effectLst>
-              </a14:hiddenEffects>
-            </a:ext>
-          </a:extLst>
-        </p:spPr>
-      </p:pic>
-    </p:spTree>
-    <p:extLst>
-      <p:ext uri="{BB962C8B-B14F-4D97-AF65-F5344CB8AC3E}">
-        <p14:creationId xmlns:p14="http://schemas.microsoft.com/office/powerpoint/2010/main" val="2069648197"/>
-      </p:ext>
-    </p:extLst>
-  </p:cSld>
-  <p:clrMapOvr>
-    <a:masterClrMapping/>
-  </p:clrMapOvr>
-  <mc:AlternateContent xmlns:mc="http://schemas.openxmlformats.org/markup-compatibility/2006" xmlns:p14="http://schemas.microsoft.com/office/powerpoint/2010/main">
-    <mc:Choice Requires="p14">
-      <p:transition spd="med" p14:dur="700">
-        <p:fade/>
-      </p:transition>
-    </mc:Choice>
-    <mc:Fallback xmlns="">
-      <p:transition spd="med">
-        <p:fade/>
-      </p:transition>
-    </mc:Fallback>
-  </mc:AlternateContent>
-</p:sld>
-</file>
-
-<file path=ppt/slides/slide29.xml><?xml version="1.0" encoding="utf-8"?>
-<p:sld xmlns:a="http://schemas.openxmlformats.org/drawingml/2006/main" xmlns:r="http://schemas.openxmlformats.org/officeDocument/2006/relationships" xmlns:p="http://schemas.openxmlformats.org/presentationml/2006/main">
-  <p:cSld>
-    <p:spTree>
-      <p:nvGrpSpPr>
-        <p:cNvPr id="1" name=""/>
-        <p:cNvGrpSpPr/>
-        <p:nvPr/>
-      </p:nvGrpSpPr>
-      <p:grpSpPr>
-        <a:xfrm>
-          <a:off x="0" y="0"/>
-          <a:ext cx="0" cy="0"/>
-          <a:chOff x="0" y="0"/>
-          <a:chExt cx="0" cy="0"/>
-        </a:xfrm>
-      </p:grpSpPr>
-      <p:sp>
-        <p:nvSpPr>
-          <p:cNvPr id="2" name="标题 1"/>
-          <p:cNvSpPr>
-            <a:spLocks noGrp="1"/>
-          </p:cNvSpPr>
-          <p:nvPr>
-            <p:ph type="ctrTitle"/>
-          </p:nvPr>
-        </p:nvSpPr>
-        <p:spPr/>
-        <p:txBody>
-          <a:bodyPr>
-            <a:noAutofit/>
-          </a:bodyPr>
-          <a:lstStyle/>
-          <a:p>
-            <a:pPr marL="528750" indent="-457200"/>
-            <a:r>
-              <a:rPr lang="en-US" altLang="zh-CN" sz="3200" dirty="0" err="1" smtClean="0">
-                <a:solidFill>
-                  <a:schemeClr val="bg1"/>
-                </a:solidFill>
-                <a:latin typeface="宋体" panose="02010600030101010101" pitchFamily="2" charset="-122"/>
-                <a:ea typeface="宋体" panose="02010600030101010101" pitchFamily="2" charset="-122"/>
-              </a:rPr>
-              <a:t>Oplog</a:t>
-            </a:r>
-            <a:r>
-              <a:rPr lang="zh-CN" altLang="en-US" sz="3200" dirty="0" smtClean="0">
-                <a:solidFill>
-                  <a:schemeClr val="bg1"/>
-                </a:solidFill>
-                <a:latin typeface="宋体" panose="02010600030101010101" pitchFamily="2" charset="-122"/>
-                <a:ea typeface="宋体" panose="02010600030101010101" pitchFamily="2" charset="-122"/>
-              </a:rPr>
-              <a:t>的大小</a:t>
-            </a:r>
-            <a:endParaRPr lang="en-US" altLang="zh-CN" sz="3200" dirty="0">
-              <a:solidFill>
-                <a:schemeClr val="bg1"/>
-              </a:solidFill>
-              <a:latin typeface="宋体" panose="02010600030101010101" pitchFamily="2" charset="-122"/>
-              <a:ea typeface="宋体" panose="02010600030101010101" pitchFamily="2" charset="-122"/>
-            </a:endParaRPr>
-          </a:p>
-        </p:txBody>
-      </p:sp>
-      <p:sp>
-        <p:nvSpPr>
-          <p:cNvPr id="3" name="副标题 2"/>
-          <p:cNvSpPr>
-            <a:spLocks noGrp="1"/>
-          </p:cNvSpPr>
-          <p:nvPr>
-            <p:ph type="subTitle" idx="1"/>
-          </p:nvPr>
-        </p:nvSpPr>
-        <p:spPr>
-          <a:xfrm>
-            <a:off x="353418" y="915566"/>
-            <a:ext cx="9157706" cy="4227934"/>
-          </a:xfrm>
-        </p:spPr>
-        <p:txBody>
-          <a:bodyPr>
-            <a:normAutofit/>
-          </a:bodyPr>
-          <a:lstStyle/>
-          <a:p>
-            <a:pPr marL="71550" indent="0">
-              <a:buNone/>
-            </a:pPr>
-            <a:endParaRPr lang="en-US" altLang="zh-CN" sz="2400" dirty="0">
-              <a:solidFill>
-                <a:schemeClr val="bg1"/>
-              </a:solidFill>
-              <a:latin typeface="宋体" panose="02010600030101010101" pitchFamily="2" charset="-122"/>
-              <a:ea typeface="宋体" panose="02010600030101010101" pitchFamily="2" charset="-122"/>
-            </a:endParaRPr>
-          </a:p>
-          <a:p>
-            <a:pPr marL="71550" indent="0">
-              <a:buNone/>
-            </a:pPr>
-            <a:endParaRPr lang="en-US" altLang="zh-CN" sz="2400" dirty="0">
-              <a:solidFill>
-                <a:schemeClr val="bg1"/>
-              </a:solidFill>
-              <a:latin typeface="宋体" panose="02010600030101010101" pitchFamily="2" charset="-122"/>
-              <a:ea typeface="宋体" panose="02010600030101010101" pitchFamily="2" charset="-122"/>
-            </a:endParaRPr>
-          </a:p>
-          <a:p>
-            <a:pPr marL="71550" indent="0">
-              <a:buNone/>
-            </a:pPr>
-            <a:endParaRPr lang="zh-CN" altLang="en-US" dirty="0"/>
-          </a:p>
-        </p:txBody>
-      </p:sp>
-      <p:pic>
-        <p:nvPicPr>
-          <p:cNvPr id="3075" name="Picture 3"/>
-          <p:cNvPicPr>
-            <a:picLocks noChangeAspect="1" noChangeArrowheads="1"/>
-          </p:cNvPicPr>
-          <p:nvPr/>
-        </p:nvPicPr>
-        <p:blipFill>
-          <a:blip r:embed="rId3">
-            <a:extLst>
-              <a:ext uri="{28A0092B-C50C-407E-A947-70E740481C1C}">
-                <a14:useLocalDpi xmlns:a14="http://schemas.microsoft.com/office/drawing/2010/main" val="0"/>
-              </a:ext>
-            </a:extLst>
-          </a:blip>
-          <a:srcRect/>
-          <a:stretch>
-            <a:fillRect/>
-          </a:stretch>
-        </p:blipFill>
-        <p:spPr bwMode="auto">
-          <a:xfrm>
-            <a:off x="1624013" y="1462088"/>
-            <a:ext cx="5895975" cy="2219325"/>
+            <a:off x="611560" y="935236"/>
+            <a:ext cx="7730492" cy="2909862"/>
           </a:xfrm>
           <a:prstGeom prst="rect">
             <a:avLst/>
@@ -12691,10 +12441,17 @@
       </p:transition>
     </mc:Fallback>
   </mc:AlternateContent>
+  <p:timing>
+    <p:tnLst>
+      <p:par>
+        <p:cTn id="1" dur="indefinite" restart="never" nodeType="tmRoot"/>
+      </p:par>
+    </p:tnLst>
+  </p:timing>
 </p:sld>
 </file>
 
-<file path=ppt/slides/slide3.xml><?xml version="1.0" encoding="utf-8"?>
+<file path=ppt/slides/slide29.xml><?xml version="1.0" encoding="utf-8"?>
 <p:sld xmlns:a="http://schemas.openxmlformats.org/drawingml/2006/main" xmlns:r="http://schemas.openxmlformats.org/officeDocument/2006/relationships" xmlns:p="http://schemas.openxmlformats.org/presentationml/2006/main">
   <p:cSld>
     <p:spTree>
@@ -12728,351 +12485,6 @@
           </a:bodyPr>
           <a:lstStyle/>
           <a:p>
-            <a:r>
-              <a:rPr lang="zh-CN" altLang="en-US" sz="3200" dirty="0" smtClean="0"/>
-              <a:t>复制集</a:t>
-            </a:r>
-            <a:endParaRPr lang="zh-CN" altLang="en-US" sz="3200" dirty="0"/>
-          </a:p>
-        </p:txBody>
-      </p:sp>
-      <p:sp>
-        <p:nvSpPr>
-          <p:cNvPr id="3" name="副标题 2"/>
-          <p:cNvSpPr>
-            <a:spLocks noGrp="1"/>
-          </p:cNvSpPr>
-          <p:nvPr>
-            <p:ph type="subTitle" idx="1"/>
-          </p:nvPr>
-        </p:nvSpPr>
-        <p:spPr>
-          <a:xfrm>
-            <a:off x="2704" y="771550"/>
-            <a:ext cx="8892480" cy="3888432"/>
-          </a:xfrm>
-        </p:spPr>
-        <p:txBody>
-          <a:bodyPr>
-            <a:normAutofit fontScale="77500" lnSpcReduction="20000"/>
-          </a:bodyPr>
-          <a:lstStyle/>
-          <a:p>
-            <a:pPr marL="71550" indent="0">
-              <a:lnSpc>
-                <a:spcPct val="170000"/>
-              </a:lnSpc>
-              <a:buNone/>
-            </a:pPr>
-            <a:r>
-              <a:rPr lang="zh-CN" altLang="en-US" sz="2800" dirty="0" smtClean="0">
-                <a:solidFill>
-                  <a:schemeClr val="bg1"/>
-                </a:solidFill>
-                <a:latin typeface="宋体" panose="02010600030101010101" pitchFamily="2" charset="-122"/>
-                <a:ea typeface="宋体" panose="02010600030101010101" pitchFamily="2" charset="-122"/>
-              </a:rPr>
-              <a:t>复制：将一个数据库实例中的所有数据库</a:t>
-            </a:r>
-            <a:r>
-              <a:rPr lang="zh-CN" altLang="en-US" sz="2800" b="1" dirty="0" smtClean="0">
-                <a:solidFill>
-                  <a:srgbClr val="FF0000"/>
-                </a:solidFill>
-                <a:latin typeface="宋体" panose="02010600030101010101" pitchFamily="2" charset="-122"/>
-                <a:ea typeface="宋体" panose="02010600030101010101" pitchFamily="2" charset="-122"/>
-              </a:rPr>
-              <a:t>改变复制</a:t>
-            </a:r>
-            <a:r>
-              <a:rPr lang="zh-CN" altLang="en-US" sz="2800" dirty="0" smtClean="0">
-                <a:solidFill>
-                  <a:schemeClr val="bg1"/>
-                </a:solidFill>
-                <a:latin typeface="宋体" panose="02010600030101010101" pitchFamily="2" charset="-122"/>
-                <a:ea typeface="宋体" panose="02010600030101010101" pitchFamily="2" charset="-122"/>
-              </a:rPr>
-              <a:t>到另</a:t>
-            </a:r>
-            <a:r>
-              <a:rPr lang="zh-CN" altLang="en-US" sz="2800" dirty="0">
-                <a:solidFill>
-                  <a:schemeClr val="bg1"/>
-                </a:solidFill>
-                <a:latin typeface="宋体" panose="02010600030101010101" pitchFamily="2" charset="-122"/>
-                <a:ea typeface="宋体" panose="02010600030101010101" pitchFamily="2" charset="-122"/>
-              </a:rPr>
-              <a:t>一个独立的数据库实例中。</a:t>
-            </a:r>
-            <a:endParaRPr lang="en-US" altLang="zh-CN" sz="2800" dirty="0">
-              <a:solidFill>
-                <a:schemeClr val="bg1"/>
-              </a:solidFill>
-              <a:latin typeface="宋体" panose="02010600030101010101" pitchFamily="2" charset="-122"/>
-              <a:ea typeface="宋体" panose="02010600030101010101" pitchFamily="2" charset="-122"/>
-            </a:endParaRPr>
-          </a:p>
-          <a:p>
-            <a:pPr marL="71550" indent="0">
-              <a:lnSpc>
-                <a:spcPct val="170000"/>
-              </a:lnSpc>
-              <a:buNone/>
-            </a:pPr>
-            <a:r>
-              <a:rPr lang="zh-CN" altLang="en-US" sz="2800" dirty="0">
-                <a:solidFill>
-                  <a:schemeClr val="bg1"/>
-                </a:solidFill>
-                <a:latin typeface="宋体" panose="02010600030101010101" pitchFamily="2" charset="-122"/>
-                <a:ea typeface="宋体" panose="02010600030101010101" pitchFamily="2" charset="-122"/>
-              </a:rPr>
-              <a:t>主从</a:t>
-            </a:r>
-            <a:r>
-              <a:rPr lang="zh-CN" altLang="en-US" sz="2800" dirty="0" smtClean="0">
-                <a:solidFill>
-                  <a:schemeClr val="bg1"/>
-                </a:solidFill>
-                <a:latin typeface="宋体" panose="02010600030101010101" pitchFamily="2" charset="-122"/>
-                <a:ea typeface="宋体" panose="02010600030101010101" pitchFamily="2" charset="-122"/>
-              </a:rPr>
-              <a:t>复制（旧版本）：</a:t>
-            </a:r>
-            <a:r>
-              <a:rPr lang="zh-CN" altLang="en-US" sz="2800" dirty="0">
-                <a:solidFill>
-                  <a:schemeClr val="bg1"/>
-                </a:solidFill>
-                <a:latin typeface="宋体" panose="02010600030101010101" pitchFamily="2" charset="-122"/>
-                <a:ea typeface="宋体" panose="02010600030101010101" pitchFamily="2" charset="-122"/>
-              </a:rPr>
-              <a:t>一旦主</a:t>
-            </a:r>
-            <a:r>
-              <a:rPr lang="zh-CN" altLang="en-US" sz="2800" dirty="0" smtClean="0">
-                <a:solidFill>
-                  <a:schemeClr val="bg1"/>
-                </a:solidFill>
-                <a:latin typeface="宋体" panose="02010600030101010101" pitchFamily="2" charset="-122"/>
-                <a:ea typeface="宋体" panose="02010600030101010101" pitchFamily="2" charset="-122"/>
-              </a:rPr>
-              <a:t>库出现故障，需要</a:t>
-            </a:r>
-            <a:r>
-              <a:rPr lang="zh-CN" altLang="en-US" sz="2800" dirty="0" smtClean="0">
-                <a:solidFill>
-                  <a:srgbClr val="FF0000"/>
-                </a:solidFill>
-                <a:latin typeface="宋体" panose="02010600030101010101" pitchFamily="2" charset="-122"/>
-                <a:ea typeface="宋体" panose="02010600030101010101" pitchFamily="2" charset="-122"/>
-              </a:rPr>
-              <a:t>手动</a:t>
-            </a:r>
-            <a:r>
-              <a:rPr lang="zh-CN" altLang="en-US" sz="2800" dirty="0" smtClean="0">
-                <a:solidFill>
-                  <a:schemeClr val="bg1"/>
-                </a:solidFill>
-                <a:latin typeface="宋体" panose="02010600030101010101" pitchFamily="2" charset="-122"/>
-                <a:ea typeface="宋体" panose="02010600030101010101" pitchFamily="2" charset="-122"/>
-              </a:rPr>
-              <a:t>把主库切换到</a:t>
-            </a:r>
-            <a:r>
-              <a:rPr lang="zh-CN" altLang="en-US" sz="2800" dirty="0">
-                <a:solidFill>
-                  <a:schemeClr val="bg1"/>
-                </a:solidFill>
-                <a:latin typeface="宋体" panose="02010600030101010101" pitchFamily="2" charset="-122"/>
-                <a:ea typeface="宋体" panose="02010600030101010101" pitchFamily="2" charset="-122"/>
-              </a:rPr>
-              <a:t>最可靠的从</a:t>
-            </a:r>
-            <a:r>
-              <a:rPr lang="zh-CN" altLang="en-US" sz="2800" dirty="0" smtClean="0">
-                <a:solidFill>
-                  <a:schemeClr val="bg1"/>
-                </a:solidFill>
-                <a:latin typeface="宋体" panose="02010600030101010101" pitchFamily="2" charset="-122"/>
-                <a:ea typeface="宋体" panose="02010600030101010101" pitchFamily="2" charset="-122"/>
-              </a:rPr>
-              <a:t>库，而</a:t>
-            </a:r>
-            <a:r>
-              <a:rPr lang="zh-CN" altLang="en-US" sz="2800" dirty="0">
-                <a:solidFill>
-                  <a:schemeClr val="bg1"/>
-                </a:solidFill>
-                <a:latin typeface="宋体" panose="02010600030101010101" pitchFamily="2" charset="-122"/>
-                <a:ea typeface="宋体" panose="02010600030101010101" pitchFamily="2" charset="-122"/>
-              </a:rPr>
-              <a:t>其他从库就得到从新的主库去同步</a:t>
-            </a:r>
-          </a:p>
-          <a:p>
-            <a:pPr marL="71550" indent="0">
-              <a:lnSpc>
-                <a:spcPct val="170000"/>
-              </a:lnSpc>
-              <a:buNone/>
-            </a:pPr>
-            <a:r>
-              <a:rPr lang="zh-CN" altLang="en-US" sz="2800" dirty="0" smtClean="0">
-                <a:solidFill>
-                  <a:srgbClr val="FF0000"/>
-                </a:solidFill>
-                <a:latin typeface="宋体" panose="02010600030101010101" pitchFamily="2" charset="-122"/>
-                <a:ea typeface="宋体" panose="02010600030101010101" pitchFamily="2" charset="-122"/>
-              </a:rPr>
-              <a:t>副本</a:t>
-            </a:r>
-            <a:r>
-              <a:rPr lang="zh-CN" altLang="en-US" sz="2800" dirty="0">
-                <a:solidFill>
-                  <a:srgbClr val="FF0000"/>
-                </a:solidFill>
-                <a:latin typeface="宋体" panose="02010600030101010101" pitchFamily="2" charset="-122"/>
-                <a:ea typeface="宋体" panose="02010600030101010101" pitchFamily="2" charset="-122"/>
-              </a:rPr>
-              <a:t>集（</a:t>
-            </a:r>
-            <a:r>
-              <a:rPr lang="en-US" altLang="zh-CN" sz="2800" dirty="0" err="1">
-                <a:solidFill>
-                  <a:srgbClr val="FF0000"/>
-                </a:solidFill>
-                <a:latin typeface="宋体" panose="02010600030101010101" pitchFamily="2" charset="-122"/>
-                <a:ea typeface="宋体" panose="02010600030101010101" pitchFamily="2" charset="-122"/>
-              </a:rPr>
-              <a:t>relSet</a:t>
-            </a:r>
-            <a:r>
-              <a:rPr lang="zh-CN" altLang="en-US" sz="2800" dirty="0">
-                <a:solidFill>
-                  <a:srgbClr val="FF0000"/>
-                </a:solidFill>
-                <a:latin typeface="宋体" panose="02010600030101010101" pitchFamily="2" charset="-122"/>
-                <a:ea typeface="宋体" panose="02010600030101010101" pitchFamily="2" charset="-122"/>
-              </a:rPr>
-              <a:t>复制集</a:t>
-            </a:r>
-            <a:r>
-              <a:rPr lang="zh-CN" altLang="en-US" sz="2800" dirty="0" smtClean="0">
-                <a:solidFill>
-                  <a:schemeClr val="bg1"/>
-                </a:solidFill>
-                <a:latin typeface="宋体" panose="02010600030101010101" pitchFamily="2" charset="-122"/>
-                <a:ea typeface="宋体" panose="02010600030101010101" pitchFamily="2" charset="-122"/>
-              </a:rPr>
-              <a:t>）：主库出现故障时，能自动主从切换，从而故障得以恢复，其它从库从新的主库同步数据，整个过程不需要手工干预。</a:t>
-            </a:r>
-            <a:endParaRPr lang="en-US" altLang="zh-CN" sz="2800" dirty="0" smtClean="0">
-              <a:solidFill>
-                <a:schemeClr val="bg1"/>
-              </a:solidFill>
-              <a:latin typeface="宋体" panose="02010600030101010101" pitchFamily="2" charset="-122"/>
-              <a:ea typeface="宋体" panose="02010600030101010101" pitchFamily="2" charset="-122"/>
-            </a:endParaRPr>
-          </a:p>
-          <a:p>
-            <a:pPr marL="71550" indent="0">
-              <a:lnSpc>
-                <a:spcPct val="170000"/>
-              </a:lnSpc>
-              <a:buNone/>
-            </a:pPr>
-            <a:r>
-              <a:rPr lang="zh-CN" altLang="en-US" sz="2800" dirty="0" smtClean="0">
-                <a:solidFill>
-                  <a:schemeClr val="bg1"/>
-                </a:solidFill>
-                <a:latin typeface="宋体" panose="02010600030101010101" pitchFamily="2" charset="-122"/>
-                <a:ea typeface="宋体" panose="02010600030101010101" pitchFamily="2" charset="-122"/>
-              </a:rPr>
-              <a:t>副本集就是能从主从自动切换的复制</a:t>
-            </a:r>
-            <a:endParaRPr lang="en-US" altLang="zh-CN" sz="2800" dirty="0">
-              <a:solidFill>
-                <a:schemeClr val="bg1"/>
-              </a:solidFill>
-              <a:latin typeface="宋体" panose="02010600030101010101" pitchFamily="2" charset="-122"/>
-              <a:ea typeface="宋体" panose="02010600030101010101" pitchFamily="2" charset="-122"/>
-            </a:endParaRPr>
-          </a:p>
-          <a:p>
-            <a:pPr marL="71550" indent="0">
-              <a:buNone/>
-            </a:pPr>
-            <a:endParaRPr lang="zh-CN" altLang="en-US" sz="2400" b="1" dirty="0">
-              <a:solidFill>
-                <a:schemeClr val="bg1"/>
-              </a:solidFill>
-              <a:latin typeface="宋体" panose="02010600030101010101" pitchFamily="2" charset="-122"/>
-              <a:ea typeface="宋体" panose="02010600030101010101" pitchFamily="2" charset="-122"/>
-            </a:endParaRPr>
-          </a:p>
-        </p:txBody>
-      </p:sp>
-    </p:spTree>
-    <p:extLst>
-      <p:ext uri="{BB962C8B-B14F-4D97-AF65-F5344CB8AC3E}">
-        <p14:creationId xmlns:p14="http://schemas.microsoft.com/office/powerpoint/2010/main" val="3243174998"/>
-      </p:ext>
-    </p:extLst>
-  </p:cSld>
-  <p:clrMapOvr>
-    <a:masterClrMapping/>
-  </p:clrMapOvr>
-  <mc:AlternateContent xmlns:mc="http://schemas.openxmlformats.org/markup-compatibility/2006" xmlns:p14="http://schemas.microsoft.com/office/powerpoint/2010/main">
-    <mc:Choice Requires="p14">
-      <p:transition spd="med" p14:dur="700">
-        <p:fade/>
-      </p:transition>
-    </mc:Choice>
-    <mc:Fallback xmlns="">
-      <p:transition spd="med">
-        <p:fade/>
-      </p:transition>
-    </mc:Fallback>
-  </mc:AlternateContent>
-</p:sld>
-</file>
-
-<file path=ppt/slides/slide30.xml><?xml version="1.0" encoding="utf-8"?>
-<p:sld xmlns:a="http://schemas.openxmlformats.org/drawingml/2006/main" xmlns:r="http://schemas.openxmlformats.org/officeDocument/2006/relationships" xmlns:p="http://schemas.openxmlformats.org/presentationml/2006/main">
-  <p:cSld>
-    <p:spTree>
-      <p:nvGrpSpPr>
-        <p:cNvPr id="1" name=""/>
-        <p:cNvGrpSpPr/>
-        <p:nvPr/>
-      </p:nvGrpSpPr>
-      <p:grpSpPr>
-        <a:xfrm>
-          <a:off x="0" y="0"/>
-          <a:ext cx="0" cy="0"/>
-          <a:chOff x="0" y="0"/>
-          <a:chExt cx="0" cy="0"/>
-        </a:xfrm>
-      </p:grpSpPr>
-      <p:sp>
-        <p:nvSpPr>
-          <p:cNvPr id="2" name="标题 1"/>
-          <p:cNvSpPr>
-            <a:spLocks noGrp="1"/>
-          </p:cNvSpPr>
-          <p:nvPr>
-            <p:ph type="ctrTitle"/>
-          </p:nvPr>
-        </p:nvSpPr>
-        <p:spPr/>
-        <p:txBody>
-          <a:bodyPr>
-            <a:noAutofit/>
-          </a:bodyPr>
-          <a:lstStyle/>
-          <a:p>
             <a:pPr marL="528750" indent="-457200"/>
             <a:r>
               <a:rPr lang="en-US" altLang="zh-CN" sz="3200" dirty="0" err="1" smtClean="0">
@@ -13180,8 +12592,8 @@
         </p:blipFill>
         <p:spPr bwMode="auto">
           <a:xfrm>
-            <a:off x="1290638" y="1414463"/>
-            <a:ext cx="6561137" cy="2314575"/>
+            <a:off x="556276" y="1275606"/>
+            <a:ext cx="8587724" cy="3029495"/>
           </a:xfrm>
           <a:prstGeom prst="rect">
             <a:avLst/>
@@ -13243,10 +12655,17 @@
       </p:transition>
     </mc:Fallback>
   </mc:AlternateContent>
+  <p:timing>
+    <p:tnLst>
+      <p:par>
+        <p:cTn id="1" dur="indefinite" restart="never" nodeType="tmRoot"/>
+      </p:par>
+    </p:tnLst>
+  </p:timing>
 </p:sld>
 </file>
 
-<file path=ppt/slides/slide31.xml><?xml version="1.0" encoding="utf-8"?>
+<file path=ppt/slides/slide3.xml><?xml version="1.0" encoding="utf-8"?>
 <p:sld xmlns:a="http://schemas.openxmlformats.org/drawingml/2006/main" xmlns:r="http://schemas.openxmlformats.org/officeDocument/2006/relationships" xmlns:p="http://schemas.openxmlformats.org/presentationml/2006/main">
   <p:cSld>
     <p:spTree>
@@ -13280,44 +12699,11 @@
           </a:bodyPr>
           <a:lstStyle/>
           <a:p>
-            <a:pPr marL="528750" indent="-457200"/>
-            <a:r>
-              <a:rPr lang="zh-CN" altLang="en-US" sz="3200" dirty="0" smtClean="0">
-                <a:solidFill>
-                  <a:schemeClr val="bg1"/>
-                </a:solidFill>
-                <a:latin typeface="宋体" panose="02010600030101010101" pitchFamily="2" charset="-122"/>
-                <a:ea typeface="宋体" panose="02010600030101010101" pitchFamily="2" charset="-122"/>
-              </a:rPr>
-              <a:t>改变</a:t>
-            </a:r>
-            <a:r>
-              <a:rPr lang="en-US" altLang="zh-CN" sz="3200" dirty="0" err="1" smtClean="0">
-                <a:solidFill>
-                  <a:schemeClr val="bg1"/>
-                </a:solidFill>
-                <a:latin typeface="宋体" panose="02010600030101010101" pitchFamily="2" charset="-122"/>
-                <a:ea typeface="宋体" panose="02010600030101010101" pitchFamily="2" charset="-122"/>
-              </a:rPr>
-              <a:t>Oplog</a:t>
-            </a:r>
-            <a:r>
-              <a:rPr lang="zh-CN" altLang="en-US" sz="3200" dirty="0" smtClean="0">
-                <a:solidFill>
-                  <a:schemeClr val="bg1"/>
-                </a:solidFill>
-                <a:latin typeface="宋体" panose="02010600030101010101" pitchFamily="2" charset="-122"/>
-                <a:ea typeface="宋体" panose="02010600030101010101" pitchFamily="2" charset="-122"/>
-              </a:rPr>
-              <a:t>的大小</a:t>
-            </a:r>
-            <a:endParaRPr lang="en-US" altLang="zh-CN" sz="3200" dirty="0">
-              <a:solidFill>
-                <a:schemeClr val="bg1"/>
-              </a:solidFill>
-              <a:latin typeface="宋体" panose="02010600030101010101" pitchFamily="2" charset="-122"/>
-              <a:ea typeface="宋体" panose="02010600030101010101" pitchFamily="2" charset="-122"/>
-            </a:endParaRPr>
+            <a:r>
+              <a:rPr lang="zh-CN" altLang="en-US" sz="3200" dirty="0" smtClean="0"/>
+              <a:t>复制集</a:t>
+            </a:r>
+            <a:endParaRPr lang="zh-CN" altLang="en-US" sz="3200" dirty="0"/>
           </a:p>
         </p:txBody>
       </p:sp>
@@ -13333,33 +12719,63 @@
         </p:nvSpPr>
         <p:spPr>
           <a:xfrm>
-            <a:off x="107504" y="915566"/>
-            <a:ext cx="9157706" cy="4227934"/>
+            <a:off x="2704" y="771550"/>
+            <a:ext cx="8892480" cy="3888432"/>
           </a:xfrm>
         </p:spPr>
         <p:txBody>
           <a:bodyPr>
-            <a:normAutofit/>
+            <a:normAutofit fontScale="77500" lnSpcReduction="20000"/>
           </a:bodyPr>
           <a:lstStyle/>
           <a:p>
             <a:pPr marL="71550" indent="0">
               <a:lnSpc>
-                <a:spcPts val="2880"/>
+                <a:spcPct val="170000"/>
               </a:lnSpc>
               <a:buNone/>
             </a:pPr>
             <a:r>
-              <a:rPr lang="zh-CN" altLang="en-US" sz="2400" dirty="0" smtClean="0">
-                <a:solidFill>
-                  <a:schemeClr val="bg1"/>
-                </a:solidFill>
-                <a:latin typeface="宋体" panose="02010600030101010101" pitchFamily="2" charset="-122"/>
-                <a:ea typeface="宋体" panose="02010600030101010101" pitchFamily="2" charset="-122"/>
-              </a:rPr>
-              <a:t>从节点</a:t>
-            </a:r>
-            <a:endParaRPr lang="en-US" altLang="zh-CN" sz="2400" dirty="0" smtClean="0">
+              <a:rPr lang="zh-CN" altLang="en-US" sz="2800" dirty="0" smtClean="0">
+                <a:solidFill>
+                  <a:schemeClr val="bg1"/>
+                </a:solidFill>
+                <a:latin typeface="宋体" panose="02010600030101010101" pitchFamily="2" charset="-122"/>
+                <a:ea typeface="宋体" panose="02010600030101010101" pitchFamily="2" charset="-122"/>
+              </a:rPr>
+              <a:t>复制：将一个数据库实例中的所有数据库</a:t>
+            </a:r>
+            <a:r>
+              <a:rPr lang="zh-CN" altLang="en-US" sz="2800" b="1" dirty="0" smtClean="0">
+                <a:solidFill>
+                  <a:srgbClr val="FF0000"/>
+                </a:solidFill>
+                <a:latin typeface="宋体" panose="02010600030101010101" pitchFamily="2" charset="-122"/>
+                <a:ea typeface="宋体" panose="02010600030101010101" pitchFamily="2" charset="-122"/>
+              </a:rPr>
+              <a:t>改变复制</a:t>
+            </a:r>
+            <a:r>
+              <a:rPr lang="zh-CN" altLang="en-US" sz="2800" dirty="0" smtClean="0">
+                <a:solidFill>
+                  <a:schemeClr val="bg1"/>
+                </a:solidFill>
+                <a:latin typeface="宋体" panose="02010600030101010101" pitchFamily="2" charset="-122"/>
+                <a:ea typeface="宋体" panose="02010600030101010101" pitchFamily="2" charset="-122"/>
+              </a:rPr>
+              <a:t>到另</a:t>
+            </a:r>
+            <a:r>
+              <a:rPr lang="zh-CN" altLang="en-US" sz="2800" dirty="0">
+                <a:solidFill>
+                  <a:schemeClr val="bg1"/>
+                </a:solidFill>
+                <a:latin typeface="宋体" panose="02010600030101010101" pitchFamily="2" charset="-122"/>
+                <a:ea typeface="宋体" panose="02010600030101010101" pitchFamily="2" charset="-122"/>
+              </a:rPr>
+              <a:t>一个独立的数据库实例中。</a:t>
+            </a:r>
+            <a:endParaRPr lang="en-US" altLang="zh-CN" sz="2800" dirty="0">
               <a:solidFill>
                 <a:schemeClr val="bg1"/>
               </a:solidFill>
@@ -13370,145 +12786,159 @@
           <a:p>
             <a:pPr marL="71550" indent="0">
               <a:lnSpc>
-                <a:spcPts val="2880"/>
+                <a:spcPct val="170000"/>
               </a:lnSpc>
               <a:buNone/>
             </a:pPr>
             <a:r>
-              <a:rPr lang="en-US" altLang="zh-CN" sz="2400" dirty="0" smtClean="0">
-                <a:solidFill>
-                  <a:schemeClr val="bg1"/>
-                </a:solidFill>
-                <a:latin typeface="宋体" panose="02010600030101010101" pitchFamily="2" charset="-122"/>
-                <a:ea typeface="宋体" panose="02010600030101010101" pitchFamily="2" charset="-122"/>
-              </a:rPr>
-              <a:t>1</a:t>
-            </a:r>
-            <a:r>
-              <a:rPr lang="zh-CN" altLang="en-US" sz="2400" dirty="0" smtClean="0">
-                <a:solidFill>
-                  <a:schemeClr val="bg1"/>
-                </a:solidFill>
-                <a:latin typeface="宋体" panose="02010600030101010101" pitchFamily="2" charset="-122"/>
-                <a:ea typeface="宋体" panose="02010600030101010101" pitchFamily="2" charset="-122"/>
-              </a:rPr>
-              <a:t>、进入</a:t>
-            </a:r>
-            <a:r>
-              <a:rPr lang="en-US" altLang="zh-CN" sz="2400" dirty="0" err="1" smtClean="0">
-                <a:solidFill>
-                  <a:schemeClr val="bg1"/>
-                </a:solidFill>
-                <a:latin typeface="宋体" panose="02010600030101010101" pitchFamily="2" charset="-122"/>
-                <a:ea typeface="宋体" panose="02010600030101010101" pitchFamily="2" charset="-122"/>
-              </a:rPr>
-              <a:t>mongodb</a:t>
-            </a:r>
-            <a:r>
-              <a:rPr lang="en-US" altLang="zh-CN" sz="2400" dirty="0" smtClean="0">
-                <a:solidFill>
-                  <a:schemeClr val="bg1"/>
-                </a:solidFill>
-                <a:latin typeface="宋体" panose="02010600030101010101" pitchFamily="2" charset="-122"/>
-                <a:ea typeface="宋体" panose="02010600030101010101" pitchFamily="2" charset="-122"/>
-              </a:rPr>
-              <a:t> shell</a:t>
+              <a:rPr lang="zh-CN" altLang="en-US" sz="2800" dirty="0">
+                <a:solidFill>
+                  <a:schemeClr val="bg1"/>
+                </a:solidFill>
+                <a:latin typeface="宋体" panose="02010600030101010101" pitchFamily="2" charset="-122"/>
+                <a:ea typeface="宋体" panose="02010600030101010101" pitchFamily="2" charset="-122"/>
+              </a:rPr>
+              <a:t>主从</a:t>
+            </a:r>
+            <a:r>
+              <a:rPr lang="zh-CN" altLang="en-US" sz="2800" dirty="0" smtClean="0">
+                <a:solidFill>
+                  <a:schemeClr val="bg1"/>
+                </a:solidFill>
+                <a:latin typeface="宋体" panose="02010600030101010101" pitchFamily="2" charset="-122"/>
+                <a:ea typeface="宋体" panose="02010600030101010101" pitchFamily="2" charset="-122"/>
+              </a:rPr>
+              <a:t>复制（旧版本）：</a:t>
+            </a:r>
+            <a:r>
+              <a:rPr lang="zh-CN" altLang="en-US" sz="2800" dirty="0">
+                <a:solidFill>
+                  <a:schemeClr val="bg1"/>
+                </a:solidFill>
+                <a:latin typeface="宋体" panose="02010600030101010101" pitchFamily="2" charset="-122"/>
+                <a:ea typeface="宋体" panose="02010600030101010101" pitchFamily="2" charset="-122"/>
+              </a:rPr>
+              <a:t>一旦主</a:t>
+            </a:r>
+            <a:r>
+              <a:rPr lang="zh-CN" altLang="en-US" sz="2800" dirty="0" smtClean="0">
+                <a:solidFill>
+                  <a:schemeClr val="bg1"/>
+                </a:solidFill>
+                <a:latin typeface="宋体" panose="02010600030101010101" pitchFamily="2" charset="-122"/>
+                <a:ea typeface="宋体" panose="02010600030101010101" pitchFamily="2" charset="-122"/>
+              </a:rPr>
+              <a:t>库出现故障，需要</a:t>
+            </a:r>
+            <a:r>
+              <a:rPr lang="zh-CN" altLang="en-US" sz="2800" dirty="0" smtClean="0">
+                <a:solidFill>
+                  <a:srgbClr val="FF0000"/>
+                </a:solidFill>
+                <a:latin typeface="宋体" panose="02010600030101010101" pitchFamily="2" charset="-122"/>
+                <a:ea typeface="宋体" panose="02010600030101010101" pitchFamily="2" charset="-122"/>
+              </a:rPr>
+              <a:t>手动</a:t>
+            </a:r>
+            <a:r>
+              <a:rPr lang="zh-CN" altLang="en-US" sz="2800" dirty="0" smtClean="0">
+                <a:solidFill>
+                  <a:schemeClr val="bg1"/>
+                </a:solidFill>
+                <a:latin typeface="宋体" panose="02010600030101010101" pitchFamily="2" charset="-122"/>
+                <a:ea typeface="宋体" panose="02010600030101010101" pitchFamily="2" charset="-122"/>
+              </a:rPr>
+              <a:t>把主库切换到</a:t>
+            </a:r>
+            <a:r>
+              <a:rPr lang="zh-CN" altLang="en-US" sz="2800" dirty="0">
+                <a:solidFill>
+                  <a:schemeClr val="bg1"/>
+                </a:solidFill>
+                <a:latin typeface="宋体" panose="02010600030101010101" pitchFamily="2" charset="-122"/>
+                <a:ea typeface="宋体" panose="02010600030101010101" pitchFamily="2" charset="-122"/>
+              </a:rPr>
+              <a:t>最可靠的从</a:t>
+            </a:r>
+            <a:r>
+              <a:rPr lang="zh-CN" altLang="en-US" sz="2800" dirty="0" smtClean="0">
+                <a:solidFill>
+                  <a:schemeClr val="bg1"/>
+                </a:solidFill>
+                <a:latin typeface="宋体" panose="02010600030101010101" pitchFamily="2" charset="-122"/>
+                <a:ea typeface="宋体" panose="02010600030101010101" pitchFamily="2" charset="-122"/>
+              </a:rPr>
+              <a:t>库，而</a:t>
+            </a:r>
+            <a:r>
+              <a:rPr lang="zh-CN" altLang="en-US" sz="2800" dirty="0">
+                <a:solidFill>
+                  <a:schemeClr val="bg1"/>
+                </a:solidFill>
+                <a:latin typeface="宋体" panose="02010600030101010101" pitchFamily="2" charset="-122"/>
+                <a:ea typeface="宋体" panose="02010600030101010101" pitchFamily="2" charset="-122"/>
+              </a:rPr>
+              <a:t>其他从库就得到从新的主库去同步</a:t>
             </a:r>
           </a:p>
           <a:p>
             <a:pPr marL="71550" indent="0">
               <a:lnSpc>
-                <a:spcPts val="2880"/>
+                <a:spcPct val="170000"/>
               </a:lnSpc>
               <a:buNone/>
             </a:pPr>
             <a:r>
-              <a:rPr lang="en-US" altLang="zh-CN" sz="2400" dirty="0" smtClean="0">
-                <a:solidFill>
-                  <a:schemeClr val="bg1"/>
-                </a:solidFill>
-                <a:latin typeface="宋体" panose="02010600030101010101" pitchFamily="2" charset="-122"/>
-                <a:ea typeface="宋体" panose="02010600030101010101" pitchFamily="2" charset="-122"/>
-              </a:rPr>
-              <a:t>use admin</a:t>
-            </a:r>
-          </a:p>
-          <a:p>
-            <a:pPr marL="71550" indent="0">
-              <a:lnSpc>
-                <a:spcPts val="2880"/>
-              </a:lnSpc>
-              <a:buNone/>
-            </a:pPr>
-            <a:r>
-              <a:rPr lang="en-US" altLang="zh-CN" sz="2400" dirty="0" err="1" smtClean="0">
-                <a:solidFill>
-                  <a:schemeClr val="bg1"/>
-                </a:solidFill>
-                <a:latin typeface="宋体" panose="02010600030101010101" pitchFamily="2" charset="-122"/>
-                <a:ea typeface="宋体" panose="02010600030101010101" pitchFamily="2" charset="-122"/>
-              </a:rPr>
-              <a:t>db.shutdownServer</a:t>
-            </a:r>
-            <a:r>
-              <a:rPr lang="en-US" altLang="zh-CN" sz="2400" dirty="0" smtClean="0">
-                <a:solidFill>
-                  <a:schemeClr val="bg1"/>
-                </a:solidFill>
-                <a:latin typeface="宋体" panose="02010600030101010101" pitchFamily="2" charset="-122"/>
-                <a:ea typeface="宋体" panose="02010600030101010101" pitchFamily="2" charset="-122"/>
-              </a:rPr>
-              <a:t>()</a:t>
-            </a:r>
-          </a:p>
-          <a:p>
-            <a:pPr marL="71550" indent="0">
-              <a:lnSpc>
-                <a:spcPts val="2880"/>
-              </a:lnSpc>
-              <a:buNone/>
-            </a:pPr>
-            <a:r>
-              <a:rPr lang="en-US" altLang="zh-CN" sz="2400" dirty="0" smtClean="0">
-                <a:solidFill>
-                  <a:schemeClr val="bg1"/>
-                </a:solidFill>
-                <a:latin typeface="宋体" panose="02010600030101010101" pitchFamily="2" charset="-122"/>
-                <a:ea typeface="宋体" panose="02010600030101010101" pitchFamily="2" charset="-122"/>
-              </a:rPr>
-              <a:t>2</a:t>
-            </a:r>
-            <a:r>
-              <a:rPr lang="zh-CN" altLang="en-US" sz="2400" dirty="0" smtClean="0">
-                <a:solidFill>
-                  <a:schemeClr val="bg1"/>
-                </a:solidFill>
-                <a:latin typeface="宋体" panose="02010600030101010101" pitchFamily="2" charset="-122"/>
-                <a:ea typeface="宋体" panose="02010600030101010101" pitchFamily="2" charset="-122"/>
-              </a:rPr>
-              <a:t>、把配置文件中的</a:t>
-            </a:r>
-            <a:r>
-              <a:rPr lang="en-US" altLang="zh-CN" sz="2400" dirty="0" err="1" smtClean="0">
-                <a:solidFill>
-                  <a:schemeClr val="bg1"/>
-                </a:solidFill>
-                <a:latin typeface="宋体" panose="02010600030101010101" pitchFamily="2" charset="-122"/>
-                <a:ea typeface="宋体" panose="02010600030101010101" pitchFamily="2" charset="-122"/>
-              </a:rPr>
-              <a:t>repl</a:t>
-            </a:r>
-            <a:r>
-              <a:rPr lang="zh-CN" altLang="en-US" sz="2400" dirty="0" smtClean="0">
-                <a:solidFill>
-                  <a:schemeClr val="bg1"/>
-                </a:solidFill>
-                <a:latin typeface="宋体" panose="02010600030101010101" pitchFamily="2" charset="-122"/>
-                <a:ea typeface="宋体" panose="02010600030101010101" pitchFamily="2" charset="-122"/>
-              </a:rPr>
-              <a:t>注释</a:t>
-            </a:r>
-            <a:endParaRPr lang="en-US" altLang="zh-CN" sz="2400" dirty="0" smtClean="0">
+              <a:rPr lang="zh-CN" altLang="en-US" sz="2800" dirty="0" smtClean="0">
+                <a:solidFill>
+                  <a:srgbClr val="FF0000"/>
+                </a:solidFill>
+                <a:latin typeface="宋体" panose="02010600030101010101" pitchFamily="2" charset="-122"/>
+                <a:ea typeface="宋体" panose="02010600030101010101" pitchFamily="2" charset="-122"/>
+              </a:rPr>
+              <a:t>副本</a:t>
+            </a:r>
+            <a:r>
+              <a:rPr lang="zh-CN" altLang="en-US" sz="2800" dirty="0">
+                <a:solidFill>
+                  <a:srgbClr val="FF0000"/>
+                </a:solidFill>
+                <a:latin typeface="宋体" panose="02010600030101010101" pitchFamily="2" charset="-122"/>
+                <a:ea typeface="宋体" panose="02010600030101010101" pitchFamily="2" charset="-122"/>
+              </a:rPr>
+              <a:t>集（</a:t>
+            </a:r>
+            <a:r>
+              <a:rPr lang="en-US" altLang="zh-CN" sz="2800" dirty="0" err="1">
+                <a:solidFill>
+                  <a:srgbClr val="FF0000"/>
+                </a:solidFill>
+                <a:latin typeface="宋体" panose="02010600030101010101" pitchFamily="2" charset="-122"/>
+                <a:ea typeface="宋体" panose="02010600030101010101" pitchFamily="2" charset="-122"/>
+              </a:rPr>
+              <a:t>relSet</a:t>
+            </a:r>
+            <a:r>
+              <a:rPr lang="zh-CN" altLang="en-US" sz="2800" dirty="0">
+                <a:solidFill>
+                  <a:srgbClr val="FF0000"/>
+                </a:solidFill>
+                <a:latin typeface="宋体" panose="02010600030101010101" pitchFamily="2" charset="-122"/>
+                <a:ea typeface="宋体" panose="02010600030101010101" pitchFamily="2" charset="-122"/>
+              </a:rPr>
+              <a:t>复制集</a:t>
+            </a:r>
+            <a:r>
+              <a:rPr lang="zh-CN" altLang="en-US" sz="2800" dirty="0" smtClean="0">
+                <a:solidFill>
+                  <a:schemeClr val="bg1"/>
+                </a:solidFill>
+                <a:latin typeface="宋体" panose="02010600030101010101" pitchFamily="2" charset="-122"/>
+                <a:ea typeface="宋体" panose="02010600030101010101" pitchFamily="2" charset="-122"/>
+              </a:rPr>
+              <a:t>）：主库出现故障时，能自动主从切换，从而故障得以恢复，其它从库从新的主库同步数据，整个过程不需要手工干预。</a:t>
+            </a:r>
+            <a:endParaRPr lang="en-US" altLang="zh-CN" sz="2800" dirty="0" smtClean="0">
               <a:solidFill>
                 <a:schemeClr val="bg1"/>
               </a:solidFill>
@@ -13519,41 +12949,21 @@
           <a:p>
             <a:pPr marL="71550" indent="0">
               <a:lnSpc>
-                <a:spcPts val="2880"/>
+                <a:spcPct val="170000"/>
               </a:lnSpc>
               <a:buNone/>
             </a:pPr>
             <a:r>
-              <a:rPr lang="en-US" altLang="zh-CN" sz="2400" dirty="0" smtClean="0">
-                <a:solidFill>
-                  <a:schemeClr val="bg1"/>
-                </a:solidFill>
-                <a:latin typeface="宋体" panose="02010600030101010101" pitchFamily="2" charset="-122"/>
-                <a:ea typeface="宋体" panose="02010600030101010101" pitchFamily="2" charset="-122"/>
-              </a:rPr>
-              <a:t>3</a:t>
-            </a:r>
-            <a:r>
-              <a:rPr lang="zh-CN" altLang="en-US" sz="2400" dirty="0" smtClean="0">
-                <a:solidFill>
-                  <a:schemeClr val="bg1"/>
-                </a:solidFill>
-                <a:latin typeface="宋体" panose="02010600030101010101" pitchFamily="2" charset="-122"/>
-                <a:ea typeface="宋体" panose="02010600030101010101" pitchFamily="2" charset="-122"/>
-              </a:rPr>
-              <a:t>、重启</a:t>
-            </a:r>
-            <a:r>
-              <a:rPr lang="en-US" altLang="zh-CN" sz="2400" dirty="0" err="1" smtClean="0">
-                <a:solidFill>
-                  <a:schemeClr val="bg1"/>
-                </a:solidFill>
-                <a:latin typeface="宋体" panose="02010600030101010101" pitchFamily="2" charset="-122"/>
-                <a:ea typeface="宋体" panose="02010600030101010101" pitchFamily="2" charset="-122"/>
-              </a:rPr>
-              <a:t>mongodb</a:t>
-            </a:r>
-            <a:endParaRPr lang="en-US" altLang="zh-CN" sz="2400" dirty="0" smtClean="0">
+              <a:rPr lang="zh-CN" altLang="en-US" sz="2800" dirty="0" smtClean="0">
+                <a:solidFill>
+                  <a:schemeClr val="bg1"/>
+                </a:solidFill>
+                <a:latin typeface="宋体" panose="02010600030101010101" pitchFamily="2" charset="-122"/>
+                <a:ea typeface="宋体" panose="02010600030101010101" pitchFamily="2" charset="-122"/>
+              </a:rPr>
+              <a:t>副本集就是能从主从自动切换的复制</a:t>
+            </a:r>
+            <a:endParaRPr lang="en-US" altLang="zh-CN" sz="2800" dirty="0">
               <a:solidFill>
                 <a:schemeClr val="bg1"/>
               </a:solidFill>
@@ -13563,90 +12973,9 @@
           </a:p>
           <a:p>
             <a:pPr marL="71550" indent="0">
-              <a:lnSpc>
-                <a:spcPts val="2880"/>
-              </a:lnSpc>
-              <a:buNone/>
-            </a:pPr>
-            <a:r>
-              <a:rPr lang="en-US" altLang="zh-CN" sz="2400" dirty="0" err="1" smtClean="0">
-                <a:solidFill>
-                  <a:schemeClr val="bg1"/>
-                </a:solidFill>
-                <a:latin typeface="宋体" panose="02010600030101010101" pitchFamily="2" charset="-122"/>
-                <a:ea typeface="宋体" panose="02010600030101010101" pitchFamily="2" charset="-122"/>
-              </a:rPr>
-              <a:t>mongod</a:t>
-            </a:r>
-            <a:r>
-              <a:rPr lang="en-US" altLang="zh-CN" sz="2400" dirty="0" smtClean="0">
-                <a:solidFill>
-                  <a:schemeClr val="bg1"/>
-                </a:solidFill>
-                <a:latin typeface="宋体" panose="02010600030101010101" pitchFamily="2" charset="-122"/>
-                <a:ea typeface="宋体" panose="02010600030101010101" pitchFamily="2" charset="-122"/>
-              </a:rPr>
-              <a:t> –f &lt;</a:t>
-            </a:r>
-            <a:r>
-              <a:rPr lang="en-US" altLang="zh-CN" sz="2400" dirty="0" err="1" smtClean="0">
-                <a:solidFill>
-                  <a:schemeClr val="bg1"/>
-                </a:solidFill>
-                <a:latin typeface="宋体" panose="02010600030101010101" pitchFamily="2" charset="-122"/>
-                <a:ea typeface="宋体" panose="02010600030101010101" pitchFamily="2" charset="-122"/>
-              </a:rPr>
-              <a:t>configfile</a:t>
-            </a:r>
-            <a:r>
-              <a:rPr lang="en-US" altLang="zh-CN" sz="2400" dirty="0" smtClean="0">
-                <a:solidFill>
-                  <a:schemeClr val="bg1"/>
-                </a:solidFill>
-                <a:latin typeface="宋体" panose="02010600030101010101" pitchFamily="2" charset="-122"/>
-                <a:ea typeface="宋体" panose="02010600030101010101" pitchFamily="2" charset="-122"/>
-              </a:rPr>
-              <a:t>&gt;</a:t>
-            </a:r>
-          </a:p>
-          <a:p>
-            <a:pPr marL="71550" indent="0">
-              <a:lnSpc>
-                <a:spcPts val="2880"/>
-              </a:lnSpc>
-              <a:buNone/>
-            </a:pPr>
-            <a:r>
-              <a:rPr lang="en-US" altLang="zh-CN" sz="2400" dirty="0" smtClean="0">
-                <a:solidFill>
-                  <a:schemeClr val="bg1"/>
-                </a:solidFill>
-                <a:latin typeface="宋体" panose="02010600030101010101" pitchFamily="2" charset="-122"/>
-                <a:ea typeface="宋体" panose="02010600030101010101" pitchFamily="2" charset="-122"/>
-              </a:rPr>
-              <a:t>4</a:t>
-            </a:r>
-            <a:r>
-              <a:rPr lang="zh-CN" altLang="en-US" sz="2400" dirty="0" smtClean="0">
-                <a:solidFill>
-                  <a:schemeClr val="bg1"/>
-                </a:solidFill>
-                <a:latin typeface="宋体" panose="02010600030101010101" pitchFamily="2" charset="-122"/>
-                <a:ea typeface="宋体" panose="02010600030101010101" pitchFamily="2" charset="-122"/>
-              </a:rPr>
-              <a:t>、备份</a:t>
-            </a:r>
-            <a:r>
-              <a:rPr lang="en-US" altLang="zh-CN" sz="2400" dirty="0" err="1" smtClean="0">
-                <a:solidFill>
-                  <a:schemeClr val="bg1"/>
-                </a:solidFill>
-                <a:latin typeface="宋体" panose="02010600030101010101" pitchFamily="2" charset="-122"/>
-                <a:ea typeface="宋体" panose="02010600030101010101" pitchFamily="2" charset="-122"/>
-              </a:rPr>
-              <a:t>oplog</a:t>
-            </a:r>
-            <a:endParaRPr lang="en-US" altLang="zh-CN" sz="2400" dirty="0" smtClean="0">
+              <a:buNone/>
+            </a:pPr>
+            <a:endParaRPr lang="zh-CN" altLang="en-US" sz="2400" b="1" dirty="0">
               <a:solidFill>
                 <a:schemeClr val="bg1"/>
               </a:solidFill>
@@ -13654,139 +12983,12 @@
               <a:ea typeface="宋体" panose="02010600030101010101" pitchFamily="2" charset="-122"/>
             </a:endParaRPr>
           </a:p>
-          <a:p>
-            <a:pPr marL="71550" indent="0">
-              <a:buNone/>
-            </a:pPr>
-            <a:r>
-              <a:rPr lang="en-US" altLang="zh-CN" dirty="0" err="1" smtClean="0">
-                <a:solidFill>
-                  <a:schemeClr val="bg1"/>
-                </a:solidFill>
-                <a:latin typeface="Calibri" panose="020F0502020204030204" pitchFamily="34" charset="0"/>
-                <a:ea typeface="宋体" panose="02010600030101010101" pitchFamily="2" charset="-122"/>
-              </a:rPr>
-              <a:t>mongodump</a:t>
-            </a:r>
-            <a:r>
-              <a:rPr lang="en-US" altLang="zh-CN" dirty="0" smtClean="0">
-                <a:solidFill>
-                  <a:schemeClr val="bg1"/>
-                </a:solidFill>
-                <a:latin typeface="Calibri" panose="020F0502020204030204" pitchFamily="34" charset="0"/>
-                <a:ea typeface="宋体" panose="02010600030101010101" pitchFamily="2" charset="-122"/>
-              </a:rPr>
-              <a:t>  --port 10001 -d local –c oplog.rs</a:t>
-            </a:r>
-          </a:p>
-          <a:p>
-            <a:pPr marL="71550" indent="0">
-              <a:buNone/>
-            </a:pPr>
-            <a:r>
-              <a:rPr lang="en-US" altLang="zh-CN" dirty="0" smtClean="0">
-                <a:solidFill>
-                  <a:schemeClr val="bg1"/>
-                </a:solidFill>
-                <a:latin typeface="Calibri" panose="020F0502020204030204" pitchFamily="34" charset="0"/>
-                <a:ea typeface="宋体" panose="02010600030101010101" pitchFamily="2" charset="-122"/>
-              </a:rPr>
-              <a:t> –o /data/oplog.</a:t>
-            </a:r>
-            <a:r>
-              <a:rPr lang="en-US" altLang="zh-CN" dirty="0" err="1" smtClean="0">
-                <a:solidFill>
-                  <a:schemeClr val="bg1"/>
-                </a:solidFill>
-                <a:latin typeface="Calibri" panose="020F0502020204030204" pitchFamily="34" charset="0"/>
-                <a:ea typeface="宋体" panose="02010600030101010101" pitchFamily="2" charset="-122"/>
-              </a:rPr>
-              <a:t>rs</a:t>
-            </a:r>
-            <a:r>
-              <a:rPr lang="en-US" altLang="zh-CN" dirty="0" smtClean="0">
-                <a:solidFill>
-                  <a:schemeClr val="bg1"/>
-                </a:solidFill>
-                <a:latin typeface="Calibri" panose="020F0502020204030204" pitchFamily="34" charset="0"/>
-                <a:ea typeface="宋体" panose="02010600030101010101" pitchFamily="2" charset="-122"/>
-              </a:rPr>
-              <a:t>_’date+’%</a:t>
-            </a:r>
-            <a:r>
-              <a:rPr lang="en-US" altLang="zh-CN" dirty="0" err="1" smtClean="0">
-                <a:solidFill>
-                  <a:schemeClr val="bg1"/>
-                </a:solidFill>
-                <a:latin typeface="Calibri" panose="020F0502020204030204" pitchFamily="34" charset="0"/>
-                <a:ea typeface="宋体" panose="02010600030101010101" pitchFamily="2" charset="-122"/>
-              </a:rPr>
-              <a:t>Y%m%d</a:t>
-            </a:r>
-            <a:r>
-              <a:rPr lang="en-US" altLang="zh-CN" dirty="0" smtClean="0">
-                <a:solidFill>
-                  <a:schemeClr val="bg1"/>
-                </a:solidFill>
-                <a:latin typeface="Calibri" panose="020F0502020204030204" pitchFamily="34" charset="0"/>
-                <a:ea typeface="宋体" panose="02010600030101010101" pitchFamily="2" charset="-122"/>
-              </a:rPr>
-              <a:t>’.</a:t>
-            </a:r>
-            <a:r>
-              <a:rPr lang="en-US" altLang="zh-CN" dirty="0" err="1" smtClean="0">
-                <a:solidFill>
-                  <a:schemeClr val="bg1"/>
-                </a:solidFill>
-                <a:latin typeface="Calibri" panose="020F0502020204030204" pitchFamily="34" charset="0"/>
-                <a:ea typeface="宋体" panose="02010600030101010101" pitchFamily="2" charset="-122"/>
-              </a:rPr>
-              <a:t>dmp</a:t>
-            </a:r>
-            <a:endParaRPr lang="en-US" altLang="zh-CN" dirty="0" smtClean="0">
-              <a:solidFill>
-                <a:schemeClr val="bg1"/>
-              </a:solidFill>
-              <a:latin typeface="Calibri" panose="020F0502020204030204" pitchFamily="34" charset="0"/>
-              <a:ea typeface="宋体" panose="02010600030101010101" pitchFamily="2" charset="-122"/>
-            </a:endParaRPr>
-          </a:p>
-          <a:p>
-            <a:pPr marL="71550" indent="0">
-              <a:buNone/>
-            </a:pPr>
-            <a:endParaRPr lang="en-US" altLang="zh-CN" sz="2400" dirty="0">
-              <a:solidFill>
-                <a:schemeClr val="bg1"/>
-              </a:solidFill>
-              <a:latin typeface="宋体" panose="02010600030101010101" pitchFamily="2" charset="-122"/>
-              <a:ea typeface="宋体" panose="02010600030101010101" pitchFamily="2" charset="-122"/>
-            </a:endParaRPr>
-          </a:p>
-          <a:p>
-            <a:pPr marL="71550" indent="0">
-              <a:buNone/>
-            </a:pPr>
-            <a:endParaRPr lang="en-US" altLang="zh-CN" sz="2400" dirty="0">
-              <a:solidFill>
-                <a:schemeClr val="bg1"/>
-              </a:solidFill>
-              <a:latin typeface="宋体" panose="02010600030101010101" pitchFamily="2" charset="-122"/>
-              <a:ea typeface="宋体" panose="02010600030101010101" pitchFamily="2" charset="-122"/>
-            </a:endParaRPr>
-          </a:p>
-          <a:p>
-            <a:pPr marL="71550" indent="0">
-              <a:buNone/>
-            </a:pPr>
-            <a:endParaRPr lang="zh-CN" altLang="en-US" dirty="0"/>
-          </a:p>
         </p:txBody>
       </p:sp>
     </p:spTree>
     <p:extLst>
       <p:ext uri="{BB962C8B-B14F-4D97-AF65-F5344CB8AC3E}">
-        <p14:creationId xmlns:p14="http://schemas.microsoft.com/office/powerpoint/2010/main" val="3113126960"/>
+        <p14:creationId xmlns:p14="http://schemas.microsoft.com/office/powerpoint/2010/main" val="3243174998"/>
       </p:ext>
     </p:extLst>
   </p:cSld>
@@ -13805,10 +13007,17 @@
       </p:transition>
     </mc:Fallback>
   </mc:AlternateContent>
+  <p:timing>
+    <p:tnLst>
+      <p:par>
+        <p:cTn id="1" dur="indefinite" restart="never" nodeType="tmRoot"/>
+      </p:par>
+    </p:tnLst>
+  </p:timing>
 </p:sld>
 </file>
 
-<file path=ppt/slides/slide32.xml><?xml version="1.0" encoding="utf-8"?>
+<file path=ppt/slides/slide30.xml><?xml version="1.0" encoding="utf-8"?>
 <p:sld xmlns:a="http://schemas.openxmlformats.org/drawingml/2006/main" xmlns:r="http://schemas.openxmlformats.org/officeDocument/2006/relationships" xmlns:p="http://schemas.openxmlformats.org/presentationml/2006/main">
   <p:cSld>
     <p:spTree>
@@ -13895,7 +13104,7 @@
         </p:nvSpPr>
         <p:spPr>
           <a:xfrm>
-            <a:off x="353418" y="915566"/>
+            <a:off x="107504" y="915566"/>
             <a:ext cx="9157706" cy="4227934"/>
           </a:xfrm>
         </p:spPr>
@@ -13906,60 +13115,31 @@
           <a:lstStyle/>
           <a:p>
             <a:pPr marL="71550" indent="0">
-              <a:buNone/>
-            </a:pPr>
-            <a:r>
-              <a:rPr lang="en-US" altLang="zh-CN" sz="2400" dirty="0" smtClean="0">
-                <a:solidFill>
-                  <a:schemeClr val="bg1"/>
-                </a:solidFill>
-                <a:latin typeface="宋体" panose="02010600030101010101" pitchFamily="2" charset="-122"/>
-                <a:ea typeface="宋体" panose="02010600030101010101" pitchFamily="2" charset="-122"/>
-              </a:rPr>
-              <a:t>4</a:t>
-            </a:r>
-            <a:r>
-              <a:rPr lang="zh-CN" altLang="en-US" sz="2400" dirty="0" smtClean="0">
-                <a:solidFill>
-                  <a:schemeClr val="bg1"/>
-                </a:solidFill>
-                <a:latin typeface="宋体" panose="02010600030101010101" pitchFamily="2" charset="-122"/>
-                <a:ea typeface="宋体" panose="02010600030101010101" pitchFamily="2" charset="-122"/>
-              </a:rPr>
-              <a:t>、</a:t>
-            </a:r>
-            <a:r>
-              <a:rPr lang="en-US" altLang="zh-CN" sz="2400" dirty="0" smtClean="0">
-                <a:solidFill>
-                  <a:schemeClr val="bg1"/>
-                </a:solidFill>
-                <a:latin typeface="宋体" panose="02010600030101010101" pitchFamily="2" charset="-122"/>
-                <a:ea typeface="宋体" panose="02010600030101010101" pitchFamily="2" charset="-122"/>
-              </a:rPr>
-              <a:t>mongo shell</a:t>
-            </a:r>
-            <a:r>
-              <a:rPr lang="zh-CN" altLang="en-US" sz="2400" dirty="0" smtClean="0">
-                <a:solidFill>
-                  <a:schemeClr val="bg1"/>
-                </a:solidFill>
-                <a:latin typeface="宋体" panose="02010600030101010101" pitchFamily="2" charset="-122"/>
-                <a:ea typeface="宋体" panose="02010600030101010101" pitchFamily="2" charset="-122"/>
-              </a:rPr>
-              <a:t>命令</a:t>
-            </a:r>
-            <a:endParaRPr lang="en-US" altLang="zh-CN" sz="2400" dirty="0" smtClean="0">
-              <a:solidFill>
-                <a:schemeClr val="bg1"/>
-              </a:solidFill>
-              <a:latin typeface="宋体" panose="02010600030101010101" pitchFamily="2" charset="-122"/>
-              <a:ea typeface="宋体" panose="02010600030101010101" pitchFamily="2" charset="-122"/>
-            </a:endParaRPr>
-          </a:p>
-          <a:p>
-            <a:pPr marL="71550" indent="0">
-              <a:buNone/>
-            </a:pPr>
+              <a:lnSpc>
+                <a:spcPct val="150000"/>
+              </a:lnSpc>
+              <a:buNone/>
+            </a:pPr>
+            <a:r>
+              <a:rPr lang="en-US" altLang="zh-CN" sz="2400" dirty="0">
+                <a:solidFill>
+                  <a:schemeClr val="bg1"/>
+                </a:solidFill>
+                <a:latin typeface="宋体" panose="02010600030101010101" pitchFamily="2" charset="-122"/>
+                <a:ea typeface="宋体" panose="02010600030101010101" pitchFamily="2" charset="-122"/>
+              </a:rPr>
+              <a:t>1</a:t>
+            </a:r>
+            <a:r>
+              <a:rPr lang="zh-CN" altLang="en-US" sz="2400" dirty="0">
+                <a:solidFill>
+                  <a:schemeClr val="bg1"/>
+                </a:solidFill>
+                <a:latin typeface="宋体" panose="02010600030101010101" pitchFamily="2" charset="-122"/>
+                <a:ea typeface="宋体" panose="02010600030101010101" pitchFamily="2" charset="-122"/>
+              </a:rPr>
+              <a:t>、连接数据库</a:t>
+            </a:r>
             <a:endParaRPr lang="en-US" altLang="zh-CN" sz="2400" dirty="0">
               <a:solidFill>
                 <a:schemeClr val="bg1"/>
@@ -13970,20 +13150,86 @@
           </a:p>
           <a:p>
             <a:pPr marL="71550" indent="0">
-              <a:buNone/>
-            </a:pPr>
-            <a:endParaRPr lang="en-US" altLang="zh-CN" sz="2400" dirty="0" smtClean="0">
-              <a:solidFill>
-                <a:schemeClr val="bg1"/>
-              </a:solidFill>
-              <a:latin typeface="宋体" panose="02010600030101010101" pitchFamily="2" charset="-122"/>
-              <a:ea typeface="宋体" panose="02010600030101010101" pitchFamily="2" charset="-122"/>
-            </a:endParaRPr>
+              <a:lnSpc>
+                <a:spcPct val="150000"/>
+              </a:lnSpc>
+              <a:buNone/>
+            </a:pPr>
+            <a:r>
+              <a:rPr lang="en-US" altLang="zh-CN" sz="2400" dirty="0" smtClean="0">
+                <a:solidFill>
+                  <a:schemeClr val="bg1"/>
+                </a:solidFill>
+                <a:latin typeface="Calibri" panose="020F0502020204030204" pitchFamily="34" charset="0"/>
+              </a:rPr>
+              <a:t>mongo </a:t>
+            </a:r>
+            <a:r>
+              <a:rPr lang="en-US" altLang="zh-CN" sz="2400" dirty="0">
+                <a:solidFill>
+                  <a:schemeClr val="bg1"/>
+                </a:solidFill>
+                <a:latin typeface="Calibri" panose="020F0502020204030204" pitchFamily="34" charset="0"/>
+              </a:rPr>
+              <a:t>--host &lt;hostname&gt;:&lt;port</a:t>
+            </a:r>
+            <a:r>
+              <a:rPr lang="en-US" altLang="zh-CN" sz="2400" dirty="0" smtClean="0">
+                <a:solidFill>
+                  <a:schemeClr val="bg1"/>
+                </a:solidFill>
+                <a:latin typeface="Calibri" panose="020F0502020204030204" pitchFamily="34" charset="0"/>
+              </a:rPr>
+              <a:t>&gt;</a:t>
+            </a:r>
           </a:p>
           <a:p>
             <a:pPr marL="71550" indent="0">
-              <a:buNone/>
-            </a:pPr>
+              <a:lnSpc>
+                <a:spcPct val="150000"/>
+              </a:lnSpc>
+              <a:buNone/>
+            </a:pPr>
+            <a:r>
+              <a:rPr lang="en-US" altLang="zh-CN" sz="2400" dirty="0">
+                <a:solidFill>
+                  <a:schemeClr val="bg1"/>
+                </a:solidFill>
+                <a:latin typeface="宋体" panose="02010600030101010101" pitchFamily="2" charset="-122"/>
+                <a:ea typeface="宋体" panose="02010600030101010101" pitchFamily="2" charset="-122"/>
+              </a:rPr>
+              <a:t>2</a:t>
+            </a:r>
+            <a:r>
+              <a:rPr lang="zh-CN" altLang="en-US" sz="2400" dirty="0">
+                <a:solidFill>
+                  <a:schemeClr val="bg1"/>
+                </a:solidFill>
+                <a:latin typeface="宋体" panose="02010600030101010101" pitchFamily="2" charset="-122"/>
+                <a:ea typeface="宋体" panose="02010600030101010101" pitchFamily="2" charset="-122"/>
+              </a:rPr>
+              <a:t>、查看</a:t>
+            </a:r>
+            <a:r>
+              <a:rPr lang="en-US" altLang="zh-CN" sz="2400" dirty="0" err="1">
+                <a:solidFill>
+                  <a:schemeClr val="bg1"/>
+                </a:solidFill>
+                <a:latin typeface="宋体" panose="02010600030101010101" pitchFamily="2" charset="-122"/>
+                <a:ea typeface="宋体" panose="02010600030101010101" pitchFamily="2" charset="-122"/>
+              </a:rPr>
+              <a:t>oplog</a:t>
+            </a:r>
+            <a:r>
+              <a:rPr lang="zh-CN" altLang="en-US" sz="2400" dirty="0">
+                <a:solidFill>
+                  <a:schemeClr val="bg1"/>
+                </a:solidFill>
+                <a:latin typeface="宋体" panose="02010600030101010101" pitchFamily="2" charset="-122"/>
+                <a:ea typeface="宋体" panose="02010600030101010101" pitchFamily="2" charset="-122"/>
+              </a:rPr>
+              <a:t>大小</a:t>
+            </a:r>
             <a:endParaRPr lang="en-US" altLang="zh-CN" sz="2400" dirty="0">
               <a:solidFill>
                 <a:schemeClr val="bg1"/>
@@ -13994,84 +13240,108 @@
           </a:p>
           <a:p>
             <a:pPr marL="71550" indent="0">
-              <a:buNone/>
-            </a:pPr>
-            <a:endParaRPr lang="en-US" altLang="zh-CN" sz="2400" dirty="0" smtClean="0">
+              <a:lnSpc>
+                <a:spcPct val="150000"/>
+              </a:lnSpc>
+              <a:buNone/>
+            </a:pPr>
+            <a:r>
+              <a:rPr lang="en-US" altLang="zh-CN" sz="2400" dirty="0">
+                <a:solidFill>
+                  <a:schemeClr val="bg1"/>
+                </a:solidFill>
+                <a:latin typeface="Calibri" panose="020F0502020204030204" pitchFamily="34" charset="0"/>
+              </a:rPr>
+              <a:t>use local </a:t>
+            </a:r>
+          </a:p>
+          <a:p>
+            <a:pPr marL="71550" indent="0">
+              <a:lnSpc>
+                <a:spcPct val="150000"/>
+              </a:lnSpc>
+              <a:buNone/>
+            </a:pPr>
+            <a:r>
+              <a:rPr lang="en-US" altLang="zh-CN" sz="2400" dirty="0" err="1">
+                <a:solidFill>
+                  <a:schemeClr val="bg1"/>
+                </a:solidFill>
+                <a:latin typeface="Calibri" panose="020F0502020204030204" pitchFamily="34" charset="0"/>
+              </a:rPr>
+              <a:t>db.oplog.rs.stats</a:t>
+            </a:r>
+            <a:r>
+              <a:rPr lang="en-US" altLang="zh-CN" sz="2400" dirty="0">
+                <a:solidFill>
+                  <a:schemeClr val="bg1"/>
+                </a:solidFill>
+                <a:latin typeface="Calibri" panose="020F0502020204030204" pitchFamily="34" charset="0"/>
+              </a:rPr>
+              <a:t>().</a:t>
+            </a:r>
+            <a:r>
+              <a:rPr lang="en-US" altLang="zh-CN" sz="2400" dirty="0" err="1">
+                <a:solidFill>
+                  <a:schemeClr val="bg1"/>
+                </a:solidFill>
+                <a:latin typeface="Calibri" panose="020F0502020204030204" pitchFamily="34" charset="0"/>
+              </a:rPr>
+              <a:t>maxSize</a:t>
+            </a:r>
+            <a:endParaRPr lang="en-US" altLang="zh-CN" sz="2400" dirty="0">
               <a:solidFill>
                 <a:schemeClr val="bg1"/>
               </a:solidFill>
-              <a:latin typeface="宋体" panose="02010600030101010101" pitchFamily="2" charset="-122"/>
-              <a:ea typeface="宋体" panose="02010600030101010101" pitchFamily="2" charset="-122"/>
-            </a:endParaRPr>
-          </a:p>
-          <a:p>
-            <a:pPr marL="71550" indent="0">
-              <a:buNone/>
-            </a:pPr>
-            <a:r>
-              <a:rPr lang="en-US" altLang="zh-CN" sz="2400" dirty="0" smtClean="0">
-                <a:solidFill>
-                  <a:schemeClr val="bg1"/>
-                </a:solidFill>
-                <a:latin typeface="宋体" panose="02010600030101010101" pitchFamily="2" charset="-122"/>
-                <a:ea typeface="宋体" panose="02010600030101010101" pitchFamily="2" charset="-122"/>
-              </a:rPr>
-              <a:t>5</a:t>
-            </a:r>
-            <a:r>
-              <a:rPr lang="zh-CN" altLang="en-US" sz="2400" dirty="0" smtClean="0">
-                <a:solidFill>
-                  <a:schemeClr val="bg1"/>
-                </a:solidFill>
-                <a:latin typeface="宋体" panose="02010600030101010101" pitchFamily="2" charset="-122"/>
-                <a:ea typeface="宋体" panose="02010600030101010101" pitchFamily="2" charset="-122"/>
-              </a:rPr>
-              <a:t>、修改配置文件，把注释去掉</a:t>
-            </a:r>
-            <a:endParaRPr lang="en-US" altLang="zh-CN" sz="2400" dirty="0" smtClean="0">
-              <a:solidFill>
-                <a:schemeClr val="bg1"/>
-              </a:solidFill>
-              <a:latin typeface="宋体" panose="02010600030101010101" pitchFamily="2" charset="-122"/>
-              <a:ea typeface="宋体" panose="02010600030101010101" pitchFamily="2" charset="-122"/>
+              <a:latin typeface="Calibri" panose="020F0502020204030204" pitchFamily="34" charset="0"/>
             </a:endParaRPr>
           </a:p>
           <a:p>
             <a:pPr marL="71550" indent="0">
               <a:lnSpc>
-                <a:spcPts val="2880"/>
+                <a:spcPct val="150000"/>
               </a:lnSpc>
               <a:buNone/>
             </a:pPr>
             <a:r>
-              <a:rPr lang="en-US" altLang="zh-CN" sz="2400" dirty="0" smtClean="0">
-                <a:solidFill>
-                  <a:schemeClr val="bg1"/>
-                </a:solidFill>
-                <a:latin typeface="宋体" panose="02010600030101010101" pitchFamily="2" charset="-122"/>
-                <a:ea typeface="宋体" panose="02010600030101010101" pitchFamily="2" charset="-122"/>
-              </a:rPr>
-              <a:t>6</a:t>
-            </a:r>
-            <a:r>
-              <a:rPr lang="zh-CN" altLang="en-US" sz="2400" dirty="0">
-                <a:solidFill>
-                  <a:schemeClr val="bg1"/>
-                </a:solidFill>
-                <a:latin typeface="宋体" panose="02010600030101010101" pitchFamily="2" charset="-122"/>
-                <a:ea typeface="宋体" panose="02010600030101010101" pitchFamily="2" charset="-122"/>
-              </a:rPr>
-              <a:t>、重启</a:t>
-            </a:r>
-            <a:r>
-              <a:rPr lang="en-US" altLang="zh-CN" sz="2400" dirty="0" err="1">
-                <a:solidFill>
-                  <a:schemeClr val="bg1"/>
-                </a:solidFill>
-                <a:latin typeface="宋体" panose="02010600030101010101" pitchFamily="2" charset="-122"/>
-                <a:ea typeface="宋体" panose="02010600030101010101" pitchFamily="2" charset="-122"/>
-              </a:rPr>
-              <a:t>mongodb</a:t>
+              <a:rPr lang="en-US" altLang="zh-CN" sz="2400" dirty="0">
+                <a:solidFill>
+                  <a:schemeClr val="bg1"/>
+                </a:solidFill>
+                <a:latin typeface="宋体" panose="02010600030101010101" pitchFamily="2" charset="-122"/>
+                <a:ea typeface="宋体" panose="02010600030101010101" pitchFamily="2" charset="-122"/>
+              </a:rPr>
+              <a:t>3</a:t>
+            </a:r>
+            <a:r>
+              <a:rPr lang="zh-CN" altLang="en-US" sz="2400" dirty="0" smtClean="0">
+                <a:solidFill>
+                  <a:schemeClr val="bg1"/>
+                </a:solidFill>
+                <a:latin typeface="宋体" panose="02010600030101010101" pitchFamily="2" charset="-122"/>
+                <a:ea typeface="宋体" panose="02010600030101010101" pitchFamily="2" charset="-122"/>
+              </a:rPr>
+              <a:t>、修改</a:t>
+            </a:r>
+            <a:r>
+              <a:rPr lang="en-US" altLang="zh-CN" sz="2400" dirty="0" err="1" smtClean="0">
+                <a:solidFill>
+                  <a:schemeClr val="bg1"/>
+                </a:solidFill>
+                <a:latin typeface="宋体" panose="02010600030101010101" pitchFamily="2" charset="-122"/>
+                <a:ea typeface="宋体" panose="02010600030101010101" pitchFamily="2" charset="-122"/>
+              </a:rPr>
+              <a:t>oplog</a:t>
+            </a:r>
+            <a:r>
+              <a:rPr lang="zh-CN" altLang="en-US" sz="2400" dirty="0" smtClean="0">
+                <a:solidFill>
+                  <a:schemeClr val="bg1"/>
+                </a:solidFill>
+                <a:latin typeface="宋体" panose="02010600030101010101" pitchFamily="2" charset="-122"/>
+                <a:ea typeface="宋体" panose="02010600030101010101" pitchFamily="2" charset="-122"/>
+              </a:rPr>
+              <a:t>大小</a:t>
             </a:r>
             <a:endParaRPr lang="en-US" altLang="zh-CN" sz="2400" dirty="0">
               <a:solidFill>
@@ -14084,65 +13354,52 @@
           <a:p>
             <a:pPr marL="71550" indent="0">
               <a:lnSpc>
+                <a:spcPct val="150000"/>
+              </a:lnSpc>
+              <a:buNone/>
+            </a:pPr>
+            <a:r>
+              <a:rPr lang="en-US" altLang="zh-CN" sz="2400" dirty="0" err="1">
+                <a:solidFill>
+                  <a:schemeClr val="bg1"/>
+                </a:solidFill>
+                <a:latin typeface="Calibri" panose="020F0502020204030204" pitchFamily="34" charset="0"/>
+              </a:rPr>
+              <a:t>db.adminCommand</a:t>
+            </a:r>
+            <a:r>
+              <a:rPr lang="en-US" altLang="zh-CN" sz="2400" dirty="0">
+                <a:solidFill>
+                  <a:schemeClr val="bg1"/>
+                </a:solidFill>
+                <a:latin typeface="Calibri" panose="020F0502020204030204" pitchFamily="34" charset="0"/>
+              </a:rPr>
+              <a:t>({</a:t>
+            </a:r>
+            <a:r>
+              <a:rPr lang="en-US" altLang="zh-CN" sz="2400" dirty="0" err="1">
+                <a:solidFill>
+                  <a:schemeClr val="bg1"/>
+                </a:solidFill>
+                <a:latin typeface="Calibri" panose="020F0502020204030204" pitchFamily="34" charset="0"/>
+              </a:rPr>
+              <a:t>replSetResizeOplog</a:t>
+            </a:r>
+            <a:r>
+              <a:rPr lang="en-US" altLang="zh-CN" sz="2400" dirty="0">
+                <a:solidFill>
+                  <a:schemeClr val="bg1"/>
+                </a:solidFill>
+                <a:latin typeface="Calibri" panose="020F0502020204030204" pitchFamily="34" charset="0"/>
+              </a:rPr>
+              <a:t>: 1, size: 16000})</a:t>
+            </a:r>
+          </a:p>
+          <a:p>
+            <a:pPr marL="71550" indent="0">
+              <a:lnSpc>
                 <a:spcPts val="2880"/>
               </a:lnSpc>
-              <a:buNone/>
-            </a:pPr>
-            <a:r>
-              <a:rPr lang="en-US" altLang="zh-CN" sz="2400" dirty="0" err="1">
-                <a:solidFill>
-                  <a:schemeClr val="bg1"/>
-                </a:solidFill>
-                <a:latin typeface="宋体" panose="02010600030101010101" pitchFamily="2" charset="-122"/>
-                <a:ea typeface="宋体" panose="02010600030101010101" pitchFamily="2" charset="-122"/>
-              </a:rPr>
-              <a:t>mongod</a:t>
-            </a:r>
-            <a:r>
-              <a:rPr lang="en-US" altLang="zh-CN" sz="2400" dirty="0">
-                <a:solidFill>
-                  <a:schemeClr val="bg1"/>
-                </a:solidFill>
-                <a:latin typeface="宋体" panose="02010600030101010101" pitchFamily="2" charset="-122"/>
-                <a:ea typeface="宋体" panose="02010600030101010101" pitchFamily="2" charset="-122"/>
-              </a:rPr>
-              <a:t> –f &lt;</a:t>
-            </a:r>
-            <a:r>
-              <a:rPr lang="en-US" altLang="zh-CN" sz="2400" dirty="0" err="1">
-                <a:solidFill>
-                  <a:schemeClr val="bg1"/>
-                </a:solidFill>
-                <a:latin typeface="宋体" panose="02010600030101010101" pitchFamily="2" charset="-122"/>
-                <a:ea typeface="宋体" panose="02010600030101010101" pitchFamily="2" charset="-122"/>
-              </a:rPr>
-              <a:t>configfile</a:t>
-            </a:r>
-            <a:r>
-              <a:rPr lang="en-US" altLang="zh-CN" sz="2400" dirty="0">
-                <a:solidFill>
-                  <a:schemeClr val="bg1"/>
-                </a:solidFill>
-                <a:latin typeface="宋体" panose="02010600030101010101" pitchFamily="2" charset="-122"/>
-                <a:ea typeface="宋体" panose="02010600030101010101" pitchFamily="2" charset="-122"/>
-              </a:rPr>
-              <a:t>&gt;</a:t>
-            </a:r>
-          </a:p>
-          <a:p>
-            <a:pPr marL="71550" indent="0">
-              <a:buNone/>
-            </a:pPr>
-            <a:endParaRPr lang="en-US" altLang="zh-CN" sz="2400" dirty="0" smtClean="0">
-              <a:solidFill>
-                <a:schemeClr val="bg1"/>
-              </a:solidFill>
-              <a:latin typeface="宋体" panose="02010600030101010101" pitchFamily="2" charset="-122"/>
-              <a:ea typeface="宋体" panose="02010600030101010101" pitchFamily="2" charset="-122"/>
-            </a:endParaRPr>
-          </a:p>
-          <a:p>
-            <a:pPr marL="71550" indent="0">
               <a:buNone/>
             </a:pPr>
             <a:endParaRPr lang="en-US" altLang="zh-CN" sz="2400" dirty="0">
@@ -14173,72 +13430,10 @@
           </a:p>
         </p:txBody>
       </p:sp>
-      <p:pic>
-        <p:nvPicPr>
-          <p:cNvPr id="5" name="Picture 2"/>
-          <p:cNvPicPr>
-            <a:picLocks noChangeAspect="1" noChangeArrowheads="1"/>
-          </p:cNvPicPr>
-          <p:nvPr/>
-        </p:nvPicPr>
-        <p:blipFill rotWithShape="1">
-          <a:blip r:embed="rId3">
-            <a:extLst>
-              <a:ext uri="{28A0092B-C50C-407E-A947-70E740481C1C}">
-                <a14:useLocalDpi xmlns:a14="http://schemas.microsoft.com/office/drawing/2010/main" val="0"/>
-              </a:ext>
-            </a:extLst>
-          </a:blip>
-          <a:srcRect t="6361" b="27269"/>
-          <a:stretch/>
-        </p:blipFill>
-        <p:spPr bwMode="auto">
-          <a:xfrm>
-            <a:off x="1102792" y="1347614"/>
-            <a:ext cx="4543425" cy="2237897"/>
-          </a:xfrm>
-          <a:prstGeom prst="rect">
-            <a:avLst/>
-          </a:prstGeom>
-          <a:noFill/>
-          <a:ln>
-            <a:noFill/>
-          </a:ln>
-          <a:effectLst/>
-          <a:extLst>
-            <a:ext uri="{909E8E84-426E-40DD-AFC4-6F175D3DCCD1}">
-              <a14:hiddenFill xmlns:a14="http://schemas.microsoft.com/office/drawing/2010/main">
-                <a:solidFill>
-                  <a:schemeClr val="accent1"/>
-                </a:solidFill>
-              </a14:hiddenFill>
-            </a:ext>
-            <a:ext uri="{91240B29-F687-4F45-9708-019B960494DF}">
-              <a14:hiddenLine xmlns:a14="http://schemas.microsoft.com/office/drawing/2010/main" w="9525">
-                <a:solidFill>
-                  <a:schemeClr val="tx1"/>
-                </a:solidFill>
-                <a:miter lim="800000"/>
-                <a:headEnd/>
-                <a:tailEnd/>
-              </a14:hiddenLine>
-            </a:ext>
-            <a:ext uri="{AF507438-7753-43E0-B8FC-AC1667EBCBE1}">
-              <a14:hiddenEffects xmlns:a14="http://schemas.microsoft.com/office/drawing/2010/main">
-                <a:effectLst>
-                  <a:outerShdw dist="35921" dir="2700000" algn="ctr" rotWithShape="0">
-                    <a:schemeClr val="bg2"/>
-                  </a:outerShdw>
-                </a:effectLst>
-              </a14:hiddenEffects>
-            </a:ext>
-          </a:extLst>
-        </p:spPr>
-      </p:pic>
     </p:spTree>
     <p:extLst>
       <p:ext uri="{BB962C8B-B14F-4D97-AF65-F5344CB8AC3E}">
-        <p14:creationId xmlns:p14="http://schemas.microsoft.com/office/powerpoint/2010/main" val="114154086"/>
+        <p14:creationId xmlns:p14="http://schemas.microsoft.com/office/powerpoint/2010/main" val="3113126960"/>
       </p:ext>
     </p:extLst>
   </p:cSld>
@@ -14257,6 +13452,13 @@
       </p:transition>
     </mc:Fallback>
   </mc:AlternateContent>
+  <p:timing>
+    <p:tnLst>
+      <p:par>
+        <p:cTn id="1" dur="indefinite" restart="never" nodeType="tmRoot"/>
+      </p:par>
+    </p:tnLst>
+  </p:timing>
 </p:sld>
 </file>
 
@@ -14497,6 +13699,13 @@
       </p:transition>
     </mc:Fallback>
   </mc:AlternateContent>
+  <p:timing>
+    <p:tnLst>
+      <p:par>
+        <p:cTn id="1" dur="indefinite" restart="never" nodeType="tmRoot"/>
+      </p:par>
+    </p:tnLst>
+  </p:timing>
 </p:sld>
 </file>
 
@@ -14640,6 +13849,13 @@
       </p:transition>
     </mc:Fallback>
   </mc:AlternateContent>
+  <p:timing>
+    <p:tnLst>
+      <p:par>
+        <p:cTn id="1" dur="indefinite" restart="never" nodeType="tmRoot"/>
+      </p:par>
+    </p:tnLst>
+  </p:timing>
 </p:sld>
 </file>
 
@@ -14907,6 +14123,13 @@
       </p:transition>
     </mc:Fallback>
   </mc:AlternateContent>
+  <p:timing>
+    <p:tnLst>
+      <p:par>
+        <p:cTn id="1" dur="indefinite" restart="never" nodeType="tmRoot"/>
+      </p:par>
+    </p:tnLst>
+  </p:timing>
 </p:sld>
 </file>
 
@@ -15089,6 +14312,13 @@
       </p:transition>
     </mc:Fallback>
   </mc:AlternateContent>
+  <p:timing>
+    <p:tnLst>
+      <p:par>
+        <p:cTn id="1" dur="indefinite" restart="never" nodeType="tmRoot"/>
+      </p:par>
+    </p:tnLst>
+  </p:timing>
 </p:sld>
 </file>
 
@@ -15237,6 +14467,13 @@
       </p:transition>
     </mc:Fallback>
   </mc:AlternateContent>
+  <p:timing>
+    <p:tnLst>
+      <p:par>
+        <p:cTn id="1" dur="indefinite" restart="never" nodeType="tmRoot"/>
+      </p:par>
+    </p:tnLst>
+  </p:timing>
 </p:sld>
 </file>
 
@@ -15466,6 +14703,13 @@
       </p:transition>
     </mc:Fallback>
   </mc:AlternateContent>
+  <p:timing>
+    <p:tnLst>
+      <p:par>
+        <p:cTn id="1" dur="indefinite" restart="never" nodeType="tmRoot"/>
+      </p:par>
+    </p:tnLst>
+  </p:timing>
 </p:sld>
 </file>
 
@@ -17085,7 +16329,7 @@
         <a:sysClr val="windowText" lastClr="000000"/>
       </a:dk1>
       <a:lt1>
-        <a:sysClr val="window" lastClr="CCE8CF"/>
+        <a:sysClr val="window" lastClr="FFFFFF"/>
       </a:lt1>
       <a:dk2>
         <a:srgbClr val="44546A"/>

--- a/PPT/12 MongoDB 复制集.pptx
+++ b/PPT/12 MongoDB 复制集.pptx
@@ -5,10 +5,10 @@
     <p:sldMasterId id="2147483648" r:id="rId1"/>
   </p:sldMasterIdLst>
   <p:notesMasterIdLst>
-    <p:notesMasterId r:id="rId32"/>
+    <p:notesMasterId r:id="rId39"/>
   </p:notesMasterIdLst>
   <p:handoutMasterIdLst>
-    <p:handoutMasterId r:id="rId33"/>
+    <p:handoutMasterId r:id="rId40"/>
   </p:handoutMasterIdLst>
   <p:sldIdLst>
     <p:sldId id="317" r:id="rId2"/>
@@ -41,6 +41,13 @@
     <p:sldId id="354" r:id="rId29"/>
     <p:sldId id="355" r:id="rId30"/>
     <p:sldId id="345" r:id="rId31"/>
+    <p:sldId id="356" r:id="rId32"/>
+    <p:sldId id="357" r:id="rId33"/>
+    <p:sldId id="362" r:id="rId34"/>
+    <p:sldId id="359" r:id="rId35"/>
+    <p:sldId id="363" r:id="rId36"/>
+    <p:sldId id="358" r:id="rId37"/>
+    <p:sldId id="360" r:id="rId38"/>
   </p:sldIdLst>
   <p:sldSz cx="9144000" cy="5143500" type="screen16x9"/>
   <p:notesSz cx="6858000" cy="9144000"/>
@@ -147,7 +154,7 @@
   </p:defaultTextStyle>
   <p:extLst>
     <p:ext uri="{EFAFB233-063F-42B5-8137-9DF3F51BA10A}">
-      <p15:sldGuideLst xmlns:p15="http://schemas.microsoft.com/office/powerpoint/2012/main" xmlns="">
+      <p15:sldGuideLst xmlns="" xmlns:p15="http://schemas.microsoft.com/office/powerpoint/2012/main">
         <p15:guide id="1" orient="horz" pos="4320" userDrawn="1">
           <p15:clr>
             <a:srgbClr val="A4A3A4"/>
@@ -171,7 +178,7 @@
       </p15:sldGuideLst>
     </p:ext>
     <p:ext uri="{2D200454-40CA-4A62-9FC3-DE9A4176ACB9}">
-      <p15:notesGuideLst xmlns:p15="http://schemas.microsoft.com/office/powerpoint/2012/main" xmlns=""/>
+      <p15:notesGuideLst xmlns="" xmlns:p15="http://schemas.microsoft.com/office/powerpoint/2012/main"/>
     </p:ext>
   </p:extLst>
 </p:presentation>
@@ -2615,6 +2622,75 @@
 </p:notes>
 </file>
 
+<file path=ppt/notesSlides/notesSlide29.xml><?xml version="1.0" encoding="utf-8"?>
+<p:notes xmlns:a="http://schemas.openxmlformats.org/drawingml/2006/main" xmlns:r="http://schemas.openxmlformats.org/officeDocument/2006/relationships" xmlns:p="http://schemas.openxmlformats.org/presentationml/2006/main">
+  <p:cSld>
+    <p:spTree>
+      <p:nvGrpSpPr>
+        <p:cNvPr id="1" name=""/>
+        <p:cNvGrpSpPr/>
+        <p:nvPr/>
+      </p:nvGrpSpPr>
+      <p:grpSpPr>
+        <a:xfrm>
+          <a:off x="0" y="0"/>
+          <a:ext cx="0" cy="0"/>
+          <a:chOff x="0" y="0"/>
+          <a:chExt cx="0" cy="0"/>
+        </a:xfrm>
+      </p:grpSpPr>
+      <p:sp>
+        <p:nvSpPr>
+          <p:cNvPr id="2" name="幻灯片图像占位符 1"/>
+          <p:cNvSpPr>
+            <a:spLocks noGrp="1" noRot="1" noChangeAspect="1"/>
+          </p:cNvSpPr>
+          <p:nvPr>
+            <p:ph type="sldImg"/>
+          </p:nvPr>
+        </p:nvSpPr>
+        <p:spPr/>
+      </p:sp>
+      <p:sp>
+        <p:nvSpPr>
+          <p:cNvPr id="3" name="备注占位符 2"/>
+          <p:cNvSpPr>
+            <a:spLocks noGrp="1"/>
+          </p:cNvSpPr>
+          <p:nvPr>
+            <p:ph type="body" idx="1"/>
+          </p:nvPr>
+        </p:nvSpPr>
+        <p:spPr/>
+        <p:txBody>
+          <a:bodyPr/>
+          <a:lstStyle/>
+          <a:p>
+            <a:r>
+              <a:rPr lang="en-US" altLang="zh-CN" dirty="0" err="1" smtClean="0"/>
+              <a:t>QPS</a:t>
+            </a:r>
+            <a:r>
+              <a:rPr lang="zh-CN" altLang="en-US" dirty="0" smtClean="0"/>
+              <a:t>，负载压力过大，数据库挂掉</a:t>
+            </a:r>
+            <a:endParaRPr lang="zh-CN" altLang="en-US" dirty="0"/>
+          </a:p>
+        </p:txBody>
+      </p:sp>
+    </p:spTree>
+    <p:extLst>
+      <p:ext uri="{BB962C8B-B14F-4D97-AF65-F5344CB8AC3E}">
+        <p14:creationId xmlns:p14="http://schemas.microsoft.com/office/powerpoint/2010/main" val="2420576896"/>
+      </p:ext>
+    </p:extLst>
+  </p:cSld>
+  <p:clrMapOvr>
+    <a:masterClrMapping/>
+  </p:clrMapOvr>
+</p:notes>
+</file>
+
 <file path=ppt/notesSlides/notesSlide3.xml><?xml version="1.0" encoding="utf-8"?>
 <p:notes xmlns:a="http://schemas.openxmlformats.org/drawingml/2006/main" xmlns:r="http://schemas.openxmlformats.org/officeDocument/2006/relationships" xmlns:p="http://schemas.openxmlformats.org/presentationml/2006/main">
   <p:cSld>
@@ -2667,6 +2743,271 @@
     <p:extLst>
       <p:ext uri="{BB962C8B-B14F-4D97-AF65-F5344CB8AC3E}">
         <p14:creationId xmlns:p14="http://schemas.microsoft.com/office/powerpoint/2010/main" val="666014657"/>
+      </p:ext>
+    </p:extLst>
+  </p:cSld>
+  <p:clrMapOvr>
+    <a:masterClrMapping/>
+  </p:clrMapOvr>
+</p:notes>
+</file>
+
+<file path=ppt/notesSlides/notesSlide30.xml><?xml version="1.0" encoding="utf-8"?>
+<p:notes xmlns:a="http://schemas.openxmlformats.org/drawingml/2006/main" xmlns:r="http://schemas.openxmlformats.org/officeDocument/2006/relationships" xmlns:p="http://schemas.openxmlformats.org/presentationml/2006/main">
+  <p:cSld>
+    <p:spTree>
+      <p:nvGrpSpPr>
+        <p:cNvPr id="1" name=""/>
+        <p:cNvGrpSpPr/>
+        <p:nvPr/>
+      </p:nvGrpSpPr>
+      <p:grpSpPr>
+        <a:xfrm>
+          <a:off x="0" y="0"/>
+          <a:ext cx="0" cy="0"/>
+          <a:chOff x="0" y="0"/>
+          <a:chExt cx="0" cy="0"/>
+        </a:xfrm>
+      </p:grpSpPr>
+      <p:sp>
+        <p:nvSpPr>
+          <p:cNvPr id="2" name="幻灯片图像占位符 1"/>
+          <p:cNvSpPr>
+            <a:spLocks noGrp="1" noRot="1" noChangeAspect="1"/>
+          </p:cNvSpPr>
+          <p:nvPr>
+            <p:ph type="sldImg"/>
+          </p:nvPr>
+        </p:nvSpPr>
+        <p:spPr/>
+      </p:sp>
+      <p:sp>
+        <p:nvSpPr>
+          <p:cNvPr id="3" name="备注占位符 2"/>
+          <p:cNvSpPr>
+            <a:spLocks noGrp="1"/>
+          </p:cNvSpPr>
+          <p:nvPr>
+            <p:ph type="body" idx="1"/>
+          </p:nvPr>
+        </p:nvSpPr>
+        <p:spPr/>
+        <p:txBody>
+          <a:bodyPr/>
+          <a:lstStyle/>
+          <a:p>
+            <a:r>
+              <a:rPr lang="en-US" altLang="zh-CN" dirty="0" smtClean="0"/>
+              <a:t>10S</a:t>
+            </a:r>
+            <a:r>
+              <a:rPr lang="zh-CN" altLang="en-US" dirty="0" smtClean="0"/>
+              <a:t>选举过程，拒绝外部响应，决定了选举的时间</a:t>
+            </a:r>
+            <a:endParaRPr lang="en-US" altLang="zh-CN" dirty="0" smtClean="0"/>
+          </a:p>
+          <a:p>
+            <a:r>
+              <a:rPr lang="zh-CN" altLang="en-US" dirty="0" smtClean="0"/>
+              <a:t>心跳包</a:t>
+            </a:r>
+            <a:r>
+              <a:rPr lang="en-US" altLang="zh-CN" dirty="0" smtClean="0"/>
+              <a:t>5S</a:t>
+            </a:r>
+            <a:r>
+              <a:rPr lang="en-US" altLang="zh-CN" baseline="0" dirty="0" smtClean="0"/>
+              <a:t> ping</a:t>
+            </a:r>
+            <a:r>
+              <a:rPr lang="zh-CN" altLang="en-US" baseline="0" dirty="0" smtClean="0"/>
+              <a:t>不到主节点</a:t>
+            </a:r>
+            <a:endParaRPr lang="zh-CN" altLang="en-US" dirty="0"/>
+          </a:p>
+        </p:txBody>
+      </p:sp>
+    </p:spTree>
+    <p:extLst>
+      <p:ext uri="{BB962C8B-B14F-4D97-AF65-F5344CB8AC3E}">
+        <p14:creationId xmlns:p14="http://schemas.microsoft.com/office/powerpoint/2010/main" val="2098572229"/>
+      </p:ext>
+    </p:extLst>
+  </p:cSld>
+  <p:clrMapOvr>
+    <a:masterClrMapping/>
+  </p:clrMapOvr>
+</p:notes>
+</file>
+
+<file path=ppt/notesSlides/notesSlide31.xml><?xml version="1.0" encoding="utf-8"?>
+<p:notes xmlns:a="http://schemas.openxmlformats.org/drawingml/2006/main" xmlns:r="http://schemas.openxmlformats.org/officeDocument/2006/relationships" xmlns:p="http://schemas.openxmlformats.org/presentationml/2006/main">
+  <p:cSld>
+    <p:spTree>
+      <p:nvGrpSpPr>
+        <p:cNvPr id="1" name=""/>
+        <p:cNvGrpSpPr/>
+        <p:nvPr/>
+      </p:nvGrpSpPr>
+      <p:grpSpPr>
+        <a:xfrm>
+          <a:off x="0" y="0"/>
+          <a:ext cx="0" cy="0"/>
+          <a:chOff x="0" y="0"/>
+          <a:chExt cx="0" cy="0"/>
+        </a:xfrm>
+      </p:grpSpPr>
+      <p:sp>
+        <p:nvSpPr>
+          <p:cNvPr id="2" name="幻灯片图像占位符 1"/>
+          <p:cNvSpPr>
+            <a:spLocks noGrp="1" noRot="1" noChangeAspect="1"/>
+          </p:cNvSpPr>
+          <p:nvPr>
+            <p:ph type="sldImg"/>
+          </p:nvPr>
+        </p:nvSpPr>
+        <p:spPr/>
+      </p:sp>
+      <p:sp>
+        <p:nvSpPr>
+          <p:cNvPr id="3" name="备注占位符 2"/>
+          <p:cNvSpPr>
+            <a:spLocks noGrp="1"/>
+          </p:cNvSpPr>
+          <p:nvPr>
+            <p:ph type="body" idx="1"/>
+          </p:nvPr>
+        </p:nvSpPr>
+        <p:spPr/>
+        <p:txBody>
+          <a:bodyPr/>
+          <a:lstStyle/>
+          <a:p>
+            <a:r>
+              <a:rPr lang="zh-CN" altLang="en-US" dirty="0" smtClean="0"/>
+              <a:t>从节点不能选自己做主节点</a:t>
+            </a:r>
+            <a:endParaRPr lang="zh-CN" altLang="en-US" dirty="0"/>
+          </a:p>
+        </p:txBody>
+      </p:sp>
+    </p:spTree>
+    <p:extLst>
+      <p:ext uri="{BB962C8B-B14F-4D97-AF65-F5344CB8AC3E}">
+        <p14:creationId xmlns:p14="http://schemas.microsoft.com/office/powerpoint/2010/main" val="22138126"/>
+      </p:ext>
+    </p:extLst>
+  </p:cSld>
+  <p:clrMapOvr>
+    <a:masterClrMapping/>
+  </p:clrMapOvr>
+</p:notes>
+</file>
+
+<file path=ppt/notesSlides/notesSlide32.xml><?xml version="1.0" encoding="utf-8"?>
+<p:notes xmlns:a="http://schemas.openxmlformats.org/drawingml/2006/main" xmlns:r="http://schemas.openxmlformats.org/officeDocument/2006/relationships" xmlns:p="http://schemas.openxmlformats.org/presentationml/2006/main">
+  <p:cSld>
+    <p:spTree>
+      <p:nvGrpSpPr>
+        <p:cNvPr id="1" name=""/>
+        <p:cNvGrpSpPr/>
+        <p:nvPr/>
+      </p:nvGrpSpPr>
+      <p:grpSpPr>
+        <a:xfrm>
+          <a:off x="0" y="0"/>
+          <a:ext cx="0" cy="0"/>
+          <a:chOff x="0" y="0"/>
+          <a:chExt cx="0" cy="0"/>
+        </a:xfrm>
+      </p:grpSpPr>
+      <p:sp>
+        <p:nvSpPr>
+          <p:cNvPr id="2" name="幻灯片图像占位符 1"/>
+          <p:cNvSpPr>
+            <a:spLocks noGrp="1" noRot="1" noChangeAspect="1"/>
+          </p:cNvSpPr>
+          <p:nvPr>
+            <p:ph type="sldImg"/>
+          </p:nvPr>
+        </p:nvSpPr>
+        <p:spPr/>
+      </p:sp>
+      <p:sp>
+        <p:nvSpPr>
+          <p:cNvPr id="3" name="备注占位符 2"/>
+          <p:cNvSpPr>
+            <a:spLocks noGrp="1"/>
+          </p:cNvSpPr>
+          <p:nvPr>
+            <p:ph type="body" idx="1"/>
+          </p:nvPr>
+        </p:nvSpPr>
+        <p:spPr/>
+        <p:txBody>
+          <a:bodyPr/>
+          <a:lstStyle/>
+          <a:p>
+            <a:r>
+              <a:rPr lang="zh-CN" altLang="en-US" dirty="0" smtClean="0"/>
+              <a:t>主</a:t>
+            </a:r>
+            <a:r>
+              <a:rPr lang="en-US" altLang="zh-CN" dirty="0" smtClean="0"/>
+              <a:t>A</a:t>
+            </a:r>
+            <a:r>
+              <a:rPr lang="zh-CN" altLang="en-US" dirty="0" smtClean="0"/>
+              <a:t>宕机，最新插入没有写到从节点，</a:t>
+            </a:r>
+            <a:r>
+              <a:rPr lang="en-US" altLang="zh-CN" dirty="0" smtClean="0"/>
+              <a:t>B</a:t>
+            </a:r>
+            <a:r>
+              <a:rPr lang="zh-CN" altLang="en-US" dirty="0" smtClean="0"/>
+              <a:t>称为主节点。</a:t>
+            </a:r>
+            <a:endParaRPr lang="en-US" altLang="zh-CN" dirty="0" smtClean="0"/>
+          </a:p>
+          <a:p>
+            <a:r>
+              <a:rPr lang="en-US" altLang="zh-CN" dirty="0" smtClean="0"/>
+              <a:t>A</a:t>
+            </a:r>
+            <a:r>
+              <a:rPr lang="zh-CN" altLang="en-US" dirty="0" smtClean="0"/>
+              <a:t>节点起来</a:t>
+            </a:r>
+            <a:r>
+              <a:rPr lang="zh-CN" altLang="en-US" baseline="0" dirty="0" smtClean="0"/>
+              <a:t>了，</a:t>
+            </a:r>
+            <a:r>
+              <a:rPr lang="en-US" altLang="zh-CN" baseline="0" dirty="0" smtClean="0"/>
+              <a:t>BU</a:t>
+            </a:r>
+            <a:r>
+              <a:rPr lang="zh-CN" altLang="en-US" baseline="0" dirty="0" smtClean="0"/>
+              <a:t>不存在差一条数据怎么办？</a:t>
+            </a:r>
+            <a:r>
+              <a:rPr lang="en-US" altLang="zh-CN" baseline="0" dirty="0" smtClean="0"/>
+              <a:t>rollback</a:t>
+            </a:r>
+            <a:r>
+              <a:rPr lang="zh-CN" altLang="en-US" baseline="0" dirty="0" smtClean="0"/>
+              <a:t>一个集合中</a:t>
+            </a:r>
+            <a:endParaRPr lang="zh-CN" altLang="en-US" dirty="0"/>
+          </a:p>
+        </p:txBody>
+      </p:sp>
+    </p:spTree>
+    <p:extLst>
+      <p:ext uri="{BB962C8B-B14F-4D97-AF65-F5344CB8AC3E}">
+        <p14:creationId xmlns:p14="http://schemas.microsoft.com/office/powerpoint/2010/main" val="3281992432"/>
       </p:ext>
     </p:extLst>
   </p:cSld>
@@ -4401,7 +4742,7 @@
           </a:ln>
           <a:extLst>
             <a:ext uri="{C572A759-6A51-4108-AA02-DFA0A04FC94B}">
-              <ma14:wrappingTextBoxFlag xmlns:ma14="http://schemas.microsoft.com/office/mac/drawingml/2011/main" xmlns="" val="1"/>
+              <ma14:wrappingTextBoxFlag xmlns="" xmlns:ma14="http://schemas.microsoft.com/office/mac/drawingml/2011/main" val="1"/>
             </a:ext>
           </a:extLst>
         </p:spPr>
@@ -4457,7 +4798,7 @@
           </a:ln>
           <a:extLst>
             <a:ext uri="{C572A759-6A51-4108-AA02-DFA0A04FC94B}">
-              <ma14:wrappingTextBoxFlag xmlns:ma14="http://schemas.microsoft.com/office/mac/drawingml/2011/main" xmlns="" val="1"/>
+              <ma14:wrappingTextBoxFlag xmlns="" xmlns:ma14="http://schemas.microsoft.com/office/mac/drawingml/2011/main" val="1"/>
             </a:ext>
           </a:extLst>
         </p:spPr>
@@ -7755,7 +8096,16 @@
                 </a:solidFill>
                 <a:latin typeface="Calibri" panose="020F0502020204030204" pitchFamily="34" charset="0"/>
               </a:rPr>
-              <a:t>[0].priority=10</a:t>
+              <a:t>[1].</a:t>
+            </a:r>
+            <a:r>
+              <a:rPr lang="en-US" altLang="zh-CN" sz="2400" dirty="0" smtClean="0">
+                <a:solidFill>
+                  <a:srgbClr val="FF0000"/>
+                </a:solidFill>
+                <a:latin typeface="Calibri" panose="020F0502020204030204" pitchFamily="34" charset="0"/>
+              </a:rPr>
+              <a:t>priority=10</a:t>
             </a:r>
           </a:p>
           <a:p>
@@ -12485,34 +12835,15 @@
           </a:bodyPr>
           <a:lstStyle/>
           <a:p>
-            <a:pPr marL="528750" indent="-457200"/>
-            <a:r>
-              <a:rPr lang="en-US" altLang="zh-CN" sz="3200" dirty="0" err="1" smtClean="0">
-                <a:solidFill>
-                  <a:schemeClr val="bg1"/>
-                </a:solidFill>
-                <a:latin typeface="宋体" panose="02010600030101010101" pitchFamily="2" charset="-122"/>
-                <a:ea typeface="宋体" panose="02010600030101010101" pitchFamily="2" charset="-122"/>
-              </a:rPr>
+            <a:r>
+              <a:rPr lang="en-US" altLang="zh-CN" sz="3200" dirty="0" err="1"/>
               <a:t>Oplog</a:t>
             </a:r>
             <a:r>
-              <a:rPr lang="zh-CN" altLang="en-US" sz="3200" dirty="0" smtClean="0">
-                <a:solidFill>
-                  <a:schemeClr val="bg1"/>
-                </a:solidFill>
-                <a:latin typeface="宋体" panose="02010600030101010101" pitchFamily="2" charset="-122"/>
-                <a:ea typeface="宋体" panose="02010600030101010101" pitchFamily="2" charset="-122"/>
-              </a:rPr>
+              <a:rPr lang="zh-CN" altLang="en-US" sz="3200" dirty="0"/>
               <a:t>的大小</a:t>
             </a:r>
-            <a:endParaRPr lang="en-US" altLang="zh-CN" sz="3200" dirty="0">
-              <a:solidFill>
-                <a:schemeClr val="bg1"/>
-              </a:solidFill>
-              <a:latin typeface="宋体" panose="02010600030101010101" pitchFamily="2" charset="-122"/>
-              <a:ea typeface="宋体" panose="02010600030101010101" pitchFamily="2" charset="-122"/>
-            </a:endParaRPr>
+            <a:endParaRPr lang="en-US" altLang="zh-CN" sz="3200" dirty="0"/>
           </a:p>
         </p:txBody>
       </p:sp>
@@ -13051,44 +13382,19 @@
           </a:bodyPr>
           <a:lstStyle/>
           <a:p>
-            <a:pPr marL="528750" indent="-457200"/>
-            <a:r>
-              <a:rPr lang="zh-CN" altLang="en-US" sz="3200" dirty="0" smtClean="0">
-                <a:solidFill>
-                  <a:schemeClr val="bg1"/>
-                </a:solidFill>
-                <a:latin typeface="宋体" panose="02010600030101010101" pitchFamily="2" charset="-122"/>
-                <a:ea typeface="宋体" panose="02010600030101010101" pitchFamily="2" charset="-122"/>
-              </a:rPr>
+            <a:r>
+              <a:rPr lang="zh-CN" altLang="en-US" sz="3200" dirty="0"/>
               <a:t>改变</a:t>
             </a:r>
             <a:r>
-              <a:rPr lang="en-US" altLang="zh-CN" sz="3200" dirty="0" err="1" smtClean="0">
-                <a:solidFill>
-                  <a:schemeClr val="bg1"/>
-                </a:solidFill>
-                <a:latin typeface="宋体" panose="02010600030101010101" pitchFamily="2" charset="-122"/>
-                <a:ea typeface="宋体" panose="02010600030101010101" pitchFamily="2" charset="-122"/>
-              </a:rPr>
+              <a:rPr lang="en-US" altLang="zh-CN" sz="3200" dirty="0" err="1"/>
               <a:t>Oplog</a:t>
             </a:r>
             <a:r>
-              <a:rPr lang="zh-CN" altLang="en-US" sz="3200" dirty="0" smtClean="0">
-                <a:solidFill>
-                  <a:schemeClr val="bg1"/>
-                </a:solidFill>
-                <a:latin typeface="宋体" panose="02010600030101010101" pitchFamily="2" charset="-122"/>
-                <a:ea typeface="宋体" panose="02010600030101010101" pitchFamily="2" charset="-122"/>
-              </a:rPr>
+              <a:rPr lang="zh-CN" altLang="en-US" sz="3200" dirty="0"/>
               <a:t>的大小</a:t>
             </a:r>
-            <a:endParaRPr lang="en-US" altLang="zh-CN" sz="3200" dirty="0">
-              <a:solidFill>
-                <a:schemeClr val="bg1"/>
-              </a:solidFill>
-              <a:latin typeface="宋体" panose="02010600030101010101" pitchFamily="2" charset="-122"/>
-              <a:ea typeface="宋体" panose="02010600030101010101" pitchFamily="2" charset="-122"/>
-            </a:endParaRPr>
+            <a:endParaRPr lang="en-US" altLang="zh-CN" sz="3200" dirty="0"/>
           </a:p>
         </p:txBody>
       </p:sp>
@@ -13434,6 +13740,1875 @@
     <p:extLst>
       <p:ext uri="{BB962C8B-B14F-4D97-AF65-F5344CB8AC3E}">
         <p14:creationId xmlns:p14="http://schemas.microsoft.com/office/powerpoint/2010/main" val="3113126960"/>
+      </p:ext>
+    </p:extLst>
+  </p:cSld>
+  <p:clrMapOvr>
+    <a:masterClrMapping/>
+  </p:clrMapOvr>
+  <mc:AlternateContent xmlns:mc="http://schemas.openxmlformats.org/markup-compatibility/2006" xmlns:p14="http://schemas.microsoft.com/office/powerpoint/2010/main">
+    <mc:Choice Requires="p14">
+      <p:transition spd="med" p14:dur="700">
+        <p:fade/>
+      </p:transition>
+    </mc:Choice>
+    <mc:Fallback xmlns="">
+      <p:transition spd="med">
+        <p:fade/>
+      </p:transition>
+    </mc:Fallback>
+  </mc:AlternateContent>
+  <p:timing>
+    <p:tnLst>
+      <p:par>
+        <p:cTn id="1" dur="indefinite" restart="never" nodeType="tmRoot"/>
+      </p:par>
+    </p:tnLst>
+  </p:timing>
+</p:sld>
+</file>
+
+<file path=ppt/slides/slide31.xml><?xml version="1.0" encoding="utf-8"?>
+<p:sld xmlns:a="http://schemas.openxmlformats.org/drawingml/2006/main" xmlns:r="http://schemas.openxmlformats.org/officeDocument/2006/relationships" xmlns:p="http://schemas.openxmlformats.org/presentationml/2006/main">
+  <p:cSld>
+    <p:spTree>
+      <p:nvGrpSpPr>
+        <p:cNvPr id="1" name=""/>
+        <p:cNvGrpSpPr/>
+        <p:nvPr/>
+      </p:nvGrpSpPr>
+      <p:grpSpPr>
+        <a:xfrm>
+          <a:off x="0" y="0"/>
+          <a:ext cx="0" cy="0"/>
+          <a:chOff x="0" y="0"/>
+          <a:chExt cx="0" cy="0"/>
+        </a:xfrm>
+      </p:grpSpPr>
+      <p:sp>
+        <p:nvSpPr>
+          <p:cNvPr id="2" name="标题 1"/>
+          <p:cNvSpPr>
+            <a:spLocks noGrp="1"/>
+          </p:cNvSpPr>
+          <p:nvPr>
+            <p:ph type="ctrTitle"/>
+          </p:nvPr>
+        </p:nvSpPr>
+        <p:spPr/>
+        <p:txBody>
+          <a:bodyPr>
+            <a:noAutofit/>
+          </a:bodyPr>
+          <a:lstStyle/>
+          <a:p>
+            <a:r>
+              <a:rPr lang="zh-CN" altLang="en-US" sz="3200" dirty="0"/>
+              <a:t>复制集的管理</a:t>
+            </a:r>
+          </a:p>
+        </p:txBody>
+      </p:sp>
+      <p:sp>
+        <p:nvSpPr>
+          <p:cNvPr id="3" name="副标题 2"/>
+          <p:cNvSpPr>
+            <a:spLocks noGrp="1"/>
+          </p:cNvSpPr>
+          <p:nvPr>
+            <p:ph type="subTitle" idx="1"/>
+          </p:nvPr>
+        </p:nvSpPr>
+        <p:spPr/>
+        <p:txBody>
+          <a:bodyPr>
+            <a:normAutofit/>
+          </a:bodyPr>
+          <a:lstStyle/>
+          <a:p>
+            <a:pPr>
+              <a:buClr>
+                <a:schemeClr val="bg1"/>
+              </a:buClr>
+              <a:buSzPct val="60000"/>
+              <a:buFont typeface="Wingdings" panose="05000000000000000000" pitchFamily="2" charset="2"/>
+              <a:buChar char="l"/>
+            </a:pPr>
+            <a:r>
+              <a:rPr lang="zh-CN" altLang="en-US" sz="2800" dirty="0" smtClean="0">
+                <a:solidFill>
+                  <a:schemeClr val="bg1"/>
+                </a:solidFill>
+                <a:latin typeface="宋体" panose="02010600030101010101" pitchFamily="2" charset="-122"/>
+                <a:ea typeface="宋体" panose="02010600030101010101" pitchFamily="2" charset="-122"/>
+              </a:rPr>
+              <a:t>灾备切换</a:t>
+            </a:r>
+            <a:endParaRPr lang="en-US" altLang="zh-CN" sz="2800" dirty="0" smtClean="0">
+              <a:solidFill>
+                <a:schemeClr val="bg1"/>
+              </a:solidFill>
+              <a:latin typeface="宋体" panose="02010600030101010101" pitchFamily="2" charset="-122"/>
+              <a:ea typeface="宋体" panose="02010600030101010101" pitchFamily="2" charset="-122"/>
+            </a:endParaRPr>
+          </a:p>
+          <a:p>
+            <a:pPr>
+              <a:buClr>
+                <a:schemeClr val="bg1"/>
+              </a:buClr>
+              <a:buSzPct val="60000"/>
+              <a:buFont typeface="Wingdings" panose="05000000000000000000" pitchFamily="2" charset="2"/>
+              <a:buChar char="l"/>
+            </a:pPr>
+            <a:r>
+              <a:rPr lang="zh-CN" altLang="en-US" sz="2800" dirty="0" smtClean="0">
+                <a:solidFill>
+                  <a:schemeClr val="bg1"/>
+                </a:solidFill>
+                <a:latin typeface="宋体" panose="02010600030101010101" pitchFamily="2" charset="-122"/>
+                <a:ea typeface="宋体" panose="02010600030101010101" pitchFamily="2" charset="-122"/>
+              </a:rPr>
+              <a:t>数据回滚</a:t>
+            </a:r>
+            <a:endParaRPr lang="en-US" altLang="zh-CN" sz="2800" dirty="0" smtClean="0">
+              <a:solidFill>
+                <a:schemeClr val="bg1"/>
+              </a:solidFill>
+              <a:latin typeface="宋体" panose="02010600030101010101" pitchFamily="2" charset="-122"/>
+              <a:ea typeface="宋体" panose="02010600030101010101" pitchFamily="2" charset="-122"/>
+            </a:endParaRPr>
+          </a:p>
+          <a:p>
+            <a:pPr>
+              <a:buClr>
+                <a:schemeClr val="bg1"/>
+              </a:buClr>
+              <a:buSzPct val="60000"/>
+              <a:buFont typeface="Wingdings" panose="05000000000000000000" pitchFamily="2" charset="2"/>
+              <a:buChar char="l"/>
+            </a:pPr>
+            <a:r>
+              <a:rPr lang="zh-CN" altLang="en-US" sz="2800" dirty="0" smtClean="0">
+                <a:solidFill>
+                  <a:schemeClr val="bg1"/>
+                </a:solidFill>
+                <a:latin typeface="宋体" panose="02010600030101010101" pitchFamily="2" charset="-122"/>
+                <a:ea typeface="宋体" panose="02010600030101010101" pitchFamily="2" charset="-122"/>
+              </a:rPr>
+              <a:t>常用命令</a:t>
+            </a:r>
+            <a:endParaRPr lang="zh-CN" altLang="en-US" sz="2800" dirty="0">
+              <a:solidFill>
+                <a:schemeClr val="bg1"/>
+              </a:solidFill>
+              <a:latin typeface="宋体" panose="02010600030101010101" pitchFamily="2" charset="-122"/>
+              <a:ea typeface="宋体" panose="02010600030101010101" pitchFamily="2" charset="-122"/>
+            </a:endParaRPr>
+          </a:p>
+        </p:txBody>
+      </p:sp>
+    </p:spTree>
+    <p:extLst>
+      <p:ext uri="{BB962C8B-B14F-4D97-AF65-F5344CB8AC3E}">
+        <p14:creationId xmlns:p14="http://schemas.microsoft.com/office/powerpoint/2010/main" val="477108362"/>
+      </p:ext>
+    </p:extLst>
+  </p:cSld>
+  <p:clrMapOvr>
+    <a:masterClrMapping/>
+  </p:clrMapOvr>
+  <mc:AlternateContent xmlns:mc="http://schemas.openxmlformats.org/markup-compatibility/2006" xmlns:p14="http://schemas.microsoft.com/office/powerpoint/2010/main">
+    <mc:Choice Requires="p14">
+      <p:transition spd="med" p14:dur="700">
+        <p:fade/>
+      </p:transition>
+    </mc:Choice>
+    <mc:Fallback xmlns="">
+      <p:transition spd="med">
+        <p:fade/>
+      </p:transition>
+    </mc:Fallback>
+  </mc:AlternateContent>
+  <p:timing>
+    <p:tnLst>
+      <p:par>
+        <p:cTn id="1" dur="indefinite" restart="never" nodeType="tmRoot"/>
+      </p:par>
+    </p:tnLst>
+  </p:timing>
+</p:sld>
+</file>
+
+<file path=ppt/slides/slide32.xml><?xml version="1.0" encoding="utf-8"?>
+<p:sld xmlns:a="http://schemas.openxmlformats.org/drawingml/2006/main" xmlns:r="http://schemas.openxmlformats.org/officeDocument/2006/relationships" xmlns:p="http://schemas.openxmlformats.org/presentationml/2006/main">
+  <p:cSld>
+    <p:spTree>
+      <p:nvGrpSpPr>
+        <p:cNvPr id="1" name=""/>
+        <p:cNvGrpSpPr/>
+        <p:nvPr/>
+      </p:nvGrpSpPr>
+      <p:grpSpPr>
+        <a:xfrm>
+          <a:off x="0" y="0"/>
+          <a:ext cx="0" cy="0"/>
+          <a:chOff x="0" y="0"/>
+          <a:chExt cx="0" cy="0"/>
+        </a:xfrm>
+      </p:grpSpPr>
+      <p:sp>
+        <p:nvSpPr>
+          <p:cNvPr id="2" name="标题 1"/>
+          <p:cNvSpPr>
+            <a:spLocks noGrp="1"/>
+          </p:cNvSpPr>
+          <p:nvPr>
+            <p:ph type="ctrTitle"/>
+          </p:nvPr>
+        </p:nvSpPr>
+        <p:spPr/>
+        <p:txBody>
+          <a:bodyPr>
+            <a:noAutofit/>
+          </a:bodyPr>
+          <a:lstStyle/>
+          <a:p>
+            <a:r>
+              <a:rPr lang="zh-CN" altLang="en-US" sz="3200" dirty="0"/>
+              <a:t>灾备切换</a:t>
+            </a:r>
+          </a:p>
+        </p:txBody>
+      </p:sp>
+      <p:sp>
+        <p:nvSpPr>
+          <p:cNvPr id="3" name="副标题 2"/>
+          <p:cNvSpPr>
+            <a:spLocks noGrp="1"/>
+          </p:cNvSpPr>
+          <p:nvPr>
+            <p:ph type="subTitle" idx="1"/>
+          </p:nvPr>
+        </p:nvSpPr>
+        <p:spPr>
+          <a:xfrm>
+            <a:off x="1318950" y="987574"/>
+            <a:ext cx="6852600" cy="3450600"/>
+          </a:xfrm>
+        </p:spPr>
+        <p:txBody>
+          <a:bodyPr>
+            <a:normAutofit/>
+          </a:bodyPr>
+          <a:lstStyle/>
+          <a:p>
+            <a:pPr marL="71550" indent="0">
+              <a:buNone/>
+            </a:pPr>
+            <a:r>
+              <a:rPr lang="en-US" altLang="zh-CN" sz="2400" dirty="0" smtClean="0">
+                <a:solidFill>
+                  <a:schemeClr val="bg1"/>
+                </a:solidFill>
+                <a:latin typeface="宋体" panose="02010600030101010101" pitchFamily="2" charset="-122"/>
+                <a:ea typeface="宋体" panose="02010600030101010101" pitchFamily="2" charset="-122"/>
+              </a:rPr>
+              <a:t>fail over</a:t>
+            </a:r>
+            <a:r>
+              <a:rPr lang="zh-CN" altLang="en-US" sz="2400" dirty="0" smtClean="0">
+                <a:solidFill>
+                  <a:schemeClr val="bg1"/>
+                </a:solidFill>
+                <a:latin typeface="宋体" panose="02010600030101010101" pitchFamily="2" charset="-122"/>
+                <a:ea typeface="宋体" panose="02010600030101010101" pitchFamily="2" charset="-122"/>
+              </a:rPr>
+              <a:t>策略 </a:t>
+            </a:r>
+            <a:endParaRPr lang="en-US" altLang="zh-CN" sz="2400" dirty="0" smtClean="0">
+              <a:solidFill>
+                <a:schemeClr val="bg1"/>
+              </a:solidFill>
+              <a:latin typeface="宋体" panose="02010600030101010101" pitchFamily="2" charset="-122"/>
+              <a:ea typeface="宋体" panose="02010600030101010101" pitchFamily="2" charset="-122"/>
+            </a:endParaRPr>
+          </a:p>
+          <a:p>
+            <a:pPr marL="71550" indent="0">
+              <a:buNone/>
+            </a:pPr>
+            <a:r>
+              <a:rPr lang="en-US" altLang="zh-CN" sz="2400" dirty="0">
+                <a:solidFill>
+                  <a:schemeClr val="bg1"/>
+                </a:solidFill>
+                <a:latin typeface="宋体" panose="02010600030101010101" pitchFamily="2" charset="-122"/>
+                <a:ea typeface="宋体" panose="02010600030101010101" pitchFamily="2" charset="-122"/>
+              </a:rPr>
+              <a:t> </a:t>
+            </a:r>
+            <a:r>
+              <a:rPr lang="en-US" altLang="zh-CN" sz="2400" dirty="0" smtClean="0">
+                <a:solidFill>
+                  <a:schemeClr val="bg1"/>
+                </a:solidFill>
+                <a:latin typeface="宋体" panose="02010600030101010101" pitchFamily="2" charset="-122"/>
+                <a:ea typeface="宋体" panose="02010600030101010101" pitchFamily="2" charset="-122"/>
+              </a:rPr>
+              <a:t>  </a:t>
+            </a:r>
+            <a:r>
+              <a:rPr lang="zh-CN" altLang="en-US" sz="2400" dirty="0" smtClean="0">
+                <a:solidFill>
+                  <a:schemeClr val="bg1"/>
+                </a:solidFill>
+                <a:latin typeface="宋体" panose="02010600030101010101" pitchFamily="2" charset="-122"/>
+                <a:ea typeface="宋体" panose="02010600030101010101" pitchFamily="2" charset="-122"/>
+              </a:rPr>
+              <a:t>新的副本集，默认情况下，使用版本</a:t>
+            </a:r>
+            <a:r>
+              <a:rPr lang="en-US" altLang="zh-CN" sz="2400" dirty="0" smtClean="0">
+                <a:solidFill>
+                  <a:schemeClr val="bg1"/>
+                </a:solidFill>
+                <a:latin typeface="宋体" panose="02010600030101010101" pitchFamily="2" charset="-122"/>
+                <a:ea typeface="宋体" panose="02010600030101010101" pitchFamily="2" charset="-122"/>
+              </a:rPr>
+              <a:t>1</a:t>
+            </a:r>
+            <a:r>
+              <a:rPr lang="zh-CN" altLang="en-US" sz="2400" dirty="0" smtClean="0">
+                <a:solidFill>
+                  <a:schemeClr val="bg1"/>
+                </a:solidFill>
+                <a:latin typeface="宋体" panose="02010600030101010101" pitchFamily="2" charset="-122"/>
+                <a:ea typeface="宋体" panose="02010600030101010101" pitchFamily="2" charset="-122"/>
+              </a:rPr>
+              <a:t>进行副本集复制，</a:t>
+            </a:r>
+            <a:r>
+              <a:rPr lang="en-US" altLang="zh-CN" sz="2400" dirty="0" smtClean="0">
+                <a:solidFill>
+                  <a:schemeClr val="bg1"/>
+                </a:solidFill>
+                <a:latin typeface="宋体" panose="02010600030101010101" pitchFamily="2" charset="-122"/>
+                <a:ea typeface="宋体" panose="02010600030101010101" pitchFamily="2" charset="-122"/>
+              </a:rPr>
+              <a:t>3.2</a:t>
+            </a:r>
+            <a:r>
+              <a:rPr lang="zh-CN" altLang="en-US" sz="2400" dirty="0" smtClean="0">
+                <a:solidFill>
+                  <a:schemeClr val="bg1"/>
+                </a:solidFill>
+                <a:latin typeface="宋体" panose="02010600030101010101" pitchFamily="2" charset="-122"/>
+                <a:ea typeface="宋体" panose="02010600030101010101" pitchFamily="2" charset="-122"/>
+              </a:rPr>
+              <a:t>版本之前采用版本</a:t>
+            </a:r>
+            <a:r>
+              <a:rPr lang="en-US" altLang="zh-CN" sz="2400" dirty="0" smtClean="0">
+                <a:solidFill>
+                  <a:schemeClr val="bg1"/>
+                </a:solidFill>
+                <a:latin typeface="宋体" panose="02010600030101010101" pitchFamily="2" charset="-122"/>
+                <a:ea typeface="宋体" panose="02010600030101010101" pitchFamily="2" charset="-122"/>
+              </a:rPr>
+              <a:t>0</a:t>
+            </a:r>
+            <a:r>
+              <a:rPr lang="zh-CN" altLang="en-US" sz="2400" dirty="0" smtClean="0">
+                <a:solidFill>
+                  <a:schemeClr val="bg1"/>
+                </a:solidFill>
+                <a:latin typeface="宋体" panose="02010600030101010101" pitchFamily="2" charset="-122"/>
+                <a:ea typeface="宋体" panose="02010600030101010101" pitchFamily="2" charset="-122"/>
+              </a:rPr>
+              <a:t>的协议，此外引入新的配置选项</a:t>
+            </a:r>
+            <a:r>
+              <a:rPr lang="en-US" altLang="zh-CN" sz="2400" dirty="0" err="1" smtClean="0">
+                <a:solidFill>
+                  <a:schemeClr val="bg1"/>
+                </a:solidFill>
+                <a:latin typeface="宋体" panose="02010600030101010101" pitchFamily="2" charset="-122"/>
+                <a:ea typeface="宋体" panose="02010600030101010101" pitchFamily="2" charset="-122"/>
+              </a:rPr>
+              <a:t>electiontimeoutmillis</a:t>
+            </a:r>
+            <a:endParaRPr lang="zh-CN" altLang="en-US" sz="2400" dirty="0">
+              <a:solidFill>
+                <a:schemeClr val="bg1"/>
+              </a:solidFill>
+              <a:latin typeface="宋体" panose="02010600030101010101" pitchFamily="2" charset="-122"/>
+              <a:ea typeface="宋体" panose="02010600030101010101" pitchFamily="2" charset="-122"/>
+            </a:endParaRPr>
+          </a:p>
+        </p:txBody>
+      </p:sp>
+    </p:spTree>
+    <p:extLst>
+      <p:ext uri="{BB962C8B-B14F-4D97-AF65-F5344CB8AC3E}">
+        <p14:creationId xmlns:p14="http://schemas.microsoft.com/office/powerpoint/2010/main" val="672679262"/>
+      </p:ext>
+    </p:extLst>
+  </p:cSld>
+  <p:clrMapOvr>
+    <a:masterClrMapping/>
+  </p:clrMapOvr>
+  <mc:AlternateContent xmlns:mc="http://schemas.openxmlformats.org/markup-compatibility/2006" xmlns:p14="http://schemas.microsoft.com/office/powerpoint/2010/main">
+    <mc:Choice Requires="p14">
+      <p:transition spd="med" p14:dur="700">
+        <p:fade/>
+      </p:transition>
+    </mc:Choice>
+    <mc:Fallback xmlns="">
+      <p:transition spd="med">
+        <p:fade/>
+      </p:transition>
+    </mc:Fallback>
+  </mc:AlternateContent>
+  <p:timing>
+    <p:tnLst>
+      <p:par>
+        <p:cTn id="1" dur="indefinite" restart="never" nodeType="tmRoot"/>
+      </p:par>
+    </p:tnLst>
+  </p:timing>
+</p:sld>
+</file>
+
+<file path=ppt/slides/slide33.xml><?xml version="1.0" encoding="utf-8"?>
+<p:sld xmlns:a="http://schemas.openxmlformats.org/drawingml/2006/main" xmlns:r="http://schemas.openxmlformats.org/officeDocument/2006/relationships" xmlns:p="http://schemas.openxmlformats.org/presentationml/2006/main">
+  <p:cSld>
+    <p:spTree>
+      <p:nvGrpSpPr>
+        <p:cNvPr id="1" name=""/>
+        <p:cNvGrpSpPr/>
+        <p:nvPr/>
+      </p:nvGrpSpPr>
+      <p:grpSpPr>
+        <a:xfrm>
+          <a:off x="0" y="0"/>
+          <a:ext cx="0" cy="0"/>
+          <a:chOff x="0" y="0"/>
+          <a:chExt cx="0" cy="0"/>
+        </a:xfrm>
+      </p:grpSpPr>
+      <p:sp>
+        <p:nvSpPr>
+          <p:cNvPr id="2" name="标题 1"/>
+          <p:cNvSpPr>
+            <a:spLocks noGrp="1"/>
+          </p:cNvSpPr>
+          <p:nvPr>
+            <p:ph type="ctrTitle"/>
+          </p:nvPr>
+        </p:nvSpPr>
+        <p:spPr/>
+        <p:txBody>
+          <a:bodyPr>
+            <a:noAutofit/>
+          </a:bodyPr>
+          <a:lstStyle/>
+          <a:p>
+            <a:r>
+              <a:rPr lang="zh-CN" altLang="en-US" sz="3200" dirty="0"/>
+              <a:t>灾备切换</a:t>
+            </a:r>
+          </a:p>
+        </p:txBody>
+      </p:sp>
+      <p:sp>
+        <p:nvSpPr>
+          <p:cNvPr id="3" name="副标题 2"/>
+          <p:cNvSpPr>
+            <a:spLocks noGrp="1"/>
+          </p:cNvSpPr>
+          <p:nvPr>
+            <p:ph type="subTitle" idx="1"/>
+          </p:nvPr>
+        </p:nvSpPr>
+        <p:spPr>
+          <a:xfrm>
+            <a:off x="1318950" y="987574"/>
+            <a:ext cx="7357506" cy="3450600"/>
+          </a:xfrm>
+        </p:spPr>
+        <p:txBody>
+          <a:bodyPr>
+            <a:normAutofit/>
+          </a:bodyPr>
+          <a:lstStyle/>
+          <a:p>
+            <a:pPr marL="71550" indent="0">
+              <a:lnSpc>
+                <a:spcPct val="150000"/>
+              </a:lnSpc>
+              <a:buNone/>
+            </a:pPr>
+            <a:r>
+              <a:rPr lang="zh-CN" altLang="en-US" sz="2400" dirty="0" smtClean="0">
+                <a:solidFill>
+                  <a:schemeClr val="bg1"/>
+                </a:solidFill>
+                <a:latin typeface="宋体" panose="02010600030101010101" pitchFamily="2" charset="-122"/>
+                <a:ea typeface="宋体" panose="02010600030101010101" pitchFamily="2" charset="-122"/>
+              </a:rPr>
+              <a:t>环境：</a:t>
+            </a:r>
+            <a:r>
+              <a:rPr lang="en-US" altLang="zh-CN" sz="2400" dirty="0" smtClean="0">
+                <a:solidFill>
+                  <a:schemeClr val="bg1"/>
+                </a:solidFill>
+                <a:latin typeface="宋体" panose="02010600030101010101" pitchFamily="2" charset="-122"/>
+                <a:ea typeface="宋体" panose="02010600030101010101" pitchFamily="2" charset="-122"/>
+              </a:rPr>
+              <a:t>1</a:t>
+            </a:r>
+            <a:r>
+              <a:rPr lang="zh-CN" altLang="en-US" sz="2400" dirty="0" smtClean="0">
+                <a:solidFill>
+                  <a:schemeClr val="bg1"/>
+                </a:solidFill>
+                <a:latin typeface="宋体" panose="02010600030101010101" pitchFamily="2" charset="-122"/>
+                <a:ea typeface="宋体" panose="02010600030101010101" pitchFamily="2" charset="-122"/>
+              </a:rPr>
+              <a:t>主</a:t>
+            </a:r>
+            <a:r>
+              <a:rPr lang="en-US" altLang="zh-CN" sz="2400" dirty="0" smtClean="0">
+                <a:solidFill>
+                  <a:schemeClr val="bg1"/>
+                </a:solidFill>
+                <a:latin typeface="宋体" panose="02010600030101010101" pitchFamily="2" charset="-122"/>
+                <a:ea typeface="宋体" panose="02010600030101010101" pitchFamily="2" charset="-122"/>
+              </a:rPr>
+              <a:t>2</a:t>
+            </a:r>
+            <a:r>
+              <a:rPr lang="zh-CN" altLang="en-US" sz="2400" dirty="0" smtClean="0">
+                <a:solidFill>
+                  <a:schemeClr val="bg1"/>
+                </a:solidFill>
+                <a:latin typeface="宋体" panose="02010600030101010101" pitchFamily="2" charset="-122"/>
+                <a:ea typeface="宋体" panose="02010600030101010101" pitchFamily="2" charset="-122"/>
+              </a:rPr>
+              <a:t>从</a:t>
+            </a:r>
+            <a:r>
+              <a:rPr lang="en-US" altLang="zh-CN" sz="2400" dirty="0" smtClean="0">
+                <a:solidFill>
+                  <a:schemeClr val="bg1"/>
+                </a:solidFill>
+                <a:latin typeface="宋体" panose="02010600030101010101" pitchFamily="2" charset="-122"/>
+                <a:ea typeface="宋体" panose="02010600030101010101" pitchFamily="2" charset="-122"/>
+              </a:rPr>
+              <a:t>1</a:t>
+            </a:r>
+            <a:r>
+              <a:rPr lang="zh-CN" altLang="en-US" sz="2400" dirty="0" smtClean="0">
+                <a:solidFill>
+                  <a:schemeClr val="bg1"/>
+                </a:solidFill>
+                <a:latin typeface="宋体" panose="02010600030101010101" pitchFamily="2" charset="-122"/>
+                <a:ea typeface="宋体" panose="02010600030101010101" pitchFamily="2" charset="-122"/>
+              </a:rPr>
+              <a:t>仲裁</a:t>
+            </a:r>
+            <a:endParaRPr lang="en-US" altLang="zh-CN" sz="2400" dirty="0" smtClean="0">
+              <a:solidFill>
+                <a:schemeClr val="bg1"/>
+              </a:solidFill>
+              <a:latin typeface="宋体" panose="02010600030101010101" pitchFamily="2" charset="-122"/>
+              <a:ea typeface="宋体" panose="02010600030101010101" pitchFamily="2" charset="-122"/>
+            </a:endParaRPr>
+          </a:p>
+          <a:p>
+            <a:pPr marL="71550" indent="0">
+              <a:lnSpc>
+                <a:spcPct val="150000"/>
+              </a:lnSpc>
+              <a:buNone/>
+            </a:pPr>
+            <a:r>
+              <a:rPr lang="en-US" altLang="zh-CN" sz="2400" dirty="0" smtClean="0">
+                <a:solidFill>
+                  <a:schemeClr val="bg1"/>
+                </a:solidFill>
+                <a:latin typeface="宋体" panose="02010600030101010101" pitchFamily="2" charset="-122"/>
+                <a:ea typeface="宋体" panose="02010600030101010101" pitchFamily="2" charset="-122"/>
+              </a:rPr>
+              <a:t>1</a:t>
+            </a:r>
+            <a:r>
+              <a:rPr lang="zh-CN" altLang="en-US" sz="2400" dirty="0" smtClean="0">
+                <a:solidFill>
+                  <a:schemeClr val="bg1"/>
+                </a:solidFill>
+                <a:latin typeface="宋体" panose="02010600030101010101" pitchFamily="2" charset="-122"/>
+                <a:ea typeface="宋体" panose="02010600030101010101" pitchFamily="2" charset="-122"/>
+              </a:rPr>
+              <a:t>、主库宕机 （</a:t>
+            </a:r>
+            <a:r>
+              <a:rPr lang="en-US" altLang="zh-CN" sz="2400" dirty="0" smtClean="0">
+                <a:solidFill>
+                  <a:schemeClr val="bg1"/>
+                </a:solidFill>
+                <a:latin typeface="宋体" panose="02010600030101010101" pitchFamily="2" charset="-122"/>
+                <a:ea typeface="宋体" panose="02010600030101010101" pitchFamily="2" charset="-122"/>
+              </a:rPr>
+              <a:t>use admin / </a:t>
+            </a:r>
+            <a:r>
+              <a:rPr lang="en-US" altLang="zh-CN" sz="2400" dirty="0" err="1" smtClean="0">
+                <a:solidFill>
+                  <a:schemeClr val="bg1"/>
+                </a:solidFill>
+                <a:latin typeface="宋体" panose="02010600030101010101" pitchFamily="2" charset="-122"/>
+                <a:ea typeface="宋体" panose="02010600030101010101" pitchFamily="2" charset="-122"/>
+              </a:rPr>
+              <a:t>db.shundownServer</a:t>
+            </a:r>
+            <a:r>
+              <a:rPr lang="en-US" altLang="zh-CN" sz="2400" dirty="0" smtClean="0">
+                <a:solidFill>
+                  <a:schemeClr val="bg1"/>
+                </a:solidFill>
+                <a:latin typeface="宋体" panose="02010600030101010101" pitchFamily="2" charset="-122"/>
+                <a:ea typeface="宋体" panose="02010600030101010101" pitchFamily="2" charset="-122"/>
+              </a:rPr>
+              <a:t>()</a:t>
+            </a:r>
+            <a:r>
+              <a:rPr lang="zh-CN" altLang="en-US" sz="2400" dirty="0" smtClean="0">
+                <a:solidFill>
+                  <a:schemeClr val="bg1"/>
+                </a:solidFill>
+                <a:latin typeface="宋体" panose="02010600030101010101" pitchFamily="2" charset="-122"/>
+                <a:ea typeface="宋体" panose="02010600030101010101" pitchFamily="2" charset="-122"/>
+              </a:rPr>
+              <a:t>）</a:t>
+            </a:r>
+            <a:endParaRPr lang="en-US" altLang="zh-CN" sz="2400" dirty="0" smtClean="0">
+              <a:solidFill>
+                <a:schemeClr val="bg1"/>
+              </a:solidFill>
+              <a:latin typeface="宋体" panose="02010600030101010101" pitchFamily="2" charset="-122"/>
+              <a:ea typeface="宋体" panose="02010600030101010101" pitchFamily="2" charset="-122"/>
+            </a:endParaRPr>
+          </a:p>
+          <a:p>
+            <a:pPr marL="71550" indent="0">
+              <a:lnSpc>
+                <a:spcPct val="150000"/>
+              </a:lnSpc>
+              <a:buNone/>
+            </a:pPr>
+            <a:r>
+              <a:rPr lang="en-US" altLang="zh-CN" sz="2400" dirty="0" smtClean="0">
+                <a:solidFill>
+                  <a:schemeClr val="bg1"/>
+                </a:solidFill>
+                <a:latin typeface="宋体" panose="02010600030101010101" pitchFamily="2" charset="-122"/>
+                <a:ea typeface="宋体" panose="02010600030101010101" pitchFamily="2" charset="-122"/>
+              </a:rPr>
+              <a:t>2</a:t>
+            </a:r>
+            <a:r>
+              <a:rPr lang="zh-CN" altLang="en-US" sz="2400" dirty="0" smtClean="0">
+                <a:solidFill>
+                  <a:schemeClr val="bg1"/>
+                </a:solidFill>
+                <a:latin typeface="宋体" panose="02010600030101010101" pitchFamily="2" charset="-122"/>
+                <a:ea typeface="宋体" panose="02010600030101010101" pitchFamily="2" charset="-122"/>
+              </a:rPr>
+              <a:t>、从库宕机</a:t>
+            </a:r>
+            <a:endParaRPr lang="en-US" altLang="zh-CN" sz="2400" dirty="0" smtClean="0">
+              <a:solidFill>
+                <a:schemeClr val="bg1"/>
+              </a:solidFill>
+              <a:latin typeface="宋体" panose="02010600030101010101" pitchFamily="2" charset="-122"/>
+              <a:ea typeface="宋体" panose="02010600030101010101" pitchFamily="2" charset="-122"/>
+            </a:endParaRPr>
+          </a:p>
+          <a:p>
+            <a:pPr marL="71550" indent="0">
+              <a:lnSpc>
+                <a:spcPct val="150000"/>
+              </a:lnSpc>
+              <a:buNone/>
+            </a:pPr>
+            <a:r>
+              <a:rPr lang="en-US" altLang="zh-CN" sz="2400" dirty="0" smtClean="0">
+                <a:solidFill>
+                  <a:schemeClr val="bg1"/>
+                </a:solidFill>
+                <a:latin typeface="宋体" panose="02010600030101010101" pitchFamily="2" charset="-122"/>
+                <a:ea typeface="宋体" panose="02010600030101010101" pitchFamily="2" charset="-122"/>
+              </a:rPr>
+              <a:t>3</a:t>
+            </a:r>
+            <a:r>
+              <a:rPr lang="zh-CN" altLang="en-US" sz="2400" dirty="0" smtClean="0">
+                <a:solidFill>
+                  <a:schemeClr val="bg1"/>
+                </a:solidFill>
+                <a:latin typeface="宋体" panose="02010600030101010101" pitchFamily="2" charset="-122"/>
+                <a:ea typeface="宋体" panose="02010600030101010101" pitchFamily="2" charset="-122"/>
+              </a:rPr>
+              <a:t>、主库宕机后，</a:t>
+            </a:r>
+            <a:r>
+              <a:rPr lang="en-US" altLang="zh-CN" sz="2400" dirty="0" smtClean="0">
+                <a:solidFill>
+                  <a:schemeClr val="bg1"/>
+                </a:solidFill>
+                <a:latin typeface="宋体" panose="02010600030101010101" pitchFamily="2" charset="-122"/>
+                <a:ea typeface="宋体" panose="02010600030101010101" pitchFamily="2" charset="-122"/>
+              </a:rPr>
+              <a:t>1</a:t>
+            </a:r>
+            <a:r>
+              <a:rPr lang="zh-CN" altLang="en-US" sz="2400" dirty="0" smtClean="0">
+                <a:solidFill>
+                  <a:schemeClr val="bg1"/>
+                </a:solidFill>
+                <a:latin typeface="宋体" panose="02010600030101010101" pitchFamily="2" charset="-122"/>
+                <a:ea typeface="宋体" panose="02010600030101010101" pitchFamily="2" charset="-122"/>
+              </a:rPr>
+              <a:t>从也宕机</a:t>
+            </a:r>
+            <a:endParaRPr lang="en-US" altLang="zh-CN" sz="2400" dirty="0" smtClean="0">
+              <a:solidFill>
+                <a:schemeClr val="bg1"/>
+              </a:solidFill>
+              <a:latin typeface="宋体" panose="02010600030101010101" pitchFamily="2" charset="-122"/>
+              <a:ea typeface="宋体" panose="02010600030101010101" pitchFamily="2" charset="-122"/>
+            </a:endParaRPr>
+          </a:p>
+          <a:p>
+            <a:pPr marL="71550" indent="0">
+              <a:lnSpc>
+                <a:spcPct val="150000"/>
+              </a:lnSpc>
+              <a:buNone/>
+            </a:pPr>
+            <a:r>
+              <a:rPr lang="en-US" altLang="zh-CN" sz="2400" dirty="0" smtClean="0">
+                <a:solidFill>
+                  <a:schemeClr val="bg1"/>
+                </a:solidFill>
+                <a:latin typeface="宋体" panose="02010600030101010101" pitchFamily="2" charset="-122"/>
+                <a:ea typeface="宋体" panose="02010600030101010101" pitchFamily="2" charset="-122"/>
+              </a:rPr>
+              <a:t>4</a:t>
+            </a:r>
+            <a:r>
+              <a:rPr lang="zh-CN" altLang="en-US" sz="2400" dirty="0" smtClean="0">
+                <a:solidFill>
+                  <a:schemeClr val="bg1"/>
+                </a:solidFill>
+                <a:latin typeface="宋体" panose="02010600030101010101" pitchFamily="2" charset="-122"/>
+                <a:ea typeface="宋体" panose="02010600030101010101" pitchFamily="2" charset="-122"/>
+              </a:rPr>
+              <a:t>、仲裁下线后</a:t>
+            </a:r>
+            <a:endParaRPr lang="zh-CN" altLang="en-US" sz="2400" dirty="0">
+              <a:solidFill>
+                <a:schemeClr val="bg1"/>
+              </a:solidFill>
+              <a:latin typeface="宋体" panose="02010600030101010101" pitchFamily="2" charset="-122"/>
+              <a:ea typeface="宋体" panose="02010600030101010101" pitchFamily="2" charset="-122"/>
+            </a:endParaRPr>
+          </a:p>
+        </p:txBody>
+      </p:sp>
+    </p:spTree>
+    <p:extLst>
+      <p:ext uri="{BB962C8B-B14F-4D97-AF65-F5344CB8AC3E}">
+        <p14:creationId xmlns:p14="http://schemas.microsoft.com/office/powerpoint/2010/main" val="1595631324"/>
+      </p:ext>
+    </p:extLst>
+  </p:cSld>
+  <p:clrMapOvr>
+    <a:masterClrMapping/>
+  </p:clrMapOvr>
+  <mc:AlternateContent xmlns:mc="http://schemas.openxmlformats.org/markup-compatibility/2006" xmlns:p14="http://schemas.microsoft.com/office/powerpoint/2010/main">
+    <mc:Choice Requires="p14">
+      <p:transition spd="med" p14:dur="700">
+        <p:fade/>
+      </p:transition>
+    </mc:Choice>
+    <mc:Fallback xmlns="">
+      <p:transition spd="med">
+        <p:fade/>
+      </p:transition>
+    </mc:Fallback>
+  </mc:AlternateContent>
+  <p:timing>
+    <p:tnLst>
+      <p:par>
+        <p:cTn id="1" dur="indefinite" restart="never" nodeType="tmRoot"/>
+      </p:par>
+    </p:tnLst>
+  </p:timing>
+</p:sld>
+</file>
+
+<file path=ppt/slides/slide34.xml><?xml version="1.0" encoding="utf-8"?>
+<p:sld xmlns:a="http://schemas.openxmlformats.org/drawingml/2006/main" xmlns:r="http://schemas.openxmlformats.org/officeDocument/2006/relationships" xmlns:p="http://schemas.openxmlformats.org/presentationml/2006/main">
+  <p:cSld>
+    <p:spTree>
+      <p:nvGrpSpPr>
+        <p:cNvPr id="1" name=""/>
+        <p:cNvGrpSpPr/>
+        <p:nvPr/>
+      </p:nvGrpSpPr>
+      <p:grpSpPr>
+        <a:xfrm>
+          <a:off x="0" y="0"/>
+          <a:ext cx="0" cy="0"/>
+          <a:chOff x="0" y="0"/>
+          <a:chExt cx="0" cy="0"/>
+        </a:xfrm>
+      </p:grpSpPr>
+      <p:sp>
+        <p:nvSpPr>
+          <p:cNvPr id="2" name="标题 1"/>
+          <p:cNvSpPr>
+            <a:spLocks noGrp="1"/>
+          </p:cNvSpPr>
+          <p:nvPr>
+            <p:ph type="ctrTitle"/>
+          </p:nvPr>
+        </p:nvSpPr>
+        <p:spPr>
+          <a:xfrm>
+            <a:off x="387450" y="249216"/>
+            <a:ext cx="8626500" cy="349650"/>
+          </a:xfrm>
+        </p:spPr>
+        <p:txBody>
+          <a:bodyPr>
+            <a:noAutofit/>
+          </a:bodyPr>
+          <a:lstStyle/>
+          <a:p>
+            <a:r>
+              <a:rPr lang="zh-CN" altLang="en-US" sz="3200" dirty="0"/>
+              <a:t>数据回滚</a:t>
+            </a:r>
+            <a:endParaRPr lang="zh-CN" altLang="en-US" sz="3200" dirty="0"/>
+          </a:p>
+        </p:txBody>
+      </p:sp>
+      <p:sp>
+        <p:nvSpPr>
+          <p:cNvPr id="3" name="副标题 2"/>
+          <p:cNvSpPr>
+            <a:spLocks noGrp="1"/>
+          </p:cNvSpPr>
+          <p:nvPr>
+            <p:ph type="subTitle" idx="1"/>
+          </p:nvPr>
+        </p:nvSpPr>
+        <p:spPr>
+          <a:xfrm>
+            <a:off x="838230" y="861602"/>
+            <a:ext cx="7213490" cy="3450600"/>
+          </a:xfrm>
+        </p:spPr>
+        <p:txBody>
+          <a:bodyPr>
+            <a:normAutofit/>
+          </a:bodyPr>
+          <a:lstStyle/>
+          <a:p>
+            <a:pPr marL="71550" indent="0">
+              <a:buNone/>
+            </a:pPr>
+            <a:r>
+              <a:rPr lang="zh-CN" altLang="en-US" sz="2400" dirty="0" smtClean="0">
+                <a:solidFill>
+                  <a:schemeClr val="bg1"/>
+                </a:solidFill>
+                <a:latin typeface="宋体" panose="02010600030101010101" pitchFamily="2" charset="-122"/>
+                <a:ea typeface="宋体" panose="02010600030101010101" pitchFamily="2" charset="-122"/>
+              </a:rPr>
+              <a:t>   回滚操作是对原主节点成员在故障转移后重回副本集的写操作。</a:t>
+            </a:r>
+            <a:endParaRPr lang="en-US" altLang="zh-CN" sz="2400" dirty="0" smtClean="0">
+              <a:solidFill>
+                <a:schemeClr val="bg1"/>
+              </a:solidFill>
+              <a:latin typeface="宋体" panose="02010600030101010101" pitchFamily="2" charset="-122"/>
+              <a:ea typeface="宋体" panose="02010600030101010101" pitchFamily="2" charset="-122"/>
+            </a:endParaRPr>
+          </a:p>
+          <a:p>
+            <a:pPr marL="71550" indent="0">
+              <a:buNone/>
+            </a:pPr>
+            <a:r>
+              <a:rPr lang="zh-CN" altLang="en-US" sz="2400" dirty="0" smtClean="0">
+                <a:solidFill>
+                  <a:schemeClr val="bg1"/>
+                </a:solidFill>
+                <a:latin typeface="宋体" panose="02010600030101010101" pitchFamily="2" charset="-122"/>
+                <a:ea typeface="宋体" panose="02010600030101010101" pitchFamily="2" charset="-122"/>
+              </a:rPr>
+              <a:t>   回滚在以下情况是不会发生的，如果写操作在宕机主节点前复制到副本集的另一个从节点中了，并且该成员仍然可用，并能够访问到大多数的副本集。</a:t>
+            </a:r>
+            <a:endParaRPr lang="zh-CN" altLang="en-US" sz="2400" dirty="0">
+              <a:solidFill>
+                <a:schemeClr val="bg1"/>
+              </a:solidFill>
+              <a:latin typeface="宋体" panose="02010600030101010101" pitchFamily="2" charset="-122"/>
+              <a:ea typeface="宋体" panose="02010600030101010101" pitchFamily="2" charset="-122"/>
+            </a:endParaRPr>
+          </a:p>
+        </p:txBody>
+      </p:sp>
+      <p:pic>
+        <p:nvPicPr>
+          <p:cNvPr id="1026" name="Picture 2"/>
+          <p:cNvPicPr>
+            <a:picLocks noChangeAspect="1" noChangeArrowheads="1"/>
+          </p:cNvPicPr>
+          <p:nvPr/>
+        </p:nvPicPr>
+        <p:blipFill rotWithShape="1">
+          <a:blip r:embed="rId3">
+            <a:extLst>
+              <a:ext uri="{28A0092B-C50C-407E-A947-70E740481C1C}">
+                <a14:useLocalDpi xmlns:a14="http://schemas.microsoft.com/office/drawing/2010/main" val="0"/>
+              </a:ext>
+            </a:extLst>
+          </a:blip>
+          <a:srcRect t="58133" b="11672"/>
+          <a:stretch/>
+        </p:blipFill>
+        <p:spPr bwMode="auto">
+          <a:xfrm>
+            <a:off x="1763688" y="3795886"/>
+            <a:ext cx="5362575" cy="977900"/>
+          </a:xfrm>
+          <a:prstGeom prst="rect">
+            <a:avLst/>
+          </a:prstGeom>
+          <a:noFill/>
+          <a:ln>
+            <a:noFill/>
+          </a:ln>
+          <a:effectLst/>
+          <a:extLst>
+            <a:ext uri="{909E8E84-426E-40DD-AFC4-6F175D3DCCD1}">
+              <a14:hiddenFill xmlns:a14="http://schemas.microsoft.com/office/drawing/2010/main">
+                <a:solidFill>
+                  <a:schemeClr val="accent1"/>
+                </a:solidFill>
+              </a14:hiddenFill>
+            </a:ext>
+            <a:ext uri="{91240B29-F687-4F45-9708-019B960494DF}">
+              <a14:hiddenLine xmlns:a14="http://schemas.microsoft.com/office/drawing/2010/main" w="9525">
+                <a:solidFill>
+                  <a:schemeClr val="tx1"/>
+                </a:solidFill>
+                <a:miter lim="800000"/>
+                <a:headEnd/>
+                <a:tailEnd/>
+              </a14:hiddenLine>
+            </a:ext>
+            <a:ext uri="{AF507438-7753-43E0-B8FC-AC1667EBCBE1}">
+              <a14:hiddenEffects xmlns:a14="http://schemas.microsoft.com/office/drawing/2010/main">
+                <a:effectLst>
+                  <a:outerShdw dist="35921" dir="2700000" algn="ctr" rotWithShape="0">
+                    <a:schemeClr val="bg2"/>
+                  </a:outerShdw>
+                </a:effectLst>
+              </a14:hiddenEffects>
+            </a:ext>
+          </a:extLst>
+        </p:spPr>
+      </p:pic>
+    </p:spTree>
+    <p:extLst>
+      <p:ext uri="{BB962C8B-B14F-4D97-AF65-F5344CB8AC3E}">
+        <p14:creationId xmlns:p14="http://schemas.microsoft.com/office/powerpoint/2010/main" val="1303669199"/>
+      </p:ext>
+    </p:extLst>
+  </p:cSld>
+  <p:clrMapOvr>
+    <a:masterClrMapping/>
+  </p:clrMapOvr>
+  <mc:AlternateContent xmlns:mc="http://schemas.openxmlformats.org/markup-compatibility/2006" xmlns:p14="http://schemas.microsoft.com/office/powerpoint/2010/main">
+    <mc:Choice Requires="p14">
+      <p:transition spd="med" p14:dur="700">
+        <p:fade/>
+      </p:transition>
+    </mc:Choice>
+    <mc:Fallback xmlns="">
+      <p:transition spd="med">
+        <p:fade/>
+      </p:transition>
+    </mc:Fallback>
+  </mc:AlternateContent>
+  <p:timing>
+    <p:tnLst>
+      <p:par>
+        <p:cTn id="1" dur="indefinite" restart="never" nodeType="tmRoot"/>
+      </p:par>
+    </p:tnLst>
+  </p:timing>
+</p:sld>
+</file>
+
+<file path=ppt/slides/slide35.xml><?xml version="1.0" encoding="utf-8"?>
+<p:sld xmlns:a="http://schemas.openxmlformats.org/drawingml/2006/main" xmlns:r="http://schemas.openxmlformats.org/officeDocument/2006/relationships" xmlns:p="http://schemas.openxmlformats.org/presentationml/2006/main">
+  <p:cSld>
+    <p:spTree>
+      <p:nvGrpSpPr>
+        <p:cNvPr id="1" name=""/>
+        <p:cNvGrpSpPr/>
+        <p:nvPr/>
+      </p:nvGrpSpPr>
+      <p:grpSpPr>
+        <a:xfrm>
+          <a:off x="0" y="0"/>
+          <a:ext cx="0" cy="0"/>
+          <a:chOff x="0" y="0"/>
+          <a:chExt cx="0" cy="0"/>
+        </a:xfrm>
+      </p:grpSpPr>
+      <p:sp>
+        <p:nvSpPr>
+          <p:cNvPr id="2" name="标题 1"/>
+          <p:cNvSpPr>
+            <a:spLocks noGrp="1"/>
+          </p:cNvSpPr>
+          <p:nvPr>
+            <p:ph type="ctrTitle"/>
+          </p:nvPr>
+        </p:nvSpPr>
+        <p:spPr/>
+        <p:txBody>
+          <a:bodyPr>
+            <a:noAutofit/>
+          </a:bodyPr>
+          <a:lstStyle/>
+          <a:p>
+            <a:r>
+              <a:rPr lang="zh-CN" altLang="en-US" sz="3200" dirty="0" smtClean="0"/>
+              <a:t>常用命令</a:t>
+            </a:r>
+            <a:endParaRPr lang="zh-CN" altLang="en-US" sz="3200" dirty="0"/>
+          </a:p>
+        </p:txBody>
+      </p:sp>
+      <p:sp>
+        <p:nvSpPr>
+          <p:cNvPr id="3" name="副标题 2"/>
+          <p:cNvSpPr>
+            <a:spLocks noGrp="1"/>
+          </p:cNvSpPr>
+          <p:nvPr>
+            <p:ph type="subTitle" idx="1"/>
+          </p:nvPr>
+        </p:nvSpPr>
+        <p:spPr>
+          <a:xfrm>
+            <a:off x="1318950" y="915566"/>
+            <a:ext cx="6852600" cy="3450600"/>
+          </a:xfrm>
+        </p:spPr>
+        <p:txBody>
+          <a:bodyPr>
+            <a:normAutofit fontScale="92500"/>
+          </a:bodyPr>
+          <a:lstStyle/>
+          <a:p>
+            <a:pPr marL="71550" indent="0">
+              <a:buNone/>
+            </a:pPr>
+            <a:r>
+              <a:rPr lang="en-US" altLang="zh-CN" sz="2400" dirty="0" err="1" smtClean="0">
+                <a:solidFill>
+                  <a:schemeClr val="bg1"/>
+                </a:solidFill>
+                <a:latin typeface="宋体" panose="02010600030101010101" pitchFamily="2" charset="-122"/>
+                <a:ea typeface="宋体" panose="02010600030101010101" pitchFamily="2" charset="-122"/>
+              </a:rPr>
+              <a:t>rs.add</a:t>
+            </a:r>
+            <a:r>
+              <a:rPr lang="en-US" altLang="zh-CN" sz="2400" dirty="0" smtClean="0">
+                <a:solidFill>
+                  <a:schemeClr val="bg1"/>
+                </a:solidFill>
+                <a:latin typeface="宋体" panose="02010600030101010101" pitchFamily="2" charset="-122"/>
+                <a:ea typeface="宋体" panose="02010600030101010101" pitchFamily="2" charset="-122"/>
+              </a:rPr>
+              <a:t>() </a:t>
+            </a:r>
+            <a:r>
+              <a:rPr lang="zh-CN" altLang="en-US" sz="2400" dirty="0" smtClean="0">
+                <a:solidFill>
+                  <a:schemeClr val="bg1"/>
+                </a:solidFill>
+                <a:latin typeface="宋体" panose="02010600030101010101" pitchFamily="2" charset="-122"/>
+                <a:ea typeface="宋体" panose="02010600030101010101" pitchFamily="2" charset="-122"/>
+              </a:rPr>
+              <a:t>添加复制集节点</a:t>
+            </a:r>
+            <a:endParaRPr lang="en-US" altLang="zh-CN" sz="2400" dirty="0" smtClean="0">
+              <a:solidFill>
+                <a:schemeClr val="bg1"/>
+              </a:solidFill>
+              <a:latin typeface="宋体" panose="02010600030101010101" pitchFamily="2" charset="-122"/>
+              <a:ea typeface="宋体" panose="02010600030101010101" pitchFamily="2" charset="-122"/>
+            </a:endParaRPr>
+          </a:p>
+          <a:p>
+            <a:pPr marL="71550" indent="0">
+              <a:buNone/>
+            </a:pPr>
+            <a:r>
+              <a:rPr lang="en-US" altLang="zh-CN" sz="2400" dirty="0" err="1" smtClean="0">
+                <a:solidFill>
+                  <a:schemeClr val="bg1"/>
+                </a:solidFill>
+                <a:latin typeface="宋体" panose="02010600030101010101" pitchFamily="2" charset="-122"/>
+                <a:ea typeface="宋体" panose="02010600030101010101" pitchFamily="2" charset="-122"/>
+              </a:rPr>
+              <a:t>rs.addArb</a:t>
+            </a:r>
+            <a:r>
+              <a:rPr lang="en-US" altLang="zh-CN" sz="2400" dirty="0" smtClean="0">
+                <a:solidFill>
+                  <a:schemeClr val="bg1"/>
+                </a:solidFill>
+                <a:latin typeface="宋体" panose="02010600030101010101" pitchFamily="2" charset="-122"/>
+                <a:ea typeface="宋体" panose="02010600030101010101" pitchFamily="2" charset="-122"/>
+              </a:rPr>
+              <a:t>() </a:t>
+            </a:r>
+            <a:r>
+              <a:rPr lang="zh-CN" altLang="en-US" sz="2400" dirty="0" smtClean="0">
+                <a:solidFill>
+                  <a:schemeClr val="bg1"/>
+                </a:solidFill>
+                <a:latin typeface="宋体" panose="02010600030101010101" pitchFamily="2" charset="-122"/>
+                <a:ea typeface="宋体" panose="02010600030101010101" pitchFamily="2" charset="-122"/>
+              </a:rPr>
+              <a:t>添加副本集仲裁节点</a:t>
+            </a:r>
+            <a:endParaRPr lang="en-US" altLang="zh-CN" sz="2400" dirty="0" smtClean="0">
+              <a:solidFill>
+                <a:schemeClr val="bg1"/>
+              </a:solidFill>
+              <a:latin typeface="宋体" panose="02010600030101010101" pitchFamily="2" charset="-122"/>
+              <a:ea typeface="宋体" panose="02010600030101010101" pitchFamily="2" charset="-122"/>
+            </a:endParaRPr>
+          </a:p>
+          <a:p>
+            <a:pPr marL="71550" indent="0">
+              <a:buNone/>
+            </a:pPr>
+            <a:r>
+              <a:rPr lang="en-US" altLang="zh-CN" sz="2400" dirty="0" err="1" smtClean="0">
+                <a:solidFill>
+                  <a:schemeClr val="bg1"/>
+                </a:solidFill>
+                <a:latin typeface="宋体" panose="02010600030101010101" pitchFamily="2" charset="-122"/>
+                <a:ea typeface="宋体" panose="02010600030101010101" pitchFamily="2" charset="-122"/>
+              </a:rPr>
+              <a:t>rs.conf</a:t>
+            </a:r>
+            <a:r>
+              <a:rPr lang="en-US" altLang="zh-CN" sz="2400" dirty="0" smtClean="0">
+                <a:solidFill>
+                  <a:schemeClr val="bg1"/>
+                </a:solidFill>
+                <a:latin typeface="宋体" panose="02010600030101010101" pitchFamily="2" charset="-122"/>
+                <a:ea typeface="宋体" panose="02010600030101010101" pitchFamily="2" charset="-122"/>
+              </a:rPr>
+              <a:t>() </a:t>
+            </a:r>
+            <a:r>
+              <a:rPr lang="zh-CN" altLang="en-US" sz="2400" dirty="0" smtClean="0">
+                <a:solidFill>
+                  <a:schemeClr val="bg1"/>
+                </a:solidFill>
+                <a:latin typeface="宋体" panose="02010600030101010101" pitchFamily="2" charset="-122"/>
+                <a:ea typeface="宋体" panose="02010600030101010101" pitchFamily="2" charset="-122"/>
+              </a:rPr>
+              <a:t>显示当前复制集配置文件</a:t>
+            </a:r>
+            <a:endParaRPr lang="en-US" altLang="zh-CN" sz="2400" dirty="0" smtClean="0">
+              <a:solidFill>
+                <a:schemeClr val="bg1"/>
+              </a:solidFill>
+              <a:latin typeface="宋体" panose="02010600030101010101" pitchFamily="2" charset="-122"/>
+              <a:ea typeface="宋体" panose="02010600030101010101" pitchFamily="2" charset="-122"/>
+            </a:endParaRPr>
+          </a:p>
+          <a:p>
+            <a:pPr marL="71550" indent="0">
+              <a:buNone/>
+            </a:pPr>
+            <a:r>
+              <a:rPr lang="en-US" altLang="zh-CN" sz="2400" dirty="0" err="1" smtClean="0">
+                <a:solidFill>
+                  <a:schemeClr val="bg1"/>
+                </a:solidFill>
+                <a:latin typeface="宋体" panose="02010600030101010101" pitchFamily="2" charset="-122"/>
+                <a:ea typeface="宋体" panose="02010600030101010101" pitchFamily="2" charset="-122"/>
+              </a:rPr>
+              <a:t>rs.freeze</a:t>
+            </a:r>
+            <a:r>
+              <a:rPr lang="en-US" altLang="zh-CN" sz="2400" dirty="0" smtClean="0">
+                <a:solidFill>
+                  <a:schemeClr val="bg1"/>
+                </a:solidFill>
+                <a:latin typeface="宋体" panose="02010600030101010101" pitchFamily="2" charset="-122"/>
+                <a:ea typeface="宋体" panose="02010600030101010101" pitchFamily="2" charset="-122"/>
+              </a:rPr>
+              <a:t>() </a:t>
+            </a:r>
+            <a:r>
+              <a:rPr lang="zh-CN" altLang="en-US" sz="2400" dirty="0" smtClean="0">
+                <a:solidFill>
+                  <a:schemeClr val="bg1"/>
+                </a:solidFill>
+                <a:latin typeface="宋体" panose="02010600030101010101" pitchFamily="2" charset="-122"/>
+                <a:ea typeface="宋体" panose="02010600030101010101" pitchFamily="2" charset="-122"/>
+              </a:rPr>
+              <a:t>暂时冻结当前节点不参与竞选主节点</a:t>
+            </a:r>
+            <a:endParaRPr lang="en-US" altLang="zh-CN" sz="2400" dirty="0" smtClean="0">
+              <a:solidFill>
+                <a:schemeClr val="bg1"/>
+              </a:solidFill>
+              <a:latin typeface="宋体" panose="02010600030101010101" pitchFamily="2" charset="-122"/>
+              <a:ea typeface="宋体" panose="02010600030101010101" pitchFamily="2" charset="-122"/>
+            </a:endParaRPr>
+          </a:p>
+          <a:p>
+            <a:pPr marL="71550" indent="0">
+              <a:buNone/>
+            </a:pPr>
+            <a:r>
+              <a:rPr lang="en-US" altLang="zh-CN" sz="2400" dirty="0" err="1" smtClean="0">
+                <a:solidFill>
+                  <a:schemeClr val="bg1"/>
+                </a:solidFill>
+                <a:latin typeface="宋体" panose="02010600030101010101" pitchFamily="2" charset="-122"/>
+                <a:ea typeface="宋体" panose="02010600030101010101" pitchFamily="2" charset="-122"/>
+              </a:rPr>
+              <a:t>rs.initiate</a:t>
+            </a:r>
+            <a:r>
+              <a:rPr lang="en-US" altLang="zh-CN" sz="2400" dirty="0" smtClean="0">
+                <a:solidFill>
+                  <a:schemeClr val="bg1"/>
+                </a:solidFill>
+                <a:latin typeface="宋体" panose="02010600030101010101" pitchFamily="2" charset="-122"/>
+                <a:ea typeface="宋体" panose="02010600030101010101" pitchFamily="2" charset="-122"/>
+              </a:rPr>
+              <a:t>() </a:t>
+            </a:r>
+            <a:r>
+              <a:rPr lang="zh-CN" altLang="en-US" sz="2400" dirty="0" smtClean="0">
+                <a:solidFill>
+                  <a:schemeClr val="bg1"/>
+                </a:solidFill>
+                <a:latin typeface="宋体" panose="02010600030101010101" pitchFamily="2" charset="-122"/>
+                <a:ea typeface="宋体" panose="02010600030101010101" pitchFamily="2" charset="-122"/>
+              </a:rPr>
+              <a:t>初始化复制集</a:t>
+            </a:r>
+            <a:endParaRPr lang="en-US" altLang="zh-CN" sz="2400" dirty="0" smtClean="0">
+              <a:solidFill>
+                <a:schemeClr val="bg1"/>
+              </a:solidFill>
+              <a:latin typeface="宋体" panose="02010600030101010101" pitchFamily="2" charset="-122"/>
+              <a:ea typeface="宋体" panose="02010600030101010101" pitchFamily="2" charset="-122"/>
+            </a:endParaRPr>
+          </a:p>
+          <a:p>
+            <a:pPr marL="71550" indent="0">
+              <a:buNone/>
+            </a:pPr>
+            <a:r>
+              <a:rPr lang="en-US" altLang="zh-CN" sz="2400" dirty="0" err="1" smtClean="0">
+                <a:solidFill>
+                  <a:schemeClr val="bg1"/>
+                </a:solidFill>
+                <a:latin typeface="宋体" panose="02010600030101010101" pitchFamily="2" charset="-122"/>
+                <a:ea typeface="宋体" panose="02010600030101010101" pitchFamily="2" charset="-122"/>
+              </a:rPr>
+              <a:t>rs.printReplicationInfo</a:t>
+            </a:r>
+            <a:r>
+              <a:rPr lang="en-US" altLang="zh-CN" sz="2400" dirty="0" smtClean="0">
+                <a:solidFill>
+                  <a:schemeClr val="bg1"/>
+                </a:solidFill>
+                <a:latin typeface="宋体" panose="02010600030101010101" pitchFamily="2" charset="-122"/>
+                <a:ea typeface="宋体" panose="02010600030101010101" pitchFamily="2" charset="-122"/>
+              </a:rPr>
+              <a:t>()</a:t>
+            </a:r>
+            <a:r>
+              <a:rPr lang="zh-CN" altLang="en-US" sz="2400" dirty="0" smtClean="0">
+                <a:solidFill>
+                  <a:schemeClr val="bg1"/>
+                </a:solidFill>
+                <a:latin typeface="宋体" panose="02010600030101010101" pitchFamily="2" charset="-122"/>
+                <a:ea typeface="宋体" panose="02010600030101010101" pitchFamily="2" charset="-122"/>
+              </a:rPr>
+              <a:t>打印复制集信息</a:t>
+            </a:r>
+            <a:endParaRPr lang="en-US" altLang="zh-CN" sz="2400" dirty="0" smtClean="0">
+              <a:solidFill>
+                <a:schemeClr val="bg1"/>
+              </a:solidFill>
+              <a:latin typeface="宋体" panose="02010600030101010101" pitchFamily="2" charset="-122"/>
+              <a:ea typeface="宋体" panose="02010600030101010101" pitchFamily="2" charset="-122"/>
+            </a:endParaRPr>
+          </a:p>
+          <a:p>
+            <a:pPr marL="71550" indent="0">
+              <a:buNone/>
+            </a:pPr>
+            <a:r>
+              <a:rPr lang="en-US" altLang="zh-CN" sz="2400" dirty="0" err="1" smtClean="0">
+                <a:solidFill>
+                  <a:schemeClr val="bg1"/>
+                </a:solidFill>
+                <a:latin typeface="宋体" panose="02010600030101010101" pitchFamily="2" charset="-122"/>
+                <a:ea typeface="宋体" panose="02010600030101010101" pitchFamily="2" charset="-122"/>
+              </a:rPr>
+              <a:t>rs.printSlaveReplication</a:t>
+            </a:r>
+            <a:r>
+              <a:rPr lang="en-US" altLang="zh-CN" sz="2400" dirty="0" smtClean="0">
+                <a:solidFill>
+                  <a:schemeClr val="bg1"/>
+                </a:solidFill>
+                <a:latin typeface="宋体" panose="02010600030101010101" pitchFamily="2" charset="-122"/>
+                <a:ea typeface="宋体" panose="02010600030101010101" pitchFamily="2" charset="-122"/>
+              </a:rPr>
+              <a:t>()</a:t>
+            </a:r>
+            <a:r>
+              <a:rPr lang="zh-CN" altLang="en-US" sz="2400" dirty="0" smtClean="0">
+                <a:solidFill>
+                  <a:schemeClr val="bg1"/>
+                </a:solidFill>
+                <a:latin typeface="宋体" panose="02010600030101010101" pitchFamily="2" charset="-122"/>
+                <a:ea typeface="宋体" panose="02010600030101010101" pitchFamily="2" charset="-122"/>
+              </a:rPr>
+              <a:t>，打印复制集从节点信息</a:t>
+            </a:r>
+            <a:endParaRPr lang="en-US" altLang="zh-CN" sz="2400" dirty="0" smtClean="0">
+              <a:solidFill>
+                <a:schemeClr val="bg1"/>
+              </a:solidFill>
+              <a:latin typeface="宋体" panose="02010600030101010101" pitchFamily="2" charset="-122"/>
+              <a:ea typeface="宋体" panose="02010600030101010101" pitchFamily="2" charset="-122"/>
+            </a:endParaRPr>
+          </a:p>
+          <a:p>
+            <a:pPr marL="71550" indent="0">
+              <a:buNone/>
+            </a:pPr>
+            <a:endParaRPr lang="zh-CN" altLang="en-US" sz="2400" dirty="0">
+              <a:solidFill>
+                <a:schemeClr val="bg1"/>
+              </a:solidFill>
+              <a:latin typeface="宋体" panose="02010600030101010101" pitchFamily="2" charset="-122"/>
+              <a:ea typeface="宋体" panose="02010600030101010101" pitchFamily="2" charset="-122"/>
+            </a:endParaRPr>
+          </a:p>
+        </p:txBody>
+      </p:sp>
+    </p:spTree>
+    <p:extLst>
+      <p:ext uri="{BB962C8B-B14F-4D97-AF65-F5344CB8AC3E}">
+        <p14:creationId xmlns:p14="http://schemas.microsoft.com/office/powerpoint/2010/main" val="3334630404"/>
+      </p:ext>
+    </p:extLst>
+  </p:cSld>
+  <p:clrMapOvr>
+    <a:masterClrMapping/>
+  </p:clrMapOvr>
+  <mc:AlternateContent xmlns:mc="http://schemas.openxmlformats.org/markup-compatibility/2006" xmlns:p14="http://schemas.microsoft.com/office/powerpoint/2010/main">
+    <mc:Choice Requires="p14">
+      <p:transition spd="med" p14:dur="700">
+        <p:fade/>
+      </p:transition>
+    </mc:Choice>
+    <mc:Fallback xmlns="">
+      <p:transition spd="med">
+        <p:fade/>
+      </p:transition>
+    </mc:Fallback>
+  </mc:AlternateContent>
+  <p:timing>
+    <p:tnLst>
+      <p:par>
+        <p:cTn id="1" dur="indefinite" restart="never" nodeType="tmRoot"/>
+      </p:par>
+    </p:tnLst>
+  </p:timing>
+</p:sld>
+</file>
+
+<file path=ppt/slides/slide36.xml><?xml version="1.0" encoding="utf-8"?>
+<p:sld xmlns:a="http://schemas.openxmlformats.org/drawingml/2006/main" xmlns:r="http://schemas.openxmlformats.org/officeDocument/2006/relationships" xmlns:p="http://schemas.openxmlformats.org/presentationml/2006/main">
+  <p:cSld>
+    <p:spTree>
+      <p:nvGrpSpPr>
+        <p:cNvPr id="1" name=""/>
+        <p:cNvGrpSpPr/>
+        <p:nvPr/>
+      </p:nvGrpSpPr>
+      <p:grpSpPr>
+        <a:xfrm>
+          <a:off x="0" y="0"/>
+          <a:ext cx="0" cy="0"/>
+          <a:chOff x="0" y="0"/>
+          <a:chExt cx="0" cy="0"/>
+        </a:xfrm>
+      </p:grpSpPr>
+      <p:sp>
+        <p:nvSpPr>
+          <p:cNvPr id="2" name="标题 1"/>
+          <p:cNvSpPr>
+            <a:spLocks noGrp="1"/>
+          </p:cNvSpPr>
+          <p:nvPr>
+            <p:ph type="ctrTitle"/>
+          </p:nvPr>
+        </p:nvSpPr>
+        <p:spPr/>
+        <p:txBody>
+          <a:bodyPr>
+            <a:noAutofit/>
+          </a:bodyPr>
+          <a:lstStyle/>
+          <a:p>
+            <a:r>
+              <a:rPr lang="zh-CN" altLang="en-US" sz="3200" dirty="0" smtClean="0"/>
+              <a:t>常用命令</a:t>
+            </a:r>
+            <a:endParaRPr lang="zh-CN" altLang="en-US" sz="3200" dirty="0"/>
+          </a:p>
+        </p:txBody>
+      </p:sp>
+      <p:sp>
+        <p:nvSpPr>
+          <p:cNvPr id="3" name="副标题 2"/>
+          <p:cNvSpPr>
+            <a:spLocks noGrp="1"/>
+          </p:cNvSpPr>
+          <p:nvPr>
+            <p:ph type="subTitle" idx="1"/>
+          </p:nvPr>
+        </p:nvSpPr>
+        <p:spPr>
+          <a:xfrm>
+            <a:off x="1115616" y="843558"/>
+            <a:ext cx="6852600" cy="3450600"/>
+          </a:xfrm>
+        </p:spPr>
+        <p:txBody>
+          <a:bodyPr>
+            <a:normAutofit/>
+          </a:bodyPr>
+          <a:lstStyle/>
+          <a:p>
+            <a:pPr marL="71550" indent="0">
+              <a:buNone/>
+            </a:pPr>
+            <a:r>
+              <a:rPr lang="en-US" altLang="zh-CN" sz="2400" dirty="0" err="1" smtClean="0">
+                <a:solidFill>
+                  <a:schemeClr val="bg1"/>
+                </a:solidFill>
+                <a:latin typeface="宋体" panose="02010600030101010101" pitchFamily="2" charset="-122"/>
+                <a:ea typeface="宋体" panose="02010600030101010101" pitchFamily="2" charset="-122"/>
+              </a:rPr>
+              <a:t>rs.status</a:t>
+            </a:r>
+            <a:r>
+              <a:rPr lang="en-US" altLang="zh-CN" sz="2400" dirty="0" smtClean="0">
+                <a:solidFill>
+                  <a:schemeClr val="bg1"/>
+                </a:solidFill>
+                <a:latin typeface="宋体" panose="02010600030101010101" pitchFamily="2" charset="-122"/>
+                <a:ea typeface="宋体" panose="02010600030101010101" pitchFamily="2" charset="-122"/>
+              </a:rPr>
+              <a:t>() </a:t>
+            </a:r>
+            <a:r>
+              <a:rPr lang="zh-CN" altLang="en-US" sz="2400" dirty="0" smtClean="0">
+                <a:solidFill>
+                  <a:schemeClr val="bg1"/>
+                </a:solidFill>
+                <a:latin typeface="宋体" panose="02010600030101010101" pitchFamily="2" charset="-122"/>
+                <a:ea typeface="宋体" panose="02010600030101010101" pitchFamily="2" charset="-122"/>
+              </a:rPr>
+              <a:t>打印复制集状态</a:t>
+            </a:r>
+            <a:endParaRPr lang="en-US" altLang="zh-CN" sz="2400" dirty="0" smtClean="0">
+              <a:solidFill>
+                <a:schemeClr val="bg1"/>
+              </a:solidFill>
+              <a:latin typeface="宋体" panose="02010600030101010101" pitchFamily="2" charset="-122"/>
+              <a:ea typeface="宋体" panose="02010600030101010101" pitchFamily="2" charset="-122"/>
+            </a:endParaRPr>
+          </a:p>
+          <a:p>
+            <a:pPr marL="71550" indent="0">
+              <a:buNone/>
+            </a:pPr>
+            <a:r>
+              <a:rPr lang="en-US" altLang="zh-CN" sz="2400" dirty="0" err="1" smtClean="0">
+                <a:solidFill>
+                  <a:schemeClr val="bg1"/>
+                </a:solidFill>
+                <a:latin typeface="宋体" panose="02010600030101010101" pitchFamily="2" charset="-122"/>
+                <a:ea typeface="宋体" panose="02010600030101010101" pitchFamily="2" charset="-122"/>
+              </a:rPr>
+              <a:t>rs.remove</a:t>
+            </a:r>
+            <a:r>
+              <a:rPr lang="en-US" altLang="zh-CN" sz="2400" dirty="0" smtClean="0">
+                <a:solidFill>
+                  <a:schemeClr val="bg1"/>
+                </a:solidFill>
+                <a:latin typeface="宋体" panose="02010600030101010101" pitchFamily="2" charset="-122"/>
+                <a:ea typeface="宋体" panose="02010600030101010101" pitchFamily="2" charset="-122"/>
+              </a:rPr>
+              <a:t>() </a:t>
+            </a:r>
+            <a:r>
+              <a:rPr lang="zh-CN" altLang="en-US" sz="2400" dirty="0" smtClean="0">
+                <a:solidFill>
+                  <a:schemeClr val="bg1"/>
+                </a:solidFill>
+                <a:latin typeface="宋体" panose="02010600030101010101" pitchFamily="2" charset="-122"/>
+                <a:ea typeface="宋体" panose="02010600030101010101" pitchFamily="2" charset="-122"/>
+              </a:rPr>
+              <a:t>删除某个节点</a:t>
+            </a:r>
+            <a:endParaRPr lang="en-US" altLang="zh-CN" sz="2400" dirty="0" smtClean="0">
+              <a:solidFill>
+                <a:schemeClr val="bg1"/>
+              </a:solidFill>
+              <a:latin typeface="宋体" panose="02010600030101010101" pitchFamily="2" charset="-122"/>
+              <a:ea typeface="宋体" panose="02010600030101010101" pitchFamily="2" charset="-122"/>
+            </a:endParaRPr>
+          </a:p>
+          <a:p>
+            <a:pPr marL="71550" indent="0">
+              <a:buNone/>
+            </a:pPr>
+            <a:r>
+              <a:rPr lang="en-US" altLang="zh-CN" sz="2400" dirty="0" err="1" smtClean="0">
+                <a:solidFill>
+                  <a:schemeClr val="bg1"/>
+                </a:solidFill>
+                <a:latin typeface="宋体" panose="02010600030101010101" pitchFamily="2" charset="-122"/>
+                <a:ea typeface="宋体" panose="02010600030101010101" pitchFamily="2" charset="-122"/>
+              </a:rPr>
+              <a:t>rs.stepDown</a:t>
+            </a:r>
+            <a:r>
+              <a:rPr lang="en-US" altLang="zh-CN" sz="2400" dirty="0" smtClean="0">
+                <a:solidFill>
+                  <a:schemeClr val="bg1"/>
+                </a:solidFill>
+                <a:latin typeface="宋体" panose="02010600030101010101" pitchFamily="2" charset="-122"/>
+                <a:ea typeface="宋体" panose="02010600030101010101" pitchFamily="2" charset="-122"/>
+              </a:rPr>
+              <a:t>() </a:t>
+            </a:r>
+            <a:r>
+              <a:rPr lang="zh-CN" altLang="en-US" sz="2400" dirty="0" smtClean="0">
+                <a:solidFill>
+                  <a:schemeClr val="bg1"/>
+                </a:solidFill>
+                <a:latin typeface="宋体" panose="02010600030101010101" pitchFamily="2" charset="-122"/>
+                <a:ea typeface="宋体" panose="02010600030101010101" pitchFamily="2" charset="-122"/>
+              </a:rPr>
+              <a:t>将当前复制集节点下线</a:t>
+            </a:r>
+            <a:endParaRPr lang="en-US" altLang="zh-CN" sz="2400" dirty="0" smtClean="0">
+              <a:solidFill>
+                <a:schemeClr val="bg1"/>
+              </a:solidFill>
+              <a:latin typeface="宋体" panose="02010600030101010101" pitchFamily="2" charset="-122"/>
+              <a:ea typeface="宋体" panose="02010600030101010101" pitchFamily="2" charset="-122"/>
+            </a:endParaRPr>
+          </a:p>
+          <a:p>
+            <a:pPr marL="71550" indent="0">
+              <a:buNone/>
+            </a:pPr>
+            <a:r>
+              <a:rPr lang="en-US" altLang="zh-CN" sz="2400" dirty="0" err="1" smtClean="0">
+                <a:solidFill>
+                  <a:schemeClr val="bg1"/>
+                </a:solidFill>
+                <a:latin typeface="宋体" panose="02010600030101010101" pitchFamily="2" charset="-122"/>
+                <a:ea typeface="宋体" panose="02010600030101010101" pitchFamily="2" charset="-122"/>
+              </a:rPr>
+              <a:t>rs.slaveOk</a:t>
+            </a:r>
+            <a:r>
+              <a:rPr lang="en-US" altLang="zh-CN" sz="2400" dirty="0" smtClean="0">
+                <a:solidFill>
+                  <a:schemeClr val="bg1"/>
+                </a:solidFill>
+                <a:latin typeface="宋体" panose="02010600030101010101" pitchFamily="2" charset="-122"/>
+                <a:ea typeface="宋体" panose="02010600030101010101" pitchFamily="2" charset="-122"/>
+              </a:rPr>
+              <a:t>()</a:t>
+            </a:r>
+            <a:r>
+              <a:rPr lang="zh-CN" altLang="en-US" sz="2400" dirty="0" smtClean="0">
+                <a:solidFill>
+                  <a:schemeClr val="bg1"/>
+                </a:solidFill>
+                <a:latin typeface="宋体" panose="02010600030101010101" pitchFamily="2" charset="-122"/>
+                <a:ea typeface="宋体" panose="02010600030101010101" pitchFamily="2" charset="-122"/>
+              </a:rPr>
+              <a:t>默认从节点不允许读取数据，此命令允许当前</a:t>
+            </a:r>
+            <a:r>
+              <a:rPr lang="en-US" altLang="zh-CN" sz="2400" dirty="0" smtClean="0">
+                <a:solidFill>
+                  <a:schemeClr val="bg1"/>
+                </a:solidFill>
+                <a:latin typeface="宋体" panose="02010600030101010101" pitchFamily="2" charset="-122"/>
+                <a:ea typeface="宋体" panose="02010600030101010101" pitchFamily="2" charset="-122"/>
+              </a:rPr>
+              <a:t>session</a:t>
+            </a:r>
+            <a:r>
+              <a:rPr lang="zh-CN" altLang="en-US" sz="2400" dirty="0" smtClean="0">
+                <a:solidFill>
+                  <a:schemeClr val="bg1"/>
+                </a:solidFill>
+                <a:latin typeface="宋体" panose="02010600030101010101" pitchFamily="2" charset="-122"/>
+                <a:ea typeface="宋体" panose="02010600030101010101" pitchFamily="2" charset="-122"/>
+              </a:rPr>
+              <a:t>通过从节点读取数据</a:t>
+            </a:r>
+            <a:endParaRPr lang="zh-CN" altLang="en-US" sz="2400" dirty="0">
+              <a:solidFill>
+                <a:schemeClr val="bg1"/>
+              </a:solidFill>
+              <a:latin typeface="宋体" panose="02010600030101010101" pitchFamily="2" charset="-122"/>
+              <a:ea typeface="宋体" panose="02010600030101010101" pitchFamily="2" charset="-122"/>
+            </a:endParaRPr>
+          </a:p>
+        </p:txBody>
+      </p:sp>
+    </p:spTree>
+    <p:extLst>
+      <p:ext uri="{BB962C8B-B14F-4D97-AF65-F5344CB8AC3E}">
+        <p14:creationId xmlns:p14="http://schemas.microsoft.com/office/powerpoint/2010/main" val="4191058397"/>
+      </p:ext>
+    </p:extLst>
+  </p:cSld>
+  <p:clrMapOvr>
+    <a:masterClrMapping/>
+  </p:clrMapOvr>
+  <mc:AlternateContent xmlns:mc="http://schemas.openxmlformats.org/markup-compatibility/2006" xmlns:p14="http://schemas.microsoft.com/office/powerpoint/2010/main">
+    <mc:Choice Requires="p14">
+      <p:transition spd="med" p14:dur="700">
+        <p:fade/>
+      </p:transition>
+    </mc:Choice>
+    <mc:Fallback xmlns="">
+      <p:transition spd="med">
+        <p:fade/>
+      </p:transition>
+    </mc:Fallback>
+  </mc:AlternateContent>
+  <p:timing>
+    <p:tnLst>
+      <p:par>
+        <p:cTn id="1" dur="indefinite" restart="never" nodeType="tmRoot"/>
+      </p:par>
+    </p:tnLst>
+  </p:timing>
+</p:sld>
+</file>
+
+<file path=ppt/slides/slide37.xml><?xml version="1.0" encoding="utf-8"?>
+<p:sld xmlns:a="http://schemas.openxmlformats.org/drawingml/2006/main" xmlns:r="http://schemas.openxmlformats.org/officeDocument/2006/relationships" xmlns:p="http://schemas.openxmlformats.org/presentationml/2006/main">
+  <p:cSld>
+    <p:spTree>
+      <p:nvGrpSpPr>
+        <p:cNvPr id="1" name=""/>
+        <p:cNvGrpSpPr/>
+        <p:nvPr/>
+      </p:nvGrpSpPr>
+      <p:grpSpPr>
+        <a:xfrm>
+          <a:off x="0" y="0"/>
+          <a:ext cx="0" cy="0"/>
+          <a:chOff x="0" y="0"/>
+          <a:chExt cx="0" cy="0"/>
+        </a:xfrm>
+      </p:grpSpPr>
+      <p:sp>
+        <p:nvSpPr>
+          <p:cNvPr id="2" name="标题 1"/>
+          <p:cNvSpPr>
+            <a:spLocks noGrp="1"/>
+          </p:cNvSpPr>
+          <p:nvPr>
+            <p:ph type="ctrTitle"/>
+          </p:nvPr>
+        </p:nvSpPr>
+        <p:spPr/>
+        <p:txBody>
+          <a:bodyPr>
+            <a:noAutofit/>
+          </a:bodyPr>
+          <a:lstStyle/>
+          <a:p>
+            <a:r>
+              <a:rPr lang="zh-CN" altLang="en-US" sz="3200" dirty="0" smtClean="0"/>
+              <a:t>分析复制集</a:t>
+            </a:r>
+            <a:r>
+              <a:rPr lang="zh-CN" altLang="en-US" sz="3200" dirty="0"/>
+              <a:t>状态</a:t>
+            </a:r>
+            <a:endParaRPr lang="zh-CN" altLang="en-US" sz="3200" dirty="0"/>
+          </a:p>
+        </p:txBody>
+      </p:sp>
+      <p:sp>
+        <p:nvSpPr>
+          <p:cNvPr id="3" name="副标题 2"/>
+          <p:cNvSpPr>
+            <a:spLocks noGrp="1"/>
+          </p:cNvSpPr>
+          <p:nvPr>
+            <p:ph type="subTitle" idx="1"/>
+          </p:nvPr>
+        </p:nvSpPr>
+        <p:spPr/>
+        <p:txBody>
+          <a:bodyPr/>
+          <a:lstStyle/>
+          <a:p>
+            <a:pPr marL="71550" indent="0">
+              <a:buNone/>
+            </a:pPr>
+            <a:r>
+              <a:rPr lang="en-US" altLang="zh-CN" sz="2800" dirty="0" smtClean="0">
+                <a:solidFill>
+                  <a:schemeClr val="bg1"/>
+                </a:solidFill>
+                <a:latin typeface="Calibri" panose="020F0502020204030204" pitchFamily="34" charset="0"/>
+              </a:rPr>
+              <a:t>use  admin</a:t>
+            </a:r>
+          </a:p>
+          <a:p>
+            <a:pPr marL="71550" indent="0">
+              <a:buNone/>
+            </a:pPr>
+            <a:r>
+              <a:rPr lang="en-US" altLang="zh-CN" sz="2800" dirty="0" err="1" smtClean="0">
+                <a:solidFill>
+                  <a:schemeClr val="bg1"/>
+                </a:solidFill>
+                <a:latin typeface="Calibri" panose="020F0502020204030204" pitchFamily="34" charset="0"/>
+              </a:rPr>
+              <a:t>db.runCommand</a:t>
+            </a:r>
+            <a:r>
+              <a:rPr lang="en-US" altLang="zh-CN" sz="2800" dirty="0" smtClean="0">
+                <a:solidFill>
+                  <a:schemeClr val="bg1"/>
+                </a:solidFill>
+                <a:latin typeface="Calibri" panose="020F0502020204030204" pitchFamily="34" charset="0"/>
+              </a:rPr>
+              <a:t>({replSetGetStatus:1})</a:t>
+            </a:r>
+          </a:p>
+          <a:p>
+            <a:pPr marL="71550" indent="0">
+              <a:buNone/>
+            </a:pPr>
+            <a:r>
+              <a:rPr lang="zh-CN" altLang="en-US" sz="2800" dirty="0">
+                <a:solidFill>
+                  <a:schemeClr val="bg1"/>
+                </a:solidFill>
+                <a:latin typeface="Calibri" panose="020F0502020204030204" pitchFamily="34" charset="0"/>
+              </a:rPr>
+              <a:t>等同于</a:t>
+            </a:r>
+            <a:endParaRPr lang="en-US" altLang="zh-CN" sz="2800" dirty="0" smtClean="0">
+              <a:solidFill>
+                <a:schemeClr val="bg1"/>
+              </a:solidFill>
+              <a:latin typeface="Calibri" panose="020F0502020204030204" pitchFamily="34" charset="0"/>
+            </a:endParaRPr>
+          </a:p>
+          <a:p>
+            <a:pPr marL="71550" indent="0">
+              <a:buNone/>
+            </a:pPr>
+            <a:r>
+              <a:rPr lang="en-US" altLang="zh-CN" sz="2800" dirty="0" err="1" smtClean="0">
+                <a:solidFill>
+                  <a:schemeClr val="bg1"/>
+                </a:solidFill>
+                <a:latin typeface="Calibri" panose="020F0502020204030204" pitchFamily="34" charset="0"/>
+              </a:rPr>
+              <a:t>rs.status</a:t>
+            </a:r>
+            <a:r>
+              <a:rPr lang="en-US" altLang="zh-CN" sz="2800" dirty="0" smtClean="0">
+                <a:solidFill>
+                  <a:schemeClr val="bg1"/>
+                </a:solidFill>
+                <a:latin typeface="Calibri" panose="020F0502020204030204" pitchFamily="34" charset="0"/>
+              </a:rPr>
+              <a:t>()</a:t>
+            </a:r>
+          </a:p>
+          <a:p>
+            <a:pPr marL="71550" indent="0">
+              <a:buNone/>
+            </a:pPr>
+            <a:endParaRPr lang="zh-CN" altLang="en-US" dirty="0"/>
+          </a:p>
+        </p:txBody>
+      </p:sp>
+    </p:spTree>
+    <p:extLst>
+      <p:ext uri="{BB962C8B-B14F-4D97-AF65-F5344CB8AC3E}">
+        <p14:creationId xmlns:p14="http://schemas.microsoft.com/office/powerpoint/2010/main" val="3761677307"/>
       </p:ext>
     </p:extLst>
   </p:cSld>
@@ -15246,7 +17421,7 @@
   <a:extraClrSchemeLst/>
   <a:extLst>
     <a:ext uri="{05A4C25C-085E-4340-85A3-A5531E510DB2}">
-      <thm15:themeFamily xmlns:thm15="http://schemas.microsoft.com/office/thememl/2012/main" xmlns="" name="PPT模板V2-Windows-PowerPoint-PPT.potx" id="{20762C19-B23E-4BEB-93D1-C3851CE18177}" vid="{DBA93716-93B0-4C40-BF2A-3EFAFA21AD83}"/>
+      <thm15:themeFamily xmlns="" xmlns:thm15="http://schemas.microsoft.com/office/thememl/2012/main" name="PPT模板V2-Windows-PowerPoint-PPT.potx" id="{20762C19-B23E-4BEB-93D1-C3851CE18177}" vid="{DBA93716-93B0-4C40-BF2A-3EFAFA21AD83}"/>
     </a:ext>
   </a:extLst>
 </a:theme>
@@ -16576,7 +18751,7 @@
   <a:extraClrSchemeLst/>
   <a:extLst>
     <a:ext uri="{05A4C25C-085E-4340-85A3-A5531E510DB2}">
-      <thm15:themeFamily xmlns:thm15="http://schemas.microsoft.com/office/thememl/2012/main" xmlns="" name="Office Theme" id="{62F939B6-93AF-4DB8-9C6B-D6C7DFDC589F}" vid="{4A3C46E8-61CC-4603-A589-7422A47A8E4A}"/>
+      <thm15:themeFamily xmlns="" xmlns:thm15="http://schemas.microsoft.com/office/thememl/2012/main" name="Office Theme" id="{62F939B6-93AF-4DB8-9C6B-D6C7DFDC589F}" vid="{4A3C46E8-61CC-4603-A589-7422A47A8E4A}"/>
     </a:ext>
   </a:extLst>
 </a:theme>

--- a/PPT/12 MongoDB 复制集.pptx
+++ b/PPT/12 MongoDB 复制集.pptx
@@ -5,10 +5,10 @@
     <p:sldMasterId id="2147483648" r:id="rId1"/>
   </p:sldMasterIdLst>
   <p:notesMasterIdLst>
-    <p:notesMasterId r:id="rId39"/>
+    <p:notesMasterId r:id="rId40"/>
   </p:notesMasterIdLst>
   <p:handoutMasterIdLst>
-    <p:handoutMasterId r:id="rId40"/>
+    <p:handoutMasterId r:id="rId41"/>
   </p:handoutMasterIdLst>
   <p:sldIdLst>
     <p:sldId id="317" r:id="rId2"/>
@@ -48,6 +48,7 @@
     <p:sldId id="363" r:id="rId36"/>
     <p:sldId id="358" r:id="rId37"/>
     <p:sldId id="360" r:id="rId38"/>
+    <p:sldId id="364" r:id="rId39"/>
   </p:sldIdLst>
   <p:sldSz cx="9144000" cy="5143500" type="screen16x9"/>
   <p:notesSz cx="6858000" cy="9144000"/>
@@ -154,7 +155,7 @@
   </p:defaultTextStyle>
   <p:extLst>
     <p:ext uri="{EFAFB233-063F-42B5-8137-9DF3F51BA10A}">
-      <p15:sldGuideLst xmlns="" xmlns:p15="http://schemas.microsoft.com/office/powerpoint/2012/main">
+      <p15:sldGuideLst xmlns:p15="http://schemas.microsoft.com/office/powerpoint/2012/main" xmlns="">
         <p15:guide id="1" orient="horz" pos="4320" userDrawn="1">
           <p15:clr>
             <a:srgbClr val="A4A3A4"/>
@@ -178,7 +179,7 @@
       </p15:sldGuideLst>
     </p:ext>
     <p:ext uri="{2D200454-40CA-4A62-9FC3-DE9A4176ACB9}">
-      <p15:notesGuideLst xmlns="" xmlns:p15="http://schemas.microsoft.com/office/powerpoint/2012/main"/>
+      <p15:notesGuideLst xmlns:p15="http://schemas.microsoft.com/office/powerpoint/2012/main" xmlns=""/>
     </p:ext>
   </p:extLst>
 </p:presentation>
@@ -4742,7 +4743,7 @@
           </a:ln>
           <a:extLst>
             <a:ext uri="{C572A759-6A51-4108-AA02-DFA0A04FC94B}">
-              <ma14:wrappingTextBoxFlag xmlns="" xmlns:ma14="http://schemas.microsoft.com/office/mac/drawingml/2011/main" val="1"/>
+              <ma14:wrappingTextBoxFlag xmlns:ma14="http://schemas.microsoft.com/office/mac/drawingml/2011/main" xmlns="" val="1"/>
             </a:ext>
           </a:extLst>
         </p:spPr>
@@ -4798,7 +4799,7 @@
           </a:ln>
           <a:extLst>
             <a:ext uri="{C572A759-6A51-4108-AA02-DFA0A04FC94B}">
-              <ma14:wrappingTextBoxFlag xmlns="" xmlns:ma14="http://schemas.microsoft.com/office/mac/drawingml/2011/main" val="1"/>
+              <ma14:wrappingTextBoxFlag xmlns:ma14="http://schemas.microsoft.com/office/mac/drawingml/2011/main" xmlns="" val="1"/>
             </a:ext>
           </a:extLst>
         </p:spPr>
@@ -8096,16 +8097,7 @@
                 </a:solidFill>
                 <a:latin typeface="Calibri" panose="020F0502020204030204" pitchFamily="34" charset="0"/>
               </a:rPr>
-              <a:t>[1].</a:t>
-            </a:r>
-            <a:r>
-              <a:rPr lang="en-US" altLang="zh-CN" sz="2400" dirty="0" smtClean="0">
-                <a:solidFill>
-                  <a:srgbClr val="FF0000"/>
-                </a:solidFill>
-                <a:latin typeface="Calibri" panose="020F0502020204030204" pitchFamily="34" charset="0"/>
-              </a:rPr>
-              <a:t>priority=10</a:t>
+              <a:t>[1].priority=10</a:t>
             </a:r>
           </a:p>
           <a:p>
@@ -14604,7 +14596,6 @@
               <a:rPr lang="zh-CN" altLang="en-US" sz="3200" dirty="0"/>
               <a:t>数据回滚</a:t>
             </a:r>
-            <a:endParaRPr lang="zh-CN" altLang="en-US" sz="3200" dirty="0"/>
           </a:p>
         </p:txBody>
       </p:sp>
@@ -14829,7 +14820,7 @@
         </p:spPr>
         <p:txBody>
           <a:bodyPr>
-            <a:normAutofit fontScale="92500"/>
+            <a:normAutofit fontScale="92500" lnSpcReduction="20000"/>
           </a:bodyPr>
           <a:lstStyle/>
           <a:p>
@@ -15096,7 +15087,7 @@
                 <a:latin typeface="宋体" panose="02010600030101010101" pitchFamily="2" charset="-122"/>
                 <a:ea typeface="宋体" panose="02010600030101010101" pitchFamily="2" charset="-122"/>
               </a:rPr>
-              <a:t>rs.printSlaveReplication</a:t>
+              <a:t>rs.printSlaveReplicationInfo</a:t>
             </a:r>
             <a:r>
               <a:rPr lang="en-US" altLang="zh-CN" sz="2400" dirty="0" smtClean="0">
@@ -15499,7 +15490,6 @@
               <a:rPr lang="zh-CN" altLang="en-US" sz="3200" dirty="0"/>
               <a:t>状态</a:t>
             </a:r>
-            <a:endParaRPr lang="zh-CN" altLang="en-US" sz="3200" dirty="0"/>
           </a:p>
         </p:txBody>
       </p:sp>
@@ -15634,6 +15624,185 @@
       </p:par>
     </p:tnLst>
   </p:timing>
+</p:sld>
+</file>
+
+<file path=ppt/slides/slide38.xml><?xml version="1.0" encoding="utf-8"?>
+<p:sld xmlns:a="http://schemas.openxmlformats.org/drawingml/2006/main" xmlns:r="http://schemas.openxmlformats.org/officeDocument/2006/relationships" xmlns:p="http://schemas.openxmlformats.org/presentationml/2006/main">
+  <p:cSld>
+    <p:spTree>
+      <p:nvGrpSpPr>
+        <p:cNvPr id="1" name=""/>
+        <p:cNvGrpSpPr/>
+        <p:nvPr/>
+      </p:nvGrpSpPr>
+      <p:grpSpPr>
+        <a:xfrm>
+          <a:off x="0" y="0"/>
+          <a:ext cx="0" cy="0"/>
+          <a:chOff x="0" y="0"/>
+          <a:chExt cx="0" cy="0"/>
+        </a:xfrm>
+      </p:grpSpPr>
+      <p:sp>
+        <p:nvSpPr>
+          <p:cNvPr id="2" name="标题 1"/>
+          <p:cNvSpPr>
+            <a:spLocks noGrp="1"/>
+          </p:cNvSpPr>
+          <p:nvPr>
+            <p:ph type="ctrTitle"/>
+          </p:nvPr>
+        </p:nvSpPr>
+        <p:spPr/>
+        <p:txBody>
+          <a:bodyPr/>
+          <a:lstStyle/>
+          <a:p>
+            <a:endParaRPr lang="zh-CN" altLang="en-US"/>
+          </a:p>
+        </p:txBody>
+      </p:sp>
+      <p:sp>
+        <p:nvSpPr>
+          <p:cNvPr id="3" name="副标题 2"/>
+          <p:cNvSpPr>
+            <a:spLocks noGrp="1"/>
+          </p:cNvSpPr>
+          <p:nvPr>
+            <p:ph type="subTitle" idx="1"/>
+          </p:nvPr>
+        </p:nvSpPr>
+        <p:spPr/>
+        <p:txBody>
+          <a:bodyPr/>
+          <a:lstStyle/>
+          <a:p>
+            <a:r>
+              <a:rPr lang="en-US" altLang="zh-CN" dirty="0"/>
+              <a:t>A replica set can have up to </a:t>
+            </a:r>
+            <a:r>
+              <a:rPr lang="en-US" altLang="zh-CN" dirty="0">
+                <a:hlinkClick r:id="rId2"/>
+              </a:rPr>
+              <a:t>50 members</a:t>
+            </a:r>
+            <a:r>
+              <a:rPr lang="en-US" altLang="zh-CN" dirty="0"/>
+              <a:t> but only 7 voting members</a:t>
+            </a:r>
+            <a:r>
+              <a:rPr lang="en-US" altLang="zh-CN" dirty="0" smtClean="0"/>
+              <a:t>.</a:t>
+            </a:r>
+          </a:p>
+          <a:p>
+            <a:r>
+              <a:rPr lang="zh-CN" altLang="en-US" dirty="0"/>
+              <a:t>在副本集的环境中，要是所有的</a:t>
+            </a:r>
+            <a:r>
+              <a:rPr lang="en-US" altLang="zh-CN" dirty="0"/>
+              <a:t>Secondary</a:t>
+            </a:r>
+            <a:r>
+              <a:rPr lang="zh-CN" altLang="en-US" dirty="0"/>
+              <a:t>都宕机了，只剩下</a:t>
+            </a:r>
+            <a:r>
+              <a:rPr lang="en-US" altLang="zh-CN" dirty="0"/>
+              <a:t>Primary</a:t>
+            </a:r>
+            <a:r>
+              <a:rPr lang="zh-CN" altLang="en-US" dirty="0"/>
+              <a:t>。最后</a:t>
+            </a:r>
+            <a:r>
+              <a:rPr lang="en-US" altLang="zh-CN" dirty="0" smtClean="0"/>
+              <a:t>Primary</a:t>
+            </a:r>
+            <a:r>
+              <a:rPr lang="zh-CN" altLang="en-US" dirty="0"/>
+              <a:t>会变成</a:t>
+            </a:r>
+            <a:r>
+              <a:rPr lang="en-US" altLang="zh-CN" dirty="0"/>
+              <a:t>Secondary</a:t>
+            </a:r>
+            <a:r>
+              <a:rPr lang="zh-CN" altLang="en-US" dirty="0"/>
+              <a:t>，不能提供服务</a:t>
+            </a:r>
+            <a:r>
+              <a:rPr lang="zh-CN" altLang="en-US" dirty="0" smtClean="0"/>
+              <a:t>。</a:t>
+            </a:r>
+            <a:endParaRPr lang="en-US" altLang="zh-CN" dirty="0" smtClean="0"/>
+          </a:p>
+          <a:p>
+            <a:r>
+              <a:rPr lang="zh-CN" altLang="en-US" dirty="0"/>
+              <a:t>一个复制集中可设置</a:t>
+            </a:r>
+            <a:r>
+              <a:rPr lang="en-US" altLang="zh-CN" dirty="0"/>
+              <a:t>50</a:t>
+            </a:r>
+            <a:r>
+              <a:rPr lang="zh-CN" altLang="en-US" dirty="0"/>
+              <a:t>个成员，但只有</a:t>
+            </a:r>
+            <a:r>
+              <a:rPr lang="en-US" altLang="zh-CN" dirty="0"/>
+              <a:t>7</a:t>
+            </a:r>
+            <a:r>
+              <a:rPr lang="zh-CN" altLang="en-US" dirty="0"/>
+              <a:t>个投票成员（包括</a:t>
+            </a:r>
+            <a:r>
+              <a:rPr lang="en-US" altLang="zh-CN" dirty="0"/>
+              <a:t>primary</a:t>
+            </a:r>
+            <a:r>
+              <a:rPr lang="zh-CN" altLang="en-US" dirty="0"/>
+              <a:t>），其余为非投票成员（</a:t>
+            </a:r>
+            <a:r>
+              <a:rPr lang="en-US" altLang="zh-CN" dirty="0"/>
+              <a:t>Non-Voting Members</a:t>
+            </a:r>
+            <a:r>
+              <a:rPr lang="zh-CN" altLang="en-US" dirty="0"/>
+              <a:t>）。非投票成员是复制集中数据的备份副本，不参与投票，但可以被投票或成为主节点。</a:t>
+            </a:r>
+            <a:endParaRPr lang="zh-CN" altLang="en-US" dirty="0"/>
+          </a:p>
+        </p:txBody>
+      </p:sp>
+    </p:spTree>
+    <p:extLst>
+      <p:ext uri="{BB962C8B-B14F-4D97-AF65-F5344CB8AC3E}">
+        <p14:creationId xmlns:p14="http://schemas.microsoft.com/office/powerpoint/2010/main" val="3098733967"/>
+      </p:ext>
+    </p:extLst>
+  </p:cSld>
+  <p:clrMapOvr>
+    <a:masterClrMapping/>
+  </p:clrMapOvr>
+  <mc:AlternateContent xmlns:mc="http://schemas.openxmlformats.org/markup-compatibility/2006" xmlns:p14="http://schemas.microsoft.com/office/powerpoint/2010/main">
+    <mc:Choice Requires="p14">
+      <p:transition spd="med" p14:dur="700">
+        <p:fade/>
+      </p:transition>
+    </mc:Choice>
+    <mc:Fallback xmlns="">
+      <p:transition spd="med">
+        <p:fade/>
+      </p:transition>
+    </mc:Fallback>
+  </mc:AlternateContent>
 </p:sld>
 </file>
 
@@ -17421,7 +17590,7 @@
   <a:extraClrSchemeLst/>
   <a:extLst>
     <a:ext uri="{05A4C25C-085E-4340-85A3-A5531E510DB2}">
-      <thm15:themeFamily xmlns="" xmlns:thm15="http://schemas.microsoft.com/office/thememl/2012/main" name="PPT模板V2-Windows-PowerPoint-PPT.potx" id="{20762C19-B23E-4BEB-93D1-C3851CE18177}" vid="{DBA93716-93B0-4C40-BF2A-3EFAFA21AD83}"/>
+      <thm15:themeFamily xmlns:thm15="http://schemas.microsoft.com/office/thememl/2012/main" xmlns="" name="PPT模板V2-Windows-PowerPoint-PPT.potx" id="{20762C19-B23E-4BEB-93D1-C3851CE18177}" vid="{DBA93716-93B0-4C40-BF2A-3EFAFA21AD83}"/>
     </a:ext>
   </a:extLst>
 </a:theme>
@@ -18751,7 +18920,7 @@
   <a:extraClrSchemeLst/>
   <a:extLst>
     <a:ext uri="{05A4C25C-085E-4340-85A3-A5531E510DB2}">
-      <thm15:themeFamily xmlns="" xmlns:thm15="http://schemas.microsoft.com/office/thememl/2012/main" name="Office Theme" id="{62F939B6-93AF-4DB8-9C6B-D6C7DFDC589F}" vid="{4A3C46E8-61CC-4603-A589-7422A47A8E4A}"/>
+      <thm15:themeFamily xmlns:thm15="http://schemas.microsoft.com/office/thememl/2012/main" xmlns="" name="Office Theme" id="{62F939B6-93AF-4DB8-9C6B-D6C7DFDC589F}" vid="{4A3C46E8-61CC-4603-A589-7422A47A8E4A}"/>
     </a:ext>
   </a:extLst>
 </a:theme>
